--- a/ppt/Portfolio.pptx
+++ b/ppt/Portfolio.pptx
@@ -1,43 +1,43 @@
 
 <file path=ppt/presentation.xml><?xml version="1.0" encoding="utf-8"?>
-<p:presentation xmlns:a="http://schemas.openxmlformats.org/drawingml/2006/main" xmlns:r="http://schemas.openxmlformats.org/officeDocument/2006/relationships" xmlns:mc="http://schemas.openxmlformats.org/markup-compatibility/2006" xmlns:mv="urn:schemas-microsoft-com:mac:vml" xmlns:p="http://schemas.openxmlformats.org/presentationml/2006/main" xmlns:c="http://schemas.openxmlformats.org/drawingml/2006/chart" xmlns:dgm="http://schemas.openxmlformats.org/drawingml/2006/diagram" xmlns:o="urn:schemas-microsoft-com:office:office" xmlns:v="urn:schemas-microsoft-com:vml" xmlns:pvml="urn:schemas-microsoft-com:office:powerpoint" xmlns:com="http://schemas.openxmlformats.org/drawingml/2006/compatibility" xmlns:p14="http://schemas.microsoft.com/office/powerpoint/2010/main" xmlns:p15="http://schemas.microsoft.com/office/powerpoint/2012/main" xmlns:ahyp="http://schemas.microsoft.com/office/drawing/2018/hyperlinkcolor" autoCompressPictures="0" embedTrueTypeFonts="1" strictFirstAndLastChars="0" saveSubsetFonts="1">
+<p:presentation xmlns:a="http://schemas.openxmlformats.org/drawingml/2006/main" xmlns:r="http://schemas.openxmlformats.org/officeDocument/2006/relationships" xmlns:p="http://schemas.openxmlformats.org/presentationml/2006/main" strictFirstAndLastChars="0" embedTrueTypeFonts="1" saveSubsetFonts="1" autoCompressPictures="0">
   <p:sldMasterIdLst>
-    <p:sldMasterId id="2147483659" r:id="rId4"/>
+    <p:sldMasterId id="2147483659" r:id="rId1"/>
   </p:sldMasterIdLst>
   <p:notesMasterIdLst>
-    <p:notesMasterId r:id="rId5"/>
+    <p:notesMasterId r:id="rId11"/>
   </p:notesMasterIdLst>
   <p:sldIdLst>
-    <p:sldId id="256" r:id="rId6"/>
-    <p:sldId id="257" r:id="rId7"/>
-    <p:sldId id="258" r:id="rId8"/>
-    <p:sldId id="259" r:id="rId9"/>
-    <p:sldId id="260" r:id="rId10"/>
-    <p:sldId id="261" r:id="rId11"/>
-    <p:sldId id="262" r:id="rId12"/>
-    <p:sldId id="263" r:id="rId13"/>
-    <p:sldId id="264" r:id="rId14"/>
+    <p:sldId id="256" r:id="rId2"/>
+    <p:sldId id="257" r:id="rId3"/>
+    <p:sldId id="258" r:id="rId4"/>
+    <p:sldId id="259" r:id="rId5"/>
+    <p:sldId id="261" r:id="rId6"/>
+    <p:sldId id="260" r:id="rId7"/>
+    <p:sldId id="262" r:id="rId8"/>
+    <p:sldId id="263" r:id="rId9"/>
+    <p:sldId id="264" r:id="rId10"/>
   </p:sldIdLst>
-  <p:sldSz cy="5143500" cx="9144000"/>
+  <p:sldSz cx="9144000" cy="5143500" type="screen16x9"/>
   <p:notesSz cx="6858000" cy="9144000"/>
   <p:embeddedFontLst>
     <p:embeddedFont>
-      <p:font typeface="Economica"/>
-      <p:regular r:id="rId15"/>
-      <p:bold r:id="rId16"/>
-      <p:italic r:id="rId17"/>
-      <p:boldItalic r:id="rId18"/>
+      <p:font typeface="Economica" panose="02010600030101010101" charset="0"/>
+      <p:regular r:id="rId12"/>
+      <p:bold r:id="rId13"/>
+      <p:italic r:id="rId14"/>
+      <p:boldItalic r:id="rId15"/>
     </p:embeddedFont>
     <p:embeddedFont>
-      <p:font typeface="Open Sans"/>
-      <p:regular r:id="rId19"/>
-      <p:bold r:id="rId20"/>
-      <p:italic r:id="rId21"/>
-      <p:boldItalic r:id="rId22"/>
+      <p:font typeface="Open Sans" panose="020B0606030504020204" pitchFamily="34" charset="0"/>
+      <p:regular r:id="rId16"/>
+      <p:bold r:id="rId17"/>
+      <p:italic r:id="rId18"/>
+      <p:boldItalic r:id="rId19"/>
     </p:embeddedFont>
   </p:embeddedFontLst>
   <p:defaultTextStyle>
-    <a:defPPr lvl="0" marR="0" rtl="0" algn="l">
+    <a:defPPr marR="0" lvl="0" algn="l" rtl="0">
       <a:lnSpc>
         <a:spcPct val="100000"/>
       </a:lnSpc>
@@ -48,7 +48,7 @@
         <a:spcPts val="0"/>
       </a:spcAft>
     </a:defPPr>
-    <a:lvl1pPr lvl="0" marR="0" rtl="0" algn="l">
+    <a:lvl1pPr marR="0" lvl="0" algn="l" rtl="0">
       <a:lnSpc>
         <a:spcPct val="100000"/>
       </a:lnSpc>
@@ -62,7 +62,7 @@
         <a:srgbClr val="000000"/>
       </a:buClr>
       <a:buFont typeface="Arial"/>
-      <a:defRPr b="0" i="0" sz="1400" u="none" cap="none" strike="noStrike">
+      <a:defRPr sz="1400" b="0" i="0" u="none" strike="noStrike" cap="none">
         <a:solidFill>
           <a:srgbClr val="000000"/>
         </a:solidFill>
@@ -72,7 +72,7 @@
         <a:sym typeface="Arial"/>
       </a:defRPr>
     </a:lvl1pPr>
-    <a:lvl2pPr lvl="1" marR="0" rtl="0" algn="l">
+    <a:lvl2pPr marR="0" lvl="1" algn="l" rtl="0">
       <a:lnSpc>
         <a:spcPct val="100000"/>
       </a:lnSpc>
@@ -86,7 +86,7 @@
         <a:srgbClr val="000000"/>
       </a:buClr>
       <a:buFont typeface="Arial"/>
-      <a:defRPr b="0" i="0" sz="1400" u="none" cap="none" strike="noStrike">
+      <a:defRPr sz="1400" b="0" i="0" u="none" strike="noStrike" cap="none">
         <a:solidFill>
           <a:srgbClr val="000000"/>
         </a:solidFill>
@@ -96,7 +96,7 @@
         <a:sym typeface="Arial"/>
       </a:defRPr>
     </a:lvl2pPr>
-    <a:lvl3pPr lvl="2" marR="0" rtl="0" algn="l">
+    <a:lvl3pPr marR="0" lvl="2" algn="l" rtl="0">
       <a:lnSpc>
         <a:spcPct val="100000"/>
       </a:lnSpc>
@@ -110,7 +110,7 @@
         <a:srgbClr val="000000"/>
       </a:buClr>
       <a:buFont typeface="Arial"/>
-      <a:defRPr b="0" i="0" sz="1400" u="none" cap="none" strike="noStrike">
+      <a:defRPr sz="1400" b="0" i="0" u="none" strike="noStrike" cap="none">
         <a:solidFill>
           <a:srgbClr val="000000"/>
         </a:solidFill>
@@ -120,7 +120,7 @@
         <a:sym typeface="Arial"/>
       </a:defRPr>
     </a:lvl3pPr>
-    <a:lvl4pPr lvl="3" marR="0" rtl="0" algn="l">
+    <a:lvl4pPr marR="0" lvl="3" algn="l" rtl="0">
       <a:lnSpc>
         <a:spcPct val="100000"/>
       </a:lnSpc>
@@ -134,7 +134,7 @@
         <a:srgbClr val="000000"/>
       </a:buClr>
       <a:buFont typeface="Arial"/>
-      <a:defRPr b="0" i="0" sz="1400" u="none" cap="none" strike="noStrike">
+      <a:defRPr sz="1400" b="0" i="0" u="none" strike="noStrike" cap="none">
         <a:solidFill>
           <a:srgbClr val="000000"/>
         </a:solidFill>
@@ -144,7 +144,7 @@
         <a:sym typeface="Arial"/>
       </a:defRPr>
     </a:lvl4pPr>
-    <a:lvl5pPr lvl="4" marR="0" rtl="0" algn="l">
+    <a:lvl5pPr marR="0" lvl="4" algn="l" rtl="0">
       <a:lnSpc>
         <a:spcPct val="100000"/>
       </a:lnSpc>
@@ -158,7 +158,7 @@
         <a:srgbClr val="000000"/>
       </a:buClr>
       <a:buFont typeface="Arial"/>
-      <a:defRPr b="0" i="0" sz="1400" u="none" cap="none" strike="noStrike">
+      <a:defRPr sz="1400" b="0" i="0" u="none" strike="noStrike" cap="none">
         <a:solidFill>
           <a:srgbClr val="000000"/>
         </a:solidFill>
@@ -168,7 +168,7 @@
         <a:sym typeface="Arial"/>
       </a:defRPr>
     </a:lvl5pPr>
-    <a:lvl6pPr lvl="5" marR="0" rtl="0" algn="l">
+    <a:lvl6pPr marR="0" lvl="5" algn="l" rtl="0">
       <a:lnSpc>
         <a:spcPct val="100000"/>
       </a:lnSpc>
@@ -182,7 +182,7 @@
         <a:srgbClr val="000000"/>
       </a:buClr>
       <a:buFont typeface="Arial"/>
-      <a:defRPr b="0" i="0" sz="1400" u="none" cap="none" strike="noStrike">
+      <a:defRPr sz="1400" b="0" i="0" u="none" strike="noStrike" cap="none">
         <a:solidFill>
           <a:srgbClr val="000000"/>
         </a:solidFill>
@@ -192,7 +192,7 @@
         <a:sym typeface="Arial"/>
       </a:defRPr>
     </a:lvl6pPr>
-    <a:lvl7pPr lvl="6" marR="0" rtl="0" algn="l">
+    <a:lvl7pPr marR="0" lvl="6" algn="l" rtl="0">
       <a:lnSpc>
         <a:spcPct val="100000"/>
       </a:lnSpc>
@@ -206,7 +206,7 @@
         <a:srgbClr val="000000"/>
       </a:buClr>
       <a:buFont typeface="Arial"/>
-      <a:defRPr b="0" i="0" sz="1400" u="none" cap="none" strike="noStrike">
+      <a:defRPr sz="1400" b="0" i="0" u="none" strike="noStrike" cap="none">
         <a:solidFill>
           <a:srgbClr val="000000"/>
         </a:solidFill>
@@ -216,7 +216,7 @@
         <a:sym typeface="Arial"/>
       </a:defRPr>
     </a:lvl7pPr>
-    <a:lvl8pPr lvl="7" marR="0" rtl="0" algn="l">
+    <a:lvl8pPr marR="0" lvl="7" algn="l" rtl="0">
       <a:lnSpc>
         <a:spcPct val="100000"/>
       </a:lnSpc>
@@ -230,7 +230,7 @@
         <a:srgbClr val="000000"/>
       </a:buClr>
       <a:buFont typeface="Arial"/>
-      <a:defRPr b="0" i="0" sz="1400" u="none" cap="none" strike="noStrike">
+      <a:defRPr sz="1400" b="0" i="0" u="none" strike="noStrike" cap="none">
         <a:solidFill>
           <a:srgbClr val="000000"/>
         </a:solidFill>
@@ -240,7 +240,7 @@
         <a:sym typeface="Arial"/>
       </a:defRPr>
     </a:lvl8pPr>
-    <a:lvl9pPr lvl="8" marR="0" rtl="0" algn="l">
+    <a:lvl9pPr marR="0" lvl="8" algn="l" rtl="0">
       <a:lnSpc>
         <a:spcPct val="100000"/>
       </a:lnSpc>
@@ -254,7 +254,7 @@
         <a:srgbClr val="000000"/>
       </a:buClr>
       <a:buFont typeface="Arial"/>
-      <a:defRPr b="0" i="0" sz="1400" u="none" cap="none" strike="noStrike">
+      <a:defRPr sz="1400" b="0" i="0" u="none" strike="noStrike" cap="none">
         <a:solidFill>
           <a:srgbClr val="000000"/>
         </a:solidFill>
@@ -267,7 +267,7 @@
   </p:defaultTextStyle>
   <p:extLst>
     <p:ext uri="{EFAFB233-063F-42B5-8137-9DF3F51BA10A}">
-      <p15:sldGuideLst>
+      <p15:sldGuideLst xmlns:p15="http://schemas.microsoft.com/office/powerpoint/2012/main">
         <p15:guide id="1" orient="horz" pos="1620">
           <p15:clr>
             <a:srgbClr val="A4A3A4"/>
@@ -285,11 +285,16 @@
 </file>
 
 <file path=ppt/notesMasters/notesMaster1.xml><?xml version="1.0" encoding="utf-8"?>
-<p:notesMaster xmlns:a="http://schemas.openxmlformats.org/drawingml/2006/main" xmlns:r="http://schemas.openxmlformats.org/officeDocument/2006/relationships" xmlns:mc="http://schemas.openxmlformats.org/markup-compatibility/2006" xmlns:mv="urn:schemas-microsoft-com:mac:vml" xmlns:p="http://schemas.openxmlformats.org/presentationml/2006/main" xmlns:c="http://schemas.openxmlformats.org/drawingml/2006/chart" xmlns:dgm="http://schemas.openxmlformats.org/drawingml/2006/diagram" xmlns:o="urn:schemas-microsoft-com:office:office" xmlns:v="urn:schemas-microsoft-com:vml" xmlns:pvml="urn:schemas-microsoft-com:office:powerpoint" xmlns:com="http://schemas.openxmlformats.org/drawingml/2006/compatibility" xmlns:p14="http://schemas.microsoft.com/office/powerpoint/2010/main" xmlns:p15="http://schemas.microsoft.com/office/powerpoint/2012/main" xmlns:ahyp="http://schemas.microsoft.com/office/drawing/2018/hyperlinkcolor">
+<p:notesMaster xmlns:a="http://schemas.openxmlformats.org/drawingml/2006/main" xmlns:r="http://schemas.openxmlformats.org/officeDocument/2006/relationships" xmlns:p="http://schemas.openxmlformats.org/presentationml/2006/main">
   <p:cSld>
+    <p:bg>
+      <p:bgRef idx="1001">
+        <a:schemeClr val="bg1"/>
+      </p:bgRef>
+    </p:bg>
     <p:spTree>
       <p:nvGrpSpPr>
-        <p:cNvPr id="2" name="Shape 2"/>
+        <p:cNvPr id="1" name="Shape 2"/>
         <p:cNvGrpSpPr/>
         <p:nvPr/>
       </p:nvGrpSpPr>
@@ -304,9 +309,11 @@
       <p:sp>
         <p:nvSpPr>
           <p:cNvPr id="3" name="Google Shape;3;n"/>
-          <p:cNvSpPr/>
+          <p:cNvSpPr>
+            <a:spLocks noGrp="1" noRot="1" noChangeAspect="1"/>
+          </p:cNvSpPr>
           <p:nvPr>
-            <p:ph idx="2" type="sldImg"/>
+            <p:ph type="sldImg" idx="2"/>
           </p:nvPr>
         </p:nvSpPr>
         <p:spPr>
@@ -315,9 +322,13 @@
             <a:ext cx="6096075" cy="3429000"/>
           </a:xfrm>
           <a:custGeom>
-            <a:rect b="b" l="l" r="r" t="t"/>
+            <a:avLst/>
+            <a:gdLst/>
+            <a:ahLst/>
+            <a:cxnLst/>
+            <a:rect l="l" t="t" r="r" b="b"/>
             <a:pathLst>
-              <a:path extrusionOk="0" h="120000" w="120000">
+              <a:path w="120000" h="120000" extrusionOk="0">
                 <a:moveTo>
                   <a:pt x="0" y="0"/>
                 </a:moveTo>
@@ -335,23 +346,25 @@
             </a:pathLst>
           </a:custGeom>
           <a:noFill/>
-          <a:ln cap="flat" cmpd="sng" w="9525">
+          <a:ln w="9525" cap="flat" cmpd="sng">
             <a:solidFill>
               <a:srgbClr val="000000"/>
             </a:solidFill>
             <a:prstDash val="solid"/>
             <a:round/>
-            <a:headEnd len="sm" w="sm" type="none"/>
-            <a:tailEnd len="sm" w="sm" type="none"/>
+            <a:headEnd type="none" w="sm" len="sm"/>
+            <a:tailEnd type="none" w="sm" len="sm"/>
           </a:ln>
         </p:spPr>
       </p:sp>
       <p:sp>
         <p:nvSpPr>
           <p:cNvPr id="4" name="Google Shape;4;n"/>
-          <p:cNvSpPr txBox="1"/>
+          <p:cNvSpPr txBox="1">
+            <a:spLocks noGrp="1"/>
+          </p:cNvSpPr>
           <p:nvPr>
-            <p:ph idx="1" type="body"/>
+            <p:ph type="body" idx="1"/>
           </p:nvPr>
         </p:nvSpPr>
         <p:spPr>
@@ -368,11 +381,11 @@
           </a:ln>
         </p:spPr>
         <p:txBody>
-          <a:bodyPr anchorCtr="0" anchor="t" bIns="91425" lIns="91425" spcFirstLastPara="1" rIns="91425" wrap="square" tIns="91425">
+          <a:bodyPr spcFirstLastPara="1" wrap="square" lIns="91425" tIns="91425" rIns="91425" bIns="91425" anchor="t" anchorCtr="0">
             <a:noAutofit/>
           </a:bodyPr>
           <a:lstStyle>
-            <a:lvl1pPr indent="-298450" lvl="0" marL="457200">
+            <a:lvl1pPr marL="457200" lvl="0" indent="-298450">
               <a:spcBef>
                 <a:spcPts val="0"/>
               </a:spcBef>
@@ -383,7 +396,7 @@
               <a:buChar char="●"/>
               <a:defRPr sz="1100"/>
             </a:lvl1pPr>
-            <a:lvl2pPr indent="-298450" lvl="1" marL="914400">
+            <a:lvl2pPr marL="914400" lvl="1" indent="-298450">
               <a:spcBef>
                 <a:spcPts val="0"/>
               </a:spcBef>
@@ -394,7 +407,7 @@
               <a:buChar char="○"/>
               <a:defRPr sz="1100"/>
             </a:lvl2pPr>
-            <a:lvl3pPr indent="-298450" lvl="2" marL="1371600">
+            <a:lvl3pPr marL="1371600" lvl="2" indent="-298450">
               <a:spcBef>
                 <a:spcPts val="0"/>
               </a:spcBef>
@@ -405,7 +418,7 @@
               <a:buChar char="■"/>
               <a:defRPr sz="1100"/>
             </a:lvl3pPr>
-            <a:lvl4pPr indent="-298450" lvl="3" marL="1828800">
+            <a:lvl4pPr marL="1828800" lvl="3" indent="-298450">
               <a:spcBef>
                 <a:spcPts val="0"/>
               </a:spcBef>
@@ -416,7 +429,7 @@
               <a:buChar char="●"/>
               <a:defRPr sz="1100"/>
             </a:lvl4pPr>
-            <a:lvl5pPr indent="-298450" lvl="4" marL="2286000">
+            <a:lvl5pPr marL="2286000" lvl="4" indent="-298450">
               <a:spcBef>
                 <a:spcPts val="0"/>
               </a:spcBef>
@@ -427,7 +440,7 @@
               <a:buChar char="○"/>
               <a:defRPr sz="1100"/>
             </a:lvl5pPr>
-            <a:lvl6pPr indent="-298450" lvl="5" marL="2743200">
+            <a:lvl6pPr marL="2743200" lvl="5" indent="-298450">
               <a:spcBef>
                 <a:spcPts val="0"/>
               </a:spcBef>
@@ -438,7 +451,7 @@
               <a:buChar char="■"/>
               <a:defRPr sz="1100"/>
             </a:lvl6pPr>
-            <a:lvl7pPr indent="-298450" lvl="6" marL="3200400">
+            <a:lvl7pPr marL="3200400" lvl="6" indent="-298450">
               <a:spcBef>
                 <a:spcPts val="0"/>
               </a:spcBef>
@@ -449,7 +462,7 @@
               <a:buChar char="●"/>
               <a:defRPr sz="1100"/>
             </a:lvl7pPr>
-            <a:lvl8pPr indent="-298450" lvl="7" marL="3657600">
+            <a:lvl8pPr marL="3657600" lvl="7" indent="-298450">
               <a:spcBef>
                 <a:spcPts val="0"/>
               </a:spcBef>
@@ -460,7 +473,7 @@
               <a:buChar char="○"/>
               <a:defRPr sz="1100"/>
             </a:lvl8pPr>
-            <a:lvl9pPr indent="-298450" lvl="8" marL="4114800">
+            <a:lvl9pPr marL="4114800" lvl="8" indent="-298450">
               <a:spcBef>
                 <a:spcPts val="0"/>
               </a:spcBef>
@@ -472,14 +485,16 @@
               <a:defRPr sz="1100"/>
             </a:lvl9pPr>
           </a:lstStyle>
-          <a:p/>
+          <a:p>
+            <a:endParaRPr/>
+          </a:p>
         </p:txBody>
       </p:sp>
     </p:spTree>
   </p:cSld>
-  <p:clrMap accent1="accent1" accent2="accent2" accent3="accent3" accent4="accent4" accent5="accent5" accent6="accent6" bg1="lt1" bg2="dk2" tx1="dk1" tx2="lt2" folHlink="folHlink" hlink="hlink"/>
+  <p:clrMap bg1="lt1" tx1="dk1" bg2="dk2" tx2="lt2" accent1="accent1" accent2="accent2" accent3="accent3" accent4="accent4" accent5="accent5" accent6="accent6" hlink="hlink" folHlink="folHlink"/>
   <p:notesStyle>
-    <a:defPPr lvl="0" marR="0" rtl="0" algn="l">
+    <a:defPPr marR="0" lvl="0" algn="l" rtl="0">
       <a:lnSpc>
         <a:spcPct val="100000"/>
       </a:lnSpc>
@@ -490,7 +505,7 @@
         <a:spcPts val="0"/>
       </a:spcAft>
     </a:defPPr>
-    <a:lvl1pPr lvl="0" marR="0" rtl="0" algn="l">
+    <a:lvl1pPr marR="0" lvl="0" algn="l" rtl="0">
       <a:lnSpc>
         <a:spcPct val="100000"/>
       </a:lnSpc>
@@ -504,7 +519,7 @@
         <a:srgbClr val="000000"/>
       </a:buClr>
       <a:buFont typeface="Arial"/>
-      <a:defRPr b="0" i="0" sz="1400" u="none" cap="none" strike="noStrike">
+      <a:defRPr sz="1400" b="0" i="0" u="none" strike="noStrike" cap="none">
         <a:solidFill>
           <a:srgbClr val="000000"/>
         </a:solidFill>
@@ -514,7 +529,7 @@
         <a:sym typeface="Arial"/>
       </a:defRPr>
     </a:lvl1pPr>
-    <a:lvl2pPr lvl="1" marR="0" rtl="0" algn="l">
+    <a:lvl2pPr marR="0" lvl="1" algn="l" rtl="0">
       <a:lnSpc>
         <a:spcPct val="100000"/>
       </a:lnSpc>
@@ -528,7 +543,7 @@
         <a:srgbClr val="000000"/>
       </a:buClr>
       <a:buFont typeface="Arial"/>
-      <a:defRPr b="0" i="0" sz="1400" u="none" cap="none" strike="noStrike">
+      <a:defRPr sz="1400" b="0" i="0" u="none" strike="noStrike" cap="none">
         <a:solidFill>
           <a:srgbClr val="000000"/>
         </a:solidFill>
@@ -538,7 +553,7 @@
         <a:sym typeface="Arial"/>
       </a:defRPr>
     </a:lvl2pPr>
-    <a:lvl3pPr lvl="2" marR="0" rtl="0" algn="l">
+    <a:lvl3pPr marR="0" lvl="2" algn="l" rtl="0">
       <a:lnSpc>
         <a:spcPct val="100000"/>
       </a:lnSpc>
@@ -552,7 +567,7 @@
         <a:srgbClr val="000000"/>
       </a:buClr>
       <a:buFont typeface="Arial"/>
-      <a:defRPr b="0" i="0" sz="1400" u="none" cap="none" strike="noStrike">
+      <a:defRPr sz="1400" b="0" i="0" u="none" strike="noStrike" cap="none">
         <a:solidFill>
           <a:srgbClr val="000000"/>
         </a:solidFill>
@@ -562,7 +577,7 @@
         <a:sym typeface="Arial"/>
       </a:defRPr>
     </a:lvl3pPr>
-    <a:lvl4pPr lvl="3" marR="0" rtl="0" algn="l">
+    <a:lvl4pPr marR="0" lvl="3" algn="l" rtl="0">
       <a:lnSpc>
         <a:spcPct val="100000"/>
       </a:lnSpc>
@@ -576,7 +591,7 @@
         <a:srgbClr val="000000"/>
       </a:buClr>
       <a:buFont typeface="Arial"/>
-      <a:defRPr b="0" i="0" sz="1400" u="none" cap="none" strike="noStrike">
+      <a:defRPr sz="1400" b="0" i="0" u="none" strike="noStrike" cap="none">
         <a:solidFill>
           <a:srgbClr val="000000"/>
         </a:solidFill>
@@ -586,7 +601,7 @@
         <a:sym typeface="Arial"/>
       </a:defRPr>
     </a:lvl4pPr>
-    <a:lvl5pPr lvl="4" marR="0" rtl="0" algn="l">
+    <a:lvl5pPr marR="0" lvl="4" algn="l" rtl="0">
       <a:lnSpc>
         <a:spcPct val="100000"/>
       </a:lnSpc>
@@ -600,7 +615,7 @@
         <a:srgbClr val="000000"/>
       </a:buClr>
       <a:buFont typeface="Arial"/>
-      <a:defRPr b="0" i="0" sz="1400" u="none" cap="none" strike="noStrike">
+      <a:defRPr sz="1400" b="0" i="0" u="none" strike="noStrike" cap="none">
         <a:solidFill>
           <a:srgbClr val="000000"/>
         </a:solidFill>
@@ -610,7 +625,7 @@
         <a:sym typeface="Arial"/>
       </a:defRPr>
     </a:lvl5pPr>
-    <a:lvl6pPr lvl="5" marR="0" rtl="0" algn="l">
+    <a:lvl6pPr marR="0" lvl="5" algn="l" rtl="0">
       <a:lnSpc>
         <a:spcPct val="100000"/>
       </a:lnSpc>
@@ -624,7 +639,7 @@
         <a:srgbClr val="000000"/>
       </a:buClr>
       <a:buFont typeface="Arial"/>
-      <a:defRPr b="0" i="0" sz="1400" u="none" cap="none" strike="noStrike">
+      <a:defRPr sz="1400" b="0" i="0" u="none" strike="noStrike" cap="none">
         <a:solidFill>
           <a:srgbClr val="000000"/>
         </a:solidFill>
@@ -634,7 +649,7 @@
         <a:sym typeface="Arial"/>
       </a:defRPr>
     </a:lvl6pPr>
-    <a:lvl7pPr lvl="6" marR="0" rtl="0" algn="l">
+    <a:lvl7pPr marR="0" lvl="6" algn="l" rtl="0">
       <a:lnSpc>
         <a:spcPct val="100000"/>
       </a:lnSpc>
@@ -648,7 +663,7 @@
         <a:srgbClr val="000000"/>
       </a:buClr>
       <a:buFont typeface="Arial"/>
-      <a:defRPr b="0" i="0" sz="1400" u="none" cap="none" strike="noStrike">
+      <a:defRPr sz="1400" b="0" i="0" u="none" strike="noStrike" cap="none">
         <a:solidFill>
           <a:srgbClr val="000000"/>
         </a:solidFill>
@@ -658,7 +673,7 @@
         <a:sym typeface="Arial"/>
       </a:defRPr>
     </a:lvl7pPr>
-    <a:lvl8pPr lvl="7" marR="0" rtl="0" algn="l">
+    <a:lvl8pPr marR="0" lvl="7" algn="l" rtl="0">
       <a:lnSpc>
         <a:spcPct val="100000"/>
       </a:lnSpc>
@@ -672,7 +687,7 @@
         <a:srgbClr val="000000"/>
       </a:buClr>
       <a:buFont typeface="Arial"/>
-      <a:defRPr b="0" i="0" sz="1400" u="none" cap="none" strike="noStrike">
+      <a:defRPr sz="1400" b="0" i="0" u="none" strike="noStrike" cap="none">
         <a:solidFill>
           <a:srgbClr val="000000"/>
         </a:solidFill>
@@ -682,7 +697,7 @@
         <a:sym typeface="Arial"/>
       </a:defRPr>
     </a:lvl8pPr>
-    <a:lvl9pPr lvl="8" marR="0" rtl="0" algn="l">
+    <a:lvl9pPr marR="0" lvl="8" algn="l" rtl="0">
       <a:lnSpc>
         <a:spcPct val="100000"/>
       </a:lnSpc>
@@ -696,7 +711,7 @@
         <a:srgbClr val="000000"/>
       </a:buClr>
       <a:buFont typeface="Arial"/>
-      <a:defRPr b="0" i="0" sz="1400" u="none" cap="none" strike="noStrike">
+      <a:defRPr sz="1400" b="0" i="0" u="none" strike="noStrike" cap="none">
         <a:solidFill>
           <a:srgbClr val="000000"/>
         </a:solidFill>
@@ -711,11 +726,11 @@
 </file>
 
 <file path=ppt/notesSlides/notesSlide1.xml><?xml version="1.0" encoding="utf-8"?>
-<p:notes xmlns:a="http://schemas.openxmlformats.org/drawingml/2006/main" xmlns:r="http://schemas.openxmlformats.org/officeDocument/2006/relationships" xmlns:mc="http://schemas.openxmlformats.org/markup-compatibility/2006" xmlns:mv="urn:schemas-microsoft-com:mac:vml" xmlns:p="http://schemas.openxmlformats.org/presentationml/2006/main" xmlns:c="http://schemas.openxmlformats.org/drawingml/2006/chart" xmlns:dgm="http://schemas.openxmlformats.org/drawingml/2006/diagram" xmlns:o="urn:schemas-microsoft-com:office:office" xmlns:v="urn:schemas-microsoft-com:vml" xmlns:pvml="urn:schemas-microsoft-com:office:powerpoint" xmlns:com="http://schemas.openxmlformats.org/drawingml/2006/compatibility" xmlns:p14="http://schemas.microsoft.com/office/powerpoint/2010/main" xmlns:p15="http://schemas.microsoft.com/office/powerpoint/2012/main" xmlns:ahyp="http://schemas.microsoft.com/office/drawing/2018/hyperlinkcolor" showMasterPhAnim="0" showMasterSp="0">
+<p:notes xmlns:a="http://schemas.openxmlformats.org/drawingml/2006/main" xmlns:r="http://schemas.openxmlformats.org/officeDocument/2006/relationships" xmlns:p="http://schemas.openxmlformats.org/presentationml/2006/main" showMasterSp="0" showMasterPhAnim="0">
   <p:cSld>
     <p:spTree>
       <p:nvGrpSpPr>
-        <p:cNvPr id="58" name="Shape 58"/>
+        <p:cNvPr id="1" name="Shape 58"/>
         <p:cNvGrpSpPr/>
         <p:nvPr/>
       </p:nvGrpSpPr>
@@ -730,20 +745,26 @@
       <p:sp>
         <p:nvSpPr>
           <p:cNvPr id="59" name="Google Shape;59;p:notes"/>
-          <p:cNvSpPr/>
+          <p:cNvSpPr>
+            <a:spLocks noGrp="1" noRot="1" noChangeAspect="1"/>
+          </p:cNvSpPr>
           <p:nvPr>
-            <p:ph idx="2" type="sldImg"/>
+            <p:ph type="sldImg" idx="2"/>
           </p:nvPr>
         </p:nvSpPr>
         <p:spPr>
           <a:xfrm>
-            <a:off x="381300" y="685800"/>
-            <a:ext cx="6096075" cy="3429000"/>
+            <a:off x="381000" y="685800"/>
+            <a:ext cx="6096000" cy="3429000"/>
           </a:xfrm>
           <a:custGeom>
-            <a:rect b="b" l="l" r="r" t="t"/>
+            <a:avLst/>
+            <a:gdLst/>
+            <a:ahLst/>
+            <a:cxnLst/>
+            <a:rect l="l" t="t" r="r" b="b"/>
             <a:pathLst>
-              <a:path extrusionOk="0" h="120000" w="120000">
+              <a:path w="120000" h="120000" extrusionOk="0">
                 <a:moveTo>
                   <a:pt x="0" y="0"/>
                 </a:moveTo>
@@ -765,9 +786,11 @@
       <p:sp>
         <p:nvSpPr>
           <p:cNvPr id="60" name="Google Shape;60;p:notes"/>
-          <p:cNvSpPr txBox="1"/>
+          <p:cNvSpPr txBox="1">
+            <a:spLocks noGrp="1"/>
+          </p:cNvSpPr>
           <p:nvPr>
-            <p:ph idx="1" type="body"/>
+            <p:ph type="body" idx="1"/>
           </p:nvPr>
         </p:nvSpPr>
         <p:spPr>
@@ -780,12 +803,12 @@
           </a:prstGeom>
         </p:spPr>
         <p:txBody>
-          <a:bodyPr anchorCtr="0" anchor="t" bIns="91425" lIns="91425" spcFirstLastPara="1" rIns="91425" wrap="square" tIns="91425">
+          <a:bodyPr spcFirstLastPara="1" wrap="square" lIns="91425" tIns="91425" rIns="91425" bIns="91425" anchor="t" anchorCtr="0">
             <a:noAutofit/>
           </a:bodyPr>
           <a:lstStyle/>
           <a:p>
-            <a:pPr indent="0" lvl="0" marL="0" rtl="0" algn="l">
+            <a:pPr marL="0" lvl="0" indent="0" algn="l" rtl="0">
               <a:spcBef>
                 <a:spcPts val="0"/>
               </a:spcBef>
@@ -794,9 +817,6 @@
               </a:spcAft>
               <a:buNone/>
             </a:pPr>
-            <a:r>
-              <a:t/>
-            </a:r>
             <a:endParaRPr/>
           </a:p>
         </p:txBody>
@@ -810,11 +830,11 @@
 </file>
 
 <file path=ppt/notesSlides/notesSlide2.xml><?xml version="1.0" encoding="utf-8"?>
-<p:notes xmlns:a="http://schemas.openxmlformats.org/drawingml/2006/main" xmlns:r="http://schemas.openxmlformats.org/officeDocument/2006/relationships" xmlns:mc="http://schemas.openxmlformats.org/markup-compatibility/2006" xmlns:mv="urn:schemas-microsoft-com:mac:vml" xmlns:p="http://schemas.openxmlformats.org/presentationml/2006/main" xmlns:c="http://schemas.openxmlformats.org/drawingml/2006/chart" xmlns:dgm="http://schemas.openxmlformats.org/drawingml/2006/diagram" xmlns:o="urn:schemas-microsoft-com:office:office" xmlns:v="urn:schemas-microsoft-com:vml" xmlns:pvml="urn:schemas-microsoft-com:office:powerpoint" xmlns:com="http://schemas.openxmlformats.org/drawingml/2006/compatibility" xmlns:p14="http://schemas.microsoft.com/office/powerpoint/2010/main" xmlns:p15="http://schemas.microsoft.com/office/powerpoint/2012/main" xmlns:ahyp="http://schemas.microsoft.com/office/drawing/2018/hyperlinkcolor" showMasterPhAnim="0" showMasterSp="0">
+<p:notes xmlns:a="http://schemas.openxmlformats.org/drawingml/2006/main" xmlns:r="http://schemas.openxmlformats.org/officeDocument/2006/relationships" xmlns:p="http://schemas.openxmlformats.org/presentationml/2006/main" showMasterSp="0" showMasterPhAnim="0">
   <p:cSld>
     <p:spTree>
       <p:nvGrpSpPr>
-        <p:cNvPr id="64" name="Shape 64"/>
+        <p:cNvPr id="1" name="Shape 64"/>
         <p:cNvGrpSpPr/>
         <p:nvPr/>
       </p:nvGrpSpPr>
@@ -829,20 +849,26 @@
       <p:sp>
         <p:nvSpPr>
           <p:cNvPr id="65" name="Google Shape;65;g119e6a0b366_0_0:notes"/>
-          <p:cNvSpPr/>
+          <p:cNvSpPr>
+            <a:spLocks noGrp="1" noRot="1" noChangeAspect="1"/>
+          </p:cNvSpPr>
           <p:nvPr>
-            <p:ph idx="2" type="sldImg"/>
+            <p:ph type="sldImg" idx="2"/>
           </p:nvPr>
         </p:nvSpPr>
         <p:spPr>
           <a:xfrm>
-            <a:off x="381300" y="685800"/>
+            <a:off x="381000" y="685800"/>
             <a:ext cx="6096000" cy="3429000"/>
           </a:xfrm>
           <a:custGeom>
-            <a:rect b="b" l="l" r="r" t="t"/>
+            <a:avLst/>
+            <a:gdLst/>
+            <a:ahLst/>
+            <a:cxnLst/>
+            <a:rect l="l" t="t" r="r" b="b"/>
             <a:pathLst>
-              <a:path extrusionOk="0" h="120000" w="120000">
+              <a:path w="120000" h="120000" extrusionOk="0">
                 <a:moveTo>
                   <a:pt x="0" y="0"/>
                 </a:moveTo>
@@ -864,9 +890,11 @@
       <p:sp>
         <p:nvSpPr>
           <p:cNvPr id="66" name="Google Shape;66;g119e6a0b366_0_0:notes"/>
-          <p:cNvSpPr txBox="1"/>
+          <p:cNvSpPr txBox="1">
+            <a:spLocks noGrp="1"/>
+          </p:cNvSpPr>
           <p:nvPr>
-            <p:ph idx="1" type="body"/>
+            <p:ph type="body" idx="1"/>
           </p:nvPr>
         </p:nvSpPr>
         <p:spPr>
@@ -879,12 +907,12 @@
           </a:prstGeom>
         </p:spPr>
         <p:txBody>
-          <a:bodyPr anchorCtr="0" anchor="t" bIns="91425" lIns="91425" spcFirstLastPara="1" rIns="91425" wrap="square" tIns="91425">
+          <a:bodyPr spcFirstLastPara="1" wrap="square" lIns="91425" tIns="91425" rIns="91425" bIns="91425" anchor="t" anchorCtr="0">
             <a:noAutofit/>
           </a:bodyPr>
           <a:lstStyle/>
           <a:p>
-            <a:pPr indent="0" lvl="0" marL="0" rtl="0" algn="l">
+            <a:pPr marL="0" lvl="0" indent="0" algn="l" rtl="0">
               <a:spcBef>
                 <a:spcPts val="0"/>
               </a:spcBef>
@@ -893,9 +921,6 @@
               </a:spcAft>
               <a:buNone/>
             </a:pPr>
-            <a:r>
-              <a:t/>
-            </a:r>
             <a:endParaRPr/>
           </a:p>
         </p:txBody>
@@ -909,11 +934,11 @@
 </file>
 
 <file path=ppt/notesSlides/notesSlide3.xml><?xml version="1.0" encoding="utf-8"?>
-<p:notes xmlns:a="http://schemas.openxmlformats.org/drawingml/2006/main" xmlns:r="http://schemas.openxmlformats.org/officeDocument/2006/relationships" xmlns:mc="http://schemas.openxmlformats.org/markup-compatibility/2006" xmlns:mv="urn:schemas-microsoft-com:mac:vml" xmlns:p="http://schemas.openxmlformats.org/presentationml/2006/main" xmlns:c="http://schemas.openxmlformats.org/drawingml/2006/chart" xmlns:dgm="http://schemas.openxmlformats.org/drawingml/2006/diagram" xmlns:o="urn:schemas-microsoft-com:office:office" xmlns:v="urn:schemas-microsoft-com:vml" xmlns:pvml="urn:schemas-microsoft-com:office:powerpoint" xmlns:com="http://schemas.openxmlformats.org/drawingml/2006/compatibility" xmlns:p14="http://schemas.microsoft.com/office/powerpoint/2010/main" xmlns:p15="http://schemas.microsoft.com/office/powerpoint/2012/main" xmlns:ahyp="http://schemas.microsoft.com/office/drawing/2018/hyperlinkcolor" showMasterPhAnim="0" showMasterSp="0">
+<p:notes xmlns:a="http://schemas.openxmlformats.org/drawingml/2006/main" xmlns:r="http://schemas.openxmlformats.org/officeDocument/2006/relationships" xmlns:p="http://schemas.openxmlformats.org/presentationml/2006/main" showMasterSp="0" showMasterPhAnim="0">
   <p:cSld>
     <p:spTree>
       <p:nvGrpSpPr>
-        <p:cNvPr id="71" name="Shape 71"/>
+        <p:cNvPr id="1" name="Shape 71"/>
         <p:cNvGrpSpPr/>
         <p:nvPr/>
       </p:nvGrpSpPr>
@@ -928,9 +953,11 @@
       <p:sp>
         <p:nvSpPr>
           <p:cNvPr id="72" name="Google Shape;72;g119e6a0b366_0_7:notes"/>
-          <p:cNvSpPr/>
+          <p:cNvSpPr>
+            <a:spLocks noGrp="1" noRot="1" noChangeAspect="1"/>
+          </p:cNvSpPr>
           <p:nvPr>
-            <p:ph idx="2" type="sldImg"/>
+            <p:ph type="sldImg" idx="2"/>
           </p:nvPr>
         </p:nvSpPr>
         <p:spPr>
@@ -939,9 +966,13 @@
             <a:ext cx="6096000" cy="3429000"/>
           </a:xfrm>
           <a:custGeom>
-            <a:rect b="b" l="l" r="r" t="t"/>
+            <a:avLst/>
+            <a:gdLst/>
+            <a:ahLst/>
+            <a:cxnLst/>
+            <a:rect l="l" t="t" r="r" b="b"/>
             <a:pathLst>
-              <a:path extrusionOk="0" h="120000" w="120000">
+              <a:path w="120000" h="120000" extrusionOk="0">
                 <a:moveTo>
                   <a:pt x="0" y="0"/>
                 </a:moveTo>
@@ -963,9 +994,11 @@
       <p:sp>
         <p:nvSpPr>
           <p:cNvPr id="73" name="Google Shape;73;g119e6a0b366_0_7:notes"/>
-          <p:cNvSpPr txBox="1"/>
+          <p:cNvSpPr txBox="1">
+            <a:spLocks noGrp="1"/>
+          </p:cNvSpPr>
           <p:nvPr>
-            <p:ph idx="1" type="body"/>
+            <p:ph type="body" idx="1"/>
           </p:nvPr>
         </p:nvSpPr>
         <p:spPr>
@@ -978,12 +1011,12 @@
           </a:prstGeom>
         </p:spPr>
         <p:txBody>
-          <a:bodyPr anchorCtr="0" anchor="t" bIns="91425" lIns="91425" spcFirstLastPara="1" rIns="91425" wrap="square" tIns="91425">
+          <a:bodyPr spcFirstLastPara="1" wrap="square" lIns="91425" tIns="91425" rIns="91425" bIns="91425" anchor="t" anchorCtr="0">
             <a:noAutofit/>
           </a:bodyPr>
           <a:lstStyle/>
           <a:p>
-            <a:pPr indent="0" lvl="0" marL="0" rtl="0" algn="l">
+            <a:pPr marL="0" lvl="0" indent="0" algn="l" rtl="0">
               <a:spcBef>
                 <a:spcPts val="0"/>
               </a:spcBef>
@@ -992,9 +1025,6 @@
               </a:spcAft>
               <a:buNone/>
             </a:pPr>
-            <a:r>
-              <a:t/>
-            </a:r>
             <a:endParaRPr/>
           </a:p>
         </p:txBody>
@@ -1008,11 +1038,11 @@
 </file>
 
 <file path=ppt/notesSlides/notesSlide4.xml><?xml version="1.0" encoding="utf-8"?>
-<p:notes xmlns:a="http://schemas.openxmlformats.org/drawingml/2006/main" xmlns:r="http://schemas.openxmlformats.org/officeDocument/2006/relationships" xmlns:mc="http://schemas.openxmlformats.org/markup-compatibility/2006" xmlns:mv="urn:schemas-microsoft-com:mac:vml" xmlns:p="http://schemas.openxmlformats.org/presentationml/2006/main" xmlns:c="http://schemas.openxmlformats.org/drawingml/2006/chart" xmlns:dgm="http://schemas.openxmlformats.org/drawingml/2006/diagram" xmlns:o="urn:schemas-microsoft-com:office:office" xmlns:v="urn:schemas-microsoft-com:vml" xmlns:pvml="urn:schemas-microsoft-com:office:powerpoint" xmlns:com="http://schemas.openxmlformats.org/drawingml/2006/compatibility" xmlns:p14="http://schemas.microsoft.com/office/powerpoint/2010/main" xmlns:p15="http://schemas.microsoft.com/office/powerpoint/2012/main" xmlns:ahyp="http://schemas.microsoft.com/office/drawing/2018/hyperlinkcolor" showMasterPhAnim="0" showMasterSp="0">
+<p:notes xmlns:a="http://schemas.openxmlformats.org/drawingml/2006/main" xmlns:r="http://schemas.openxmlformats.org/officeDocument/2006/relationships" xmlns:p="http://schemas.openxmlformats.org/presentationml/2006/main" showMasterSp="0" showMasterPhAnim="0">
   <p:cSld>
     <p:spTree>
       <p:nvGrpSpPr>
-        <p:cNvPr id="78" name="Shape 78"/>
+        <p:cNvPr id="1" name="Shape 78"/>
         <p:cNvGrpSpPr/>
         <p:nvPr/>
       </p:nvGrpSpPr>
@@ -1027,20 +1057,26 @@
       <p:sp>
         <p:nvSpPr>
           <p:cNvPr id="79" name="Google Shape;79;g119e6a0b366_0_19:notes"/>
-          <p:cNvSpPr/>
+          <p:cNvSpPr>
+            <a:spLocks noGrp="1" noRot="1" noChangeAspect="1"/>
+          </p:cNvSpPr>
           <p:nvPr>
-            <p:ph idx="2" type="sldImg"/>
+            <p:ph type="sldImg" idx="2"/>
           </p:nvPr>
         </p:nvSpPr>
         <p:spPr>
           <a:xfrm>
-            <a:off x="381300" y="685800"/>
+            <a:off x="381000" y="685800"/>
             <a:ext cx="6096000" cy="3429000"/>
           </a:xfrm>
           <a:custGeom>
-            <a:rect b="b" l="l" r="r" t="t"/>
+            <a:avLst/>
+            <a:gdLst/>
+            <a:ahLst/>
+            <a:cxnLst/>
+            <a:rect l="l" t="t" r="r" b="b"/>
             <a:pathLst>
-              <a:path extrusionOk="0" h="120000" w="120000">
+              <a:path w="120000" h="120000" extrusionOk="0">
                 <a:moveTo>
                   <a:pt x="0" y="0"/>
                 </a:moveTo>
@@ -1062,9 +1098,11 @@
       <p:sp>
         <p:nvSpPr>
           <p:cNvPr id="80" name="Google Shape;80;g119e6a0b366_0_19:notes"/>
-          <p:cNvSpPr txBox="1"/>
+          <p:cNvSpPr txBox="1">
+            <a:spLocks noGrp="1"/>
+          </p:cNvSpPr>
           <p:nvPr>
-            <p:ph idx="1" type="body"/>
+            <p:ph type="body" idx="1"/>
           </p:nvPr>
         </p:nvSpPr>
         <p:spPr>
@@ -1077,12 +1115,12 @@
           </a:prstGeom>
         </p:spPr>
         <p:txBody>
-          <a:bodyPr anchorCtr="0" anchor="t" bIns="91425" lIns="91425" spcFirstLastPara="1" rIns="91425" wrap="square" tIns="91425">
+          <a:bodyPr spcFirstLastPara="1" wrap="square" lIns="91425" tIns="91425" rIns="91425" bIns="91425" anchor="t" anchorCtr="0">
             <a:noAutofit/>
           </a:bodyPr>
           <a:lstStyle/>
           <a:p>
-            <a:pPr indent="0" lvl="0" marL="0" rtl="0" algn="l">
+            <a:pPr marL="0" lvl="0" indent="0" algn="l" rtl="0">
               <a:spcBef>
                 <a:spcPts val="0"/>
               </a:spcBef>
@@ -1091,9 +1129,6 @@
               </a:spcAft>
               <a:buNone/>
             </a:pPr>
-            <a:r>
-              <a:t/>
-            </a:r>
             <a:endParaRPr/>
           </a:p>
         </p:txBody>
@@ -1107,11 +1142,115 @@
 </file>
 
 <file path=ppt/notesSlides/notesSlide5.xml><?xml version="1.0" encoding="utf-8"?>
-<p:notes xmlns:a="http://schemas.openxmlformats.org/drawingml/2006/main" xmlns:r="http://schemas.openxmlformats.org/officeDocument/2006/relationships" xmlns:mc="http://schemas.openxmlformats.org/markup-compatibility/2006" xmlns:mv="urn:schemas-microsoft-com:mac:vml" xmlns:p="http://schemas.openxmlformats.org/presentationml/2006/main" xmlns:c="http://schemas.openxmlformats.org/drawingml/2006/chart" xmlns:dgm="http://schemas.openxmlformats.org/drawingml/2006/diagram" xmlns:o="urn:schemas-microsoft-com:office:office" xmlns:v="urn:schemas-microsoft-com:vml" xmlns:pvml="urn:schemas-microsoft-com:office:powerpoint" xmlns:com="http://schemas.openxmlformats.org/drawingml/2006/compatibility" xmlns:p14="http://schemas.microsoft.com/office/powerpoint/2010/main" xmlns:p15="http://schemas.microsoft.com/office/powerpoint/2012/main" xmlns:ahyp="http://schemas.microsoft.com/office/drawing/2018/hyperlinkcolor" showMasterPhAnim="0" showMasterSp="0">
+<p:notes xmlns:a="http://schemas.openxmlformats.org/drawingml/2006/main" xmlns:r="http://schemas.openxmlformats.org/officeDocument/2006/relationships" xmlns:p="http://schemas.openxmlformats.org/presentationml/2006/main" showMasterSp="0" showMasterPhAnim="0">
   <p:cSld>
     <p:spTree>
       <p:nvGrpSpPr>
-        <p:cNvPr id="85" name="Shape 85"/>
+        <p:cNvPr id="1" name="Shape 93"/>
+        <p:cNvGrpSpPr/>
+        <p:nvPr/>
+      </p:nvGrpSpPr>
+      <p:grpSpPr>
+        <a:xfrm>
+          <a:off x="0" y="0"/>
+          <a:ext cx="0" cy="0"/>
+          <a:chOff x="0" y="0"/>
+          <a:chExt cx="0" cy="0"/>
+        </a:xfrm>
+      </p:grpSpPr>
+      <p:sp>
+        <p:nvSpPr>
+          <p:cNvPr id="94" name="Google Shape;94;g119e6a0b366_0_95:notes"/>
+          <p:cNvSpPr>
+            <a:spLocks noGrp="1" noRot="1" noChangeAspect="1"/>
+          </p:cNvSpPr>
+          <p:nvPr>
+            <p:ph type="sldImg" idx="2"/>
+          </p:nvPr>
+        </p:nvSpPr>
+        <p:spPr>
+          <a:xfrm>
+            <a:off x="381000" y="685800"/>
+            <a:ext cx="6096000" cy="3429000"/>
+          </a:xfrm>
+          <a:custGeom>
+            <a:avLst/>
+            <a:gdLst/>
+            <a:ahLst/>
+            <a:cxnLst/>
+            <a:rect l="l" t="t" r="r" b="b"/>
+            <a:pathLst>
+              <a:path w="120000" h="120000" extrusionOk="0">
+                <a:moveTo>
+                  <a:pt x="0" y="0"/>
+                </a:moveTo>
+                <a:lnTo>
+                  <a:pt x="120000" y="0"/>
+                </a:lnTo>
+                <a:lnTo>
+                  <a:pt x="120000" y="120000"/>
+                </a:lnTo>
+                <a:lnTo>
+                  <a:pt x="0" y="120000"/>
+                </a:lnTo>
+                <a:close/>
+              </a:path>
+            </a:pathLst>
+          </a:custGeom>
+        </p:spPr>
+      </p:sp>
+      <p:sp>
+        <p:nvSpPr>
+          <p:cNvPr id="95" name="Google Shape;95;g119e6a0b366_0_95:notes"/>
+          <p:cNvSpPr txBox="1">
+            <a:spLocks noGrp="1"/>
+          </p:cNvSpPr>
+          <p:nvPr>
+            <p:ph type="body" idx="1"/>
+          </p:nvPr>
+        </p:nvSpPr>
+        <p:spPr>
+          <a:xfrm>
+            <a:off x="685800" y="4343400"/>
+            <a:ext cx="5486400" cy="4114800"/>
+          </a:xfrm>
+          <a:prstGeom prst="rect">
+            <a:avLst/>
+          </a:prstGeom>
+        </p:spPr>
+        <p:txBody>
+          <a:bodyPr spcFirstLastPara="1" wrap="square" lIns="91425" tIns="91425" rIns="91425" bIns="91425" anchor="t" anchorCtr="0">
+            <a:noAutofit/>
+          </a:bodyPr>
+          <a:lstStyle/>
+          <a:p>
+            <a:pPr marL="0" lvl="0" indent="0" algn="l" rtl="0">
+              <a:spcBef>
+                <a:spcPts val="0"/>
+              </a:spcBef>
+              <a:spcAft>
+                <a:spcPts val="0"/>
+              </a:spcAft>
+              <a:buNone/>
+            </a:pPr>
+            <a:endParaRPr/>
+          </a:p>
+        </p:txBody>
+      </p:sp>
+    </p:spTree>
+  </p:cSld>
+  <p:clrMapOvr>
+    <a:masterClrMapping/>
+  </p:clrMapOvr>
+</p:notes>
+</file>
+
+<file path=ppt/notesSlides/notesSlide6.xml><?xml version="1.0" encoding="utf-8"?>
+<p:notes xmlns:a="http://schemas.openxmlformats.org/drawingml/2006/main" xmlns:r="http://schemas.openxmlformats.org/officeDocument/2006/relationships" xmlns:p="http://schemas.openxmlformats.org/presentationml/2006/main" showMasterSp="0" showMasterPhAnim="0">
+  <p:cSld>
+    <p:spTree>
+      <p:nvGrpSpPr>
+        <p:cNvPr id="1" name="Shape 85"/>
         <p:cNvGrpSpPr/>
         <p:nvPr/>
       </p:nvGrpSpPr>
@@ -1126,9 +1265,11 @@
       <p:sp>
         <p:nvSpPr>
           <p:cNvPr id="86" name="Google Shape;86;g119e6a0b366_0_88:notes"/>
-          <p:cNvSpPr/>
+          <p:cNvSpPr>
+            <a:spLocks noGrp="1" noRot="1" noChangeAspect="1"/>
+          </p:cNvSpPr>
           <p:nvPr>
-            <p:ph idx="2" type="sldImg"/>
+            <p:ph type="sldImg" idx="2"/>
           </p:nvPr>
         </p:nvSpPr>
         <p:spPr>
@@ -1137,9 +1278,13 @@
             <a:ext cx="6096000" cy="3429000"/>
           </a:xfrm>
           <a:custGeom>
-            <a:rect b="b" l="l" r="r" t="t"/>
+            <a:avLst/>
+            <a:gdLst/>
+            <a:ahLst/>
+            <a:cxnLst/>
+            <a:rect l="l" t="t" r="r" b="b"/>
             <a:pathLst>
-              <a:path extrusionOk="0" h="120000" w="120000">
+              <a:path w="120000" h="120000" extrusionOk="0">
                 <a:moveTo>
                   <a:pt x="0" y="0"/>
                 </a:moveTo>
@@ -1161,9 +1306,11 @@
       <p:sp>
         <p:nvSpPr>
           <p:cNvPr id="87" name="Google Shape;87;g119e6a0b366_0_88:notes"/>
-          <p:cNvSpPr txBox="1"/>
+          <p:cNvSpPr txBox="1">
+            <a:spLocks noGrp="1"/>
+          </p:cNvSpPr>
           <p:nvPr>
-            <p:ph idx="1" type="body"/>
+            <p:ph type="body" idx="1"/>
           </p:nvPr>
         </p:nvSpPr>
         <p:spPr>
@@ -1176,12 +1323,12 @@
           </a:prstGeom>
         </p:spPr>
         <p:txBody>
-          <a:bodyPr anchorCtr="0" anchor="t" bIns="91425" lIns="91425" spcFirstLastPara="1" rIns="91425" wrap="square" tIns="91425">
+          <a:bodyPr spcFirstLastPara="1" wrap="square" lIns="91425" tIns="91425" rIns="91425" bIns="91425" anchor="t" anchorCtr="0">
             <a:noAutofit/>
           </a:bodyPr>
           <a:lstStyle/>
           <a:p>
-            <a:pPr indent="0" lvl="0" marL="0" rtl="0" algn="l">
+            <a:pPr marL="0" lvl="0" indent="0" algn="l" rtl="0">
               <a:spcBef>
                 <a:spcPts val="0"/>
               </a:spcBef>
@@ -1190,108 +1337,6 @@
               </a:spcAft>
               <a:buNone/>
             </a:pPr>
-            <a:r>
-              <a:t/>
-            </a:r>
-            <a:endParaRPr/>
-          </a:p>
-        </p:txBody>
-      </p:sp>
-    </p:spTree>
-  </p:cSld>
-  <p:clrMapOvr>
-    <a:masterClrMapping/>
-  </p:clrMapOvr>
-</p:notes>
-</file>
-
-<file path=ppt/notesSlides/notesSlide6.xml><?xml version="1.0" encoding="utf-8"?>
-<p:notes xmlns:a="http://schemas.openxmlformats.org/drawingml/2006/main" xmlns:r="http://schemas.openxmlformats.org/officeDocument/2006/relationships" xmlns:mc="http://schemas.openxmlformats.org/markup-compatibility/2006" xmlns:mv="urn:schemas-microsoft-com:mac:vml" xmlns:p="http://schemas.openxmlformats.org/presentationml/2006/main" xmlns:c="http://schemas.openxmlformats.org/drawingml/2006/chart" xmlns:dgm="http://schemas.openxmlformats.org/drawingml/2006/diagram" xmlns:o="urn:schemas-microsoft-com:office:office" xmlns:v="urn:schemas-microsoft-com:vml" xmlns:pvml="urn:schemas-microsoft-com:office:powerpoint" xmlns:com="http://schemas.openxmlformats.org/drawingml/2006/compatibility" xmlns:p14="http://schemas.microsoft.com/office/powerpoint/2010/main" xmlns:p15="http://schemas.microsoft.com/office/powerpoint/2012/main" xmlns:ahyp="http://schemas.microsoft.com/office/drawing/2018/hyperlinkcolor" showMasterPhAnim="0" showMasterSp="0">
-  <p:cSld>
-    <p:spTree>
-      <p:nvGrpSpPr>
-        <p:cNvPr id="93" name="Shape 93"/>
-        <p:cNvGrpSpPr/>
-        <p:nvPr/>
-      </p:nvGrpSpPr>
-      <p:grpSpPr>
-        <a:xfrm>
-          <a:off x="0" y="0"/>
-          <a:ext cx="0" cy="0"/>
-          <a:chOff x="0" y="0"/>
-          <a:chExt cx="0" cy="0"/>
-        </a:xfrm>
-      </p:grpSpPr>
-      <p:sp>
-        <p:nvSpPr>
-          <p:cNvPr id="94" name="Google Shape;94;g119e6a0b366_0_95:notes"/>
-          <p:cNvSpPr/>
-          <p:nvPr>
-            <p:ph idx="2" type="sldImg"/>
-          </p:nvPr>
-        </p:nvSpPr>
-        <p:spPr>
-          <a:xfrm>
-            <a:off x="381300" y="685800"/>
-            <a:ext cx="6096000" cy="3429000"/>
-          </a:xfrm>
-          <a:custGeom>
-            <a:rect b="b" l="l" r="r" t="t"/>
-            <a:pathLst>
-              <a:path extrusionOk="0" h="120000" w="120000">
-                <a:moveTo>
-                  <a:pt x="0" y="0"/>
-                </a:moveTo>
-                <a:lnTo>
-                  <a:pt x="120000" y="0"/>
-                </a:lnTo>
-                <a:lnTo>
-                  <a:pt x="120000" y="120000"/>
-                </a:lnTo>
-                <a:lnTo>
-                  <a:pt x="0" y="120000"/>
-                </a:lnTo>
-                <a:close/>
-              </a:path>
-            </a:pathLst>
-          </a:custGeom>
-        </p:spPr>
-      </p:sp>
-      <p:sp>
-        <p:nvSpPr>
-          <p:cNvPr id="95" name="Google Shape;95;g119e6a0b366_0_95:notes"/>
-          <p:cNvSpPr txBox="1"/>
-          <p:nvPr>
-            <p:ph idx="1" type="body"/>
-          </p:nvPr>
-        </p:nvSpPr>
-        <p:spPr>
-          <a:xfrm>
-            <a:off x="685800" y="4343400"/>
-            <a:ext cx="5486400" cy="4114800"/>
-          </a:xfrm>
-          <a:prstGeom prst="rect">
-            <a:avLst/>
-          </a:prstGeom>
-        </p:spPr>
-        <p:txBody>
-          <a:bodyPr anchorCtr="0" anchor="t" bIns="91425" lIns="91425" spcFirstLastPara="1" rIns="91425" wrap="square" tIns="91425">
-            <a:noAutofit/>
-          </a:bodyPr>
-          <a:lstStyle/>
-          <a:p>
-            <a:pPr indent="0" lvl="0" marL="0" rtl="0" algn="l">
-              <a:spcBef>
-                <a:spcPts val="0"/>
-              </a:spcBef>
-              <a:spcAft>
-                <a:spcPts val="0"/>
-              </a:spcAft>
-              <a:buNone/>
-            </a:pPr>
-            <a:r>
-              <a:t/>
-            </a:r>
             <a:endParaRPr/>
           </a:p>
         </p:txBody>
@@ -1305,11 +1350,11 @@
 </file>
 
 <file path=ppt/notesSlides/notesSlide7.xml><?xml version="1.0" encoding="utf-8"?>
-<p:notes xmlns:a="http://schemas.openxmlformats.org/drawingml/2006/main" xmlns:r="http://schemas.openxmlformats.org/officeDocument/2006/relationships" xmlns:mc="http://schemas.openxmlformats.org/markup-compatibility/2006" xmlns:mv="urn:schemas-microsoft-com:mac:vml" xmlns:p="http://schemas.openxmlformats.org/presentationml/2006/main" xmlns:c="http://schemas.openxmlformats.org/drawingml/2006/chart" xmlns:dgm="http://schemas.openxmlformats.org/drawingml/2006/diagram" xmlns:o="urn:schemas-microsoft-com:office:office" xmlns:v="urn:schemas-microsoft-com:vml" xmlns:pvml="urn:schemas-microsoft-com:office:powerpoint" xmlns:com="http://schemas.openxmlformats.org/drawingml/2006/compatibility" xmlns:p14="http://schemas.microsoft.com/office/powerpoint/2010/main" xmlns:p15="http://schemas.microsoft.com/office/powerpoint/2012/main" xmlns:ahyp="http://schemas.microsoft.com/office/drawing/2018/hyperlinkcolor" showMasterPhAnim="0" showMasterSp="0">
+<p:notes xmlns:a="http://schemas.openxmlformats.org/drawingml/2006/main" xmlns:r="http://schemas.openxmlformats.org/officeDocument/2006/relationships" xmlns:p="http://schemas.openxmlformats.org/presentationml/2006/main" showMasterSp="0" showMasterPhAnim="0">
   <p:cSld>
     <p:spTree>
       <p:nvGrpSpPr>
-        <p:cNvPr id="100" name="Shape 100"/>
+        <p:cNvPr id="1" name="Shape 100"/>
         <p:cNvGrpSpPr/>
         <p:nvPr/>
       </p:nvGrpSpPr>
@@ -1324,9 +1369,11 @@
       <p:sp>
         <p:nvSpPr>
           <p:cNvPr id="101" name="Google Shape;101;g119e6a0b366_0_101:notes"/>
-          <p:cNvSpPr/>
+          <p:cNvSpPr>
+            <a:spLocks noGrp="1" noRot="1" noChangeAspect="1"/>
+          </p:cNvSpPr>
           <p:nvPr>
-            <p:ph idx="2" type="sldImg"/>
+            <p:ph type="sldImg" idx="2"/>
           </p:nvPr>
         </p:nvSpPr>
         <p:spPr>
@@ -1335,9 +1382,13 @@
             <a:ext cx="6096000" cy="3429000"/>
           </a:xfrm>
           <a:custGeom>
-            <a:rect b="b" l="l" r="r" t="t"/>
+            <a:avLst/>
+            <a:gdLst/>
+            <a:ahLst/>
+            <a:cxnLst/>
+            <a:rect l="l" t="t" r="r" b="b"/>
             <a:pathLst>
-              <a:path extrusionOk="0" h="120000" w="120000">
+              <a:path w="120000" h="120000" extrusionOk="0">
                 <a:moveTo>
                   <a:pt x="0" y="0"/>
                 </a:moveTo>
@@ -1359,9 +1410,11 @@
       <p:sp>
         <p:nvSpPr>
           <p:cNvPr id="102" name="Google Shape;102;g119e6a0b366_0_101:notes"/>
-          <p:cNvSpPr txBox="1"/>
+          <p:cNvSpPr txBox="1">
+            <a:spLocks noGrp="1"/>
+          </p:cNvSpPr>
           <p:nvPr>
-            <p:ph idx="1" type="body"/>
+            <p:ph type="body" idx="1"/>
           </p:nvPr>
         </p:nvSpPr>
         <p:spPr>
@@ -1374,12 +1427,12 @@
           </a:prstGeom>
         </p:spPr>
         <p:txBody>
-          <a:bodyPr anchorCtr="0" anchor="t" bIns="91425" lIns="91425" spcFirstLastPara="1" rIns="91425" wrap="square" tIns="91425">
+          <a:bodyPr spcFirstLastPara="1" wrap="square" lIns="91425" tIns="91425" rIns="91425" bIns="91425" anchor="t" anchorCtr="0">
             <a:noAutofit/>
           </a:bodyPr>
           <a:lstStyle/>
           <a:p>
-            <a:pPr indent="0" lvl="0" marL="0" rtl="0" algn="l">
+            <a:pPr marL="0" lvl="0" indent="0" algn="l" rtl="0">
               <a:spcBef>
                 <a:spcPts val="0"/>
               </a:spcBef>
@@ -1388,9 +1441,6 @@
               </a:spcAft>
               <a:buNone/>
             </a:pPr>
-            <a:r>
-              <a:t/>
-            </a:r>
             <a:endParaRPr/>
           </a:p>
         </p:txBody>
@@ -1404,11 +1454,11 @@
 </file>
 
 <file path=ppt/notesSlides/notesSlide8.xml><?xml version="1.0" encoding="utf-8"?>
-<p:notes xmlns:a="http://schemas.openxmlformats.org/drawingml/2006/main" xmlns:r="http://schemas.openxmlformats.org/officeDocument/2006/relationships" xmlns:mc="http://schemas.openxmlformats.org/markup-compatibility/2006" xmlns:mv="urn:schemas-microsoft-com:mac:vml" xmlns:p="http://schemas.openxmlformats.org/presentationml/2006/main" xmlns:c="http://schemas.openxmlformats.org/drawingml/2006/chart" xmlns:dgm="http://schemas.openxmlformats.org/drawingml/2006/diagram" xmlns:o="urn:schemas-microsoft-com:office:office" xmlns:v="urn:schemas-microsoft-com:vml" xmlns:pvml="urn:schemas-microsoft-com:office:powerpoint" xmlns:com="http://schemas.openxmlformats.org/drawingml/2006/compatibility" xmlns:p14="http://schemas.microsoft.com/office/powerpoint/2010/main" xmlns:p15="http://schemas.microsoft.com/office/powerpoint/2012/main" xmlns:ahyp="http://schemas.microsoft.com/office/drawing/2018/hyperlinkcolor" showMasterPhAnim="0" showMasterSp="0">
+<p:notes xmlns:a="http://schemas.openxmlformats.org/drawingml/2006/main" xmlns:r="http://schemas.openxmlformats.org/officeDocument/2006/relationships" xmlns:p="http://schemas.openxmlformats.org/presentationml/2006/main" showMasterSp="0" showMasterPhAnim="0">
   <p:cSld>
     <p:spTree>
       <p:nvGrpSpPr>
-        <p:cNvPr id="107" name="Shape 107"/>
+        <p:cNvPr id="1" name="Shape 107"/>
         <p:cNvGrpSpPr/>
         <p:nvPr/>
       </p:nvGrpSpPr>
@@ -1423,20 +1473,26 @@
       <p:sp>
         <p:nvSpPr>
           <p:cNvPr id="108" name="Google Shape;108;g119e6a0b366_0_108:notes"/>
-          <p:cNvSpPr/>
+          <p:cNvSpPr>
+            <a:spLocks noGrp="1" noRot="1" noChangeAspect="1"/>
+          </p:cNvSpPr>
           <p:nvPr>
-            <p:ph idx="2" type="sldImg"/>
+            <p:ph type="sldImg" idx="2"/>
           </p:nvPr>
         </p:nvSpPr>
         <p:spPr>
           <a:xfrm>
-            <a:off x="381300" y="685800"/>
+            <a:off x="381000" y="685800"/>
             <a:ext cx="6096000" cy="3429000"/>
           </a:xfrm>
           <a:custGeom>
-            <a:rect b="b" l="l" r="r" t="t"/>
+            <a:avLst/>
+            <a:gdLst/>
+            <a:ahLst/>
+            <a:cxnLst/>
+            <a:rect l="l" t="t" r="r" b="b"/>
             <a:pathLst>
-              <a:path extrusionOk="0" h="120000" w="120000">
+              <a:path w="120000" h="120000" extrusionOk="0">
                 <a:moveTo>
                   <a:pt x="0" y="0"/>
                 </a:moveTo>
@@ -1458,9 +1514,11 @@
       <p:sp>
         <p:nvSpPr>
           <p:cNvPr id="109" name="Google Shape;109;g119e6a0b366_0_108:notes"/>
-          <p:cNvSpPr txBox="1"/>
+          <p:cNvSpPr txBox="1">
+            <a:spLocks noGrp="1"/>
+          </p:cNvSpPr>
           <p:nvPr>
-            <p:ph idx="1" type="body"/>
+            <p:ph type="body" idx="1"/>
           </p:nvPr>
         </p:nvSpPr>
         <p:spPr>
@@ -1473,12 +1531,12 @@
           </a:prstGeom>
         </p:spPr>
         <p:txBody>
-          <a:bodyPr anchorCtr="0" anchor="t" bIns="91425" lIns="91425" spcFirstLastPara="1" rIns="91425" wrap="square" tIns="91425">
+          <a:bodyPr spcFirstLastPara="1" wrap="square" lIns="91425" tIns="91425" rIns="91425" bIns="91425" anchor="t" anchorCtr="0">
             <a:noAutofit/>
           </a:bodyPr>
           <a:lstStyle/>
           <a:p>
-            <a:pPr indent="0" lvl="0" marL="0" rtl="0" algn="l">
+            <a:pPr marL="0" lvl="0" indent="0" algn="l" rtl="0">
               <a:spcBef>
                 <a:spcPts val="0"/>
               </a:spcBef>
@@ -1487,9 +1545,6 @@
               </a:spcAft>
               <a:buNone/>
             </a:pPr>
-            <a:r>
-              <a:t/>
-            </a:r>
             <a:endParaRPr/>
           </a:p>
         </p:txBody>
@@ -1503,11 +1558,11 @@
 </file>
 
 <file path=ppt/notesSlides/notesSlide9.xml><?xml version="1.0" encoding="utf-8"?>
-<p:notes xmlns:a="http://schemas.openxmlformats.org/drawingml/2006/main" xmlns:r="http://schemas.openxmlformats.org/officeDocument/2006/relationships" xmlns:mc="http://schemas.openxmlformats.org/markup-compatibility/2006" xmlns:mv="urn:schemas-microsoft-com:mac:vml" xmlns:p="http://schemas.openxmlformats.org/presentationml/2006/main" xmlns:c="http://schemas.openxmlformats.org/drawingml/2006/chart" xmlns:dgm="http://schemas.openxmlformats.org/drawingml/2006/diagram" xmlns:o="urn:schemas-microsoft-com:office:office" xmlns:v="urn:schemas-microsoft-com:vml" xmlns:pvml="urn:schemas-microsoft-com:office:powerpoint" xmlns:com="http://schemas.openxmlformats.org/drawingml/2006/compatibility" xmlns:p14="http://schemas.microsoft.com/office/powerpoint/2010/main" xmlns:p15="http://schemas.microsoft.com/office/powerpoint/2012/main" xmlns:ahyp="http://schemas.microsoft.com/office/drawing/2018/hyperlinkcolor" showMasterPhAnim="0" showMasterSp="0">
+<p:notes xmlns:a="http://schemas.openxmlformats.org/drawingml/2006/main" xmlns:r="http://schemas.openxmlformats.org/officeDocument/2006/relationships" xmlns:p="http://schemas.openxmlformats.org/presentationml/2006/main" showMasterSp="0" showMasterPhAnim="0">
   <p:cSld>
     <p:spTree>
       <p:nvGrpSpPr>
-        <p:cNvPr id="114" name="Shape 114"/>
+        <p:cNvPr id="1" name="Shape 114"/>
         <p:cNvGrpSpPr/>
         <p:nvPr/>
       </p:nvGrpSpPr>
@@ -1522,9 +1577,11 @@
       <p:sp>
         <p:nvSpPr>
           <p:cNvPr id="115" name="Google Shape;115;g119e6a0b366_0_114:notes"/>
-          <p:cNvSpPr/>
+          <p:cNvSpPr>
+            <a:spLocks noGrp="1" noRot="1" noChangeAspect="1"/>
+          </p:cNvSpPr>
           <p:nvPr>
-            <p:ph idx="2" type="sldImg"/>
+            <p:ph type="sldImg" idx="2"/>
           </p:nvPr>
         </p:nvSpPr>
         <p:spPr>
@@ -1533,9 +1590,13 @@
             <a:ext cx="6096000" cy="3429000"/>
           </a:xfrm>
           <a:custGeom>
-            <a:rect b="b" l="l" r="r" t="t"/>
+            <a:avLst/>
+            <a:gdLst/>
+            <a:ahLst/>
+            <a:cxnLst/>
+            <a:rect l="l" t="t" r="r" b="b"/>
             <a:pathLst>
-              <a:path extrusionOk="0" h="120000" w="120000">
+              <a:path w="120000" h="120000" extrusionOk="0">
                 <a:moveTo>
                   <a:pt x="0" y="0"/>
                 </a:moveTo>
@@ -1557,9 +1618,11 @@
       <p:sp>
         <p:nvSpPr>
           <p:cNvPr id="116" name="Google Shape;116;g119e6a0b366_0_114:notes"/>
-          <p:cNvSpPr txBox="1"/>
+          <p:cNvSpPr txBox="1">
+            <a:spLocks noGrp="1"/>
+          </p:cNvSpPr>
           <p:nvPr>
-            <p:ph idx="1" type="body"/>
+            <p:ph type="body" idx="1"/>
           </p:nvPr>
         </p:nvSpPr>
         <p:spPr>
@@ -1572,12 +1635,12 @@
           </a:prstGeom>
         </p:spPr>
         <p:txBody>
-          <a:bodyPr anchorCtr="0" anchor="t" bIns="91425" lIns="91425" spcFirstLastPara="1" rIns="91425" wrap="square" tIns="91425">
+          <a:bodyPr spcFirstLastPara="1" wrap="square" lIns="91425" tIns="91425" rIns="91425" bIns="91425" anchor="t" anchorCtr="0">
             <a:noAutofit/>
           </a:bodyPr>
           <a:lstStyle/>
           <a:p>
-            <a:pPr indent="0" lvl="0" marL="0" rtl="0" algn="l">
+            <a:pPr marL="0" lvl="0" indent="0" algn="l" rtl="0">
               <a:spcBef>
                 <a:spcPts val="0"/>
               </a:spcBef>
@@ -1586,9 +1649,6 @@
               </a:spcAft>
               <a:buNone/>
             </a:pPr>
-            <a:r>
-              <a:t/>
-            </a:r>
             <a:endParaRPr/>
           </a:p>
         </p:txBody>
@@ -1602,11 +1662,11 @@
 </file>
 
 <file path=ppt/slideLayouts/slideLayout1.xml><?xml version="1.0" encoding="utf-8"?>
-<p:sldLayout xmlns:a="http://schemas.openxmlformats.org/drawingml/2006/main" xmlns:r="http://schemas.openxmlformats.org/officeDocument/2006/relationships" xmlns:mc="http://schemas.openxmlformats.org/markup-compatibility/2006" xmlns:mv="urn:schemas-microsoft-com:mac:vml" xmlns:p="http://schemas.openxmlformats.org/presentationml/2006/main" xmlns:c="http://schemas.openxmlformats.org/drawingml/2006/chart" xmlns:dgm="http://schemas.openxmlformats.org/drawingml/2006/diagram" xmlns:o="urn:schemas-microsoft-com:office:office" xmlns:v="urn:schemas-microsoft-com:vml" xmlns:pvml="urn:schemas-microsoft-com:office:powerpoint" xmlns:com="http://schemas.openxmlformats.org/drawingml/2006/compatibility" xmlns:p14="http://schemas.microsoft.com/office/powerpoint/2010/main" xmlns:p15="http://schemas.microsoft.com/office/powerpoint/2012/main" xmlns:ahyp="http://schemas.microsoft.com/office/drawing/2018/hyperlinkcolor" matchingName="Title slide" type="title">
+<p:sldLayout xmlns:a="http://schemas.openxmlformats.org/drawingml/2006/main" xmlns:r="http://schemas.openxmlformats.org/officeDocument/2006/relationships" xmlns:p="http://schemas.openxmlformats.org/presentationml/2006/main" matchingName="Title slide" type="title">
   <p:cSld name="TITLE">
     <p:spTree>
       <p:nvGrpSpPr>
-        <p:cNvPr id="9" name="Shape 9"/>
+        <p:cNvPr id="1" name="Shape 9"/>
         <p:cNvGrpSpPr/>
         <p:nvPr/>
       </p:nvGrpSpPr>
@@ -1630,9 +1690,13 @@
             <a:ext cx="1081625" cy="1124950"/>
           </a:xfrm>
           <a:custGeom>
-            <a:rect b="b" l="l" r="r" t="t"/>
+            <a:avLst/>
+            <a:gdLst/>
+            <a:ahLst/>
+            <a:cxnLst/>
+            <a:rect l="l" t="t" r="r" b="b"/>
             <a:pathLst>
-              <a:path extrusionOk="0" h="44998" w="43265">
+              <a:path w="43265" h="44998" extrusionOk="0">
                 <a:moveTo>
                   <a:pt x="0" y="44998"/>
                 </a:moveTo>
@@ -1646,14 +1710,14 @@
             </a:pathLst>
           </a:custGeom>
           <a:noFill/>
-          <a:ln cap="flat" cmpd="sng" w="28575">
+          <a:ln w="28575" cap="flat" cmpd="sng">
             <a:solidFill>
               <a:schemeClr val="lt2"/>
             </a:solidFill>
             <a:prstDash val="solid"/>
             <a:miter lim="8000"/>
-            <a:headEnd len="sm" w="sm" type="none"/>
-            <a:tailEnd len="sm" w="sm" type="none"/>
+            <a:headEnd type="none" w="sm" len="sm"/>
+            <a:tailEnd type="none" w="sm" len="sm"/>
           </a:ln>
         </p:spPr>
       </p:sp>
@@ -1669,9 +1733,13 @@
             <a:ext cx="1081625" cy="1124950"/>
           </a:xfrm>
           <a:custGeom>
-            <a:rect b="b" l="l" r="r" t="t"/>
+            <a:avLst/>
+            <a:gdLst/>
+            <a:ahLst/>
+            <a:cxnLst/>
+            <a:rect l="l" t="t" r="r" b="b"/>
             <a:pathLst>
-              <a:path extrusionOk="0" h="44998" w="43265">
+              <a:path w="43265" h="44998" extrusionOk="0">
                 <a:moveTo>
                   <a:pt x="0" y="44998"/>
                 </a:moveTo>
@@ -1685,21 +1753,23 @@
             </a:pathLst>
           </a:custGeom>
           <a:noFill/>
-          <a:ln cap="flat" cmpd="sng" w="28575">
+          <a:ln w="28575" cap="flat" cmpd="sng">
             <a:solidFill>
               <a:schemeClr val="lt2"/>
             </a:solidFill>
             <a:prstDash val="solid"/>
             <a:miter lim="8000"/>
-            <a:headEnd len="sm" w="sm" type="none"/>
-            <a:tailEnd len="sm" w="sm" type="none"/>
+            <a:headEnd type="none" w="sm" len="sm"/>
+            <a:tailEnd type="none" w="sm" len="sm"/>
           </a:ln>
         </p:spPr>
       </p:sp>
       <p:sp>
         <p:nvSpPr>
           <p:cNvPr id="12" name="Google Shape;12;p2"/>
-          <p:cNvSpPr txBox="1"/>
+          <p:cNvSpPr txBox="1">
+            <a:spLocks noGrp="1"/>
+          </p:cNvSpPr>
           <p:nvPr>
             <p:ph type="ctrTitle"/>
           </p:nvPr>
@@ -1714,7 +1784,7 @@
           </a:prstGeom>
         </p:spPr>
         <p:txBody>
-          <a:bodyPr anchorCtr="0" anchor="b" bIns="91425" lIns="91425" spcFirstLastPara="1" rIns="91425" wrap="square" tIns="91425">
+          <a:bodyPr spcFirstLastPara="1" wrap="square" lIns="91425" tIns="91425" rIns="91425" bIns="91425" anchor="b" anchorCtr="0">
             <a:normAutofit/>
           </a:bodyPr>
           <a:lstStyle>
@@ -1818,15 +1888,19 @@
               <a:defRPr/>
             </a:lvl9pPr>
           </a:lstStyle>
-          <a:p/>
+          <a:p>
+            <a:endParaRPr/>
+          </a:p>
         </p:txBody>
       </p:sp>
       <p:sp>
         <p:nvSpPr>
           <p:cNvPr id="13" name="Google Shape;13;p2"/>
-          <p:cNvSpPr txBox="1"/>
+          <p:cNvSpPr txBox="1">
+            <a:spLocks noGrp="1"/>
+          </p:cNvSpPr>
           <p:nvPr>
-            <p:ph idx="1" type="subTitle"/>
+            <p:ph type="subTitle" idx="1"/>
           </p:nvPr>
         </p:nvSpPr>
         <p:spPr>
@@ -1839,7 +1913,7 @@
           </a:prstGeom>
         </p:spPr>
         <p:txBody>
-          <a:bodyPr anchorCtr="0" anchor="t" bIns="91425" lIns="91425" spcFirstLastPara="1" rIns="91425" wrap="square" tIns="91425">
+          <a:bodyPr spcFirstLastPara="1" wrap="square" lIns="91425" tIns="91425" rIns="91425" bIns="91425" anchor="t" anchorCtr="0">
             <a:normAutofit/>
           </a:bodyPr>
           <a:lstStyle>
@@ -2024,15 +2098,19 @@
               </a:defRPr>
             </a:lvl9pPr>
           </a:lstStyle>
-          <a:p/>
+          <a:p>
+            <a:endParaRPr/>
+          </a:p>
         </p:txBody>
       </p:sp>
       <p:sp>
         <p:nvSpPr>
           <p:cNvPr id="14" name="Google Shape;14;p2"/>
-          <p:cNvSpPr txBox="1"/>
+          <p:cNvSpPr txBox="1">
+            <a:spLocks noGrp="1"/>
+          </p:cNvSpPr>
           <p:nvPr>
-            <p:ph idx="12" type="sldNum"/>
+            <p:ph type="sldNum" idx="12"/>
           </p:nvPr>
         </p:nvSpPr>
         <p:spPr>
@@ -2045,7 +2123,7 @@
           </a:prstGeom>
         </p:spPr>
         <p:txBody>
-          <a:bodyPr anchorCtr="0" anchor="ctr" bIns="91425" lIns="91425" spcFirstLastPara="1" rIns="91425" wrap="square" tIns="91425">
+          <a:bodyPr spcFirstLastPara="1" wrap="square" lIns="91425" tIns="91425" rIns="91425" bIns="91425" anchor="ctr" anchorCtr="0">
             <a:normAutofit/>
           </a:bodyPr>
           <a:lstStyle>
@@ -2087,7 +2165,7 @@
             </a:lvl9pPr>
           </a:lstStyle>
           <a:p>
-            <a:pPr indent="0" lvl="0" marL="0" rtl="0" algn="r">
+            <a:pPr marL="0" lvl="0" indent="0" algn="r" rtl="0">
               <a:spcBef>
                 <a:spcPts val="0"/>
               </a:spcBef>
@@ -2113,11 +2191,11 @@
 </file>
 
 <file path=ppt/slideLayouts/slideLayout10.xml><?xml version="1.0" encoding="utf-8"?>
-<p:sldLayout xmlns:a="http://schemas.openxmlformats.org/drawingml/2006/main" xmlns:r="http://schemas.openxmlformats.org/officeDocument/2006/relationships" xmlns:mc="http://schemas.openxmlformats.org/markup-compatibility/2006" xmlns:mv="urn:schemas-microsoft-com:mac:vml" xmlns:p="http://schemas.openxmlformats.org/presentationml/2006/main" xmlns:c="http://schemas.openxmlformats.org/drawingml/2006/chart" xmlns:dgm="http://schemas.openxmlformats.org/drawingml/2006/diagram" xmlns:o="urn:schemas-microsoft-com:office:office" xmlns:v="urn:schemas-microsoft-com:vml" xmlns:pvml="urn:schemas-microsoft-com:office:powerpoint" xmlns:com="http://schemas.openxmlformats.org/drawingml/2006/compatibility" xmlns:p14="http://schemas.microsoft.com/office/powerpoint/2010/main" xmlns:p15="http://schemas.microsoft.com/office/powerpoint/2012/main" xmlns:ahyp="http://schemas.microsoft.com/office/drawing/2018/hyperlinkcolor" matchingName="Big number">
+<p:sldLayout xmlns:a="http://schemas.openxmlformats.org/drawingml/2006/main" xmlns:r="http://schemas.openxmlformats.org/officeDocument/2006/relationships" xmlns:p="http://schemas.openxmlformats.org/presentationml/2006/main" matchingName="Big number">
   <p:cSld name="BIG_NUMBER">
     <p:spTree>
       <p:nvGrpSpPr>
-        <p:cNvPr id="51" name="Shape 51"/>
+        <p:cNvPr id="1" name="Shape 51"/>
         <p:cNvGrpSpPr/>
         <p:nvPr/>
       </p:nvGrpSpPr>
@@ -2151,12 +2229,12 @@
           </a:ln>
         </p:spPr>
         <p:txBody>
-          <a:bodyPr anchorCtr="0" anchor="ctr" bIns="91425" lIns="91425" spcFirstLastPara="1" rIns="91425" wrap="square" tIns="91425">
+          <a:bodyPr spcFirstLastPara="1" wrap="square" lIns="91425" tIns="91425" rIns="91425" bIns="91425" anchor="ctr" anchorCtr="0">
             <a:noAutofit/>
           </a:bodyPr>
           <a:lstStyle/>
           <a:p>
-            <a:pPr indent="0" lvl="0" marL="0" rtl="0" algn="l">
+            <a:pPr marL="0" lvl="0" indent="0" algn="l" rtl="0">
               <a:spcBef>
                 <a:spcPts val="0"/>
               </a:spcBef>
@@ -2165,9 +2243,6 @@
               </a:spcAft>
               <a:buNone/>
             </a:pPr>
-            <a:r>
-              <a:t/>
-            </a:r>
             <a:endParaRPr/>
           </a:p>
         </p:txBody>
@@ -2175,9 +2250,11 @@
       <p:sp>
         <p:nvSpPr>
           <p:cNvPr id="53" name="Google Shape;53;p11"/>
-          <p:cNvSpPr txBox="1"/>
+          <p:cNvSpPr txBox="1">
+            <a:spLocks noGrp="1"/>
+          </p:cNvSpPr>
           <p:nvPr>
-            <p:ph hasCustomPrompt="1" type="title"/>
+            <p:ph type="title" hasCustomPrompt="1"/>
           </p:nvPr>
         </p:nvSpPr>
         <p:spPr>
@@ -2190,7 +2267,7 @@
           </a:prstGeom>
         </p:spPr>
         <p:txBody>
-          <a:bodyPr anchorCtr="0" anchor="ctr" bIns="91425" lIns="91425" spcFirstLastPara="1" rIns="91425" wrap="square" tIns="91425">
+          <a:bodyPr spcFirstLastPara="1" wrap="square" lIns="91425" tIns="91425" rIns="91425" bIns="91425" anchor="ctr" anchorCtr="0">
             <a:normAutofit/>
           </a:bodyPr>
           <a:lstStyle>
@@ -2367,9 +2444,11 @@
       <p:sp>
         <p:nvSpPr>
           <p:cNvPr id="54" name="Google Shape;54;p11"/>
-          <p:cNvSpPr txBox="1"/>
+          <p:cNvSpPr txBox="1">
+            <a:spLocks noGrp="1"/>
+          </p:cNvSpPr>
           <p:nvPr>
-            <p:ph idx="1" type="body"/>
+            <p:ph type="body" idx="1"/>
           </p:nvPr>
         </p:nvSpPr>
         <p:spPr>
@@ -2382,11 +2461,11 @@
           </a:prstGeom>
         </p:spPr>
         <p:txBody>
-          <a:bodyPr anchorCtr="0" anchor="t" bIns="91425" lIns="91425" spcFirstLastPara="1" rIns="91425" wrap="square" tIns="91425">
+          <a:bodyPr spcFirstLastPara="1" wrap="square" lIns="91425" tIns="91425" rIns="91425" bIns="91425" anchor="t" anchorCtr="0">
             <a:normAutofit/>
           </a:bodyPr>
           <a:lstStyle>
-            <a:lvl1pPr indent="-342900" lvl="0" marL="457200" algn="ctr">
+            <a:lvl1pPr marL="457200" lvl="0" indent="-342900" algn="ctr">
               <a:spcBef>
                 <a:spcPts val="0"/>
               </a:spcBef>
@@ -2397,7 +2476,7 @@
               <a:buChar char="●"/>
               <a:defRPr/>
             </a:lvl1pPr>
-            <a:lvl2pPr indent="-317500" lvl="1" marL="914400" algn="ctr">
+            <a:lvl2pPr marL="914400" lvl="1" indent="-317500" algn="ctr">
               <a:spcBef>
                 <a:spcPts val="0"/>
               </a:spcBef>
@@ -2408,7 +2487,7 @@
               <a:buChar char="○"/>
               <a:defRPr/>
             </a:lvl2pPr>
-            <a:lvl3pPr indent="-317500" lvl="2" marL="1371600" algn="ctr">
+            <a:lvl3pPr marL="1371600" lvl="2" indent="-317500" algn="ctr">
               <a:spcBef>
                 <a:spcPts val="0"/>
               </a:spcBef>
@@ -2419,7 +2498,7 @@
               <a:buChar char="■"/>
               <a:defRPr/>
             </a:lvl3pPr>
-            <a:lvl4pPr indent="-317500" lvl="3" marL="1828800" algn="ctr">
+            <a:lvl4pPr marL="1828800" lvl="3" indent="-317500" algn="ctr">
               <a:spcBef>
                 <a:spcPts val="0"/>
               </a:spcBef>
@@ -2430,7 +2509,7 @@
               <a:buChar char="●"/>
               <a:defRPr/>
             </a:lvl4pPr>
-            <a:lvl5pPr indent="-317500" lvl="4" marL="2286000" algn="ctr">
+            <a:lvl5pPr marL="2286000" lvl="4" indent="-317500" algn="ctr">
               <a:spcBef>
                 <a:spcPts val="0"/>
               </a:spcBef>
@@ -2441,7 +2520,7 @@
               <a:buChar char="○"/>
               <a:defRPr/>
             </a:lvl5pPr>
-            <a:lvl6pPr indent="-317500" lvl="5" marL="2743200" algn="ctr">
+            <a:lvl6pPr marL="2743200" lvl="5" indent="-317500" algn="ctr">
               <a:spcBef>
                 <a:spcPts val="0"/>
               </a:spcBef>
@@ -2452,7 +2531,7 @@
               <a:buChar char="■"/>
               <a:defRPr/>
             </a:lvl6pPr>
-            <a:lvl7pPr indent="-317500" lvl="6" marL="3200400" algn="ctr">
+            <a:lvl7pPr marL="3200400" lvl="6" indent="-317500" algn="ctr">
               <a:spcBef>
                 <a:spcPts val="0"/>
               </a:spcBef>
@@ -2463,7 +2542,7 @@
               <a:buChar char="●"/>
               <a:defRPr/>
             </a:lvl7pPr>
-            <a:lvl8pPr indent="-317500" lvl="7" marL="3657600" algn="ctr">
+            <a:lvl8pPr marL="3657600" lvl="7" indent="-317500" algn="ctr">
               <a:spcBef>
                 <a:spcPts val="0"/>
               </a:spcBef>
@@ -2474,7 +2553,7 @@
               <a:buChar char="○"/>
               <a:defRPr/>
             </a:lvl8pPr>
-            <a:lvl9pPr indent="-317500" lvl="8" marL="4114800" algn="ctr">
+            <a:lvl9pPr marL="4114800" lvl="8" indent="-317500" algn="ctr">
               <a:spcBef>
                 <a:spcPts val="0"/>
               </a:spcBef>
@@ -2486,15 +2565,19 @@
               <a:defRPr/>
             </a:lvl9pPr>
           </a:lstStyle>
-          <a:p/>
+          <a:p>
+            <a:endParaRPr/>
+          </a:p>
         </p:txBody>
       </p:sp>
       <p:sp>
         <p:nvSpPr>
           <p:cNvPr id="55" name="Google Shape;55;p11"/>
-          <p:cNvSpPr txBox="1"/>
+          <p:cNvSpPr txBox="1">
+            <a:spLocks noGrp="1"/>
+          </p:cNvSpPr>
           <p:nvPr>
-            <p:ph idx="12" type="sldNum"/>
+            <p:ph type="sldNum" idx="12"/>
           </p:nvPr>
         </p:nvSpPr>
         <p:spPr>
@@ -2507,7 +2590,7 @@
           </a:prstGeom>
         </p:spPr>
         <p:txBody>
-          <a:bodyPr anchorCtr="0" anchor="ctr" bIns="91425" lIns="91425" spcFirstLastPara="1" rIns="91425" wrap="square" tIns="91425">
+          <a:bodyPr spcFirstLastPara="1" wrap="square" lIns="91425" tIns="91425" rIns="91425" bIns="91425" anchor="ctr" anchorCtr="0">
             <a:normAutofit/>
           </a:bodyPr>
           <a:lstStyle>
@@ -2549,7 +2632,7 @@
             </a:lvl9pPr>
           </a:lstStyle>
           <a:p>
-            <a:pPr indent="0" lvl="0" marL="0" rtl="0" algn="r">
+            <a:pPr marL="0" lvl="0" indent="0" algn="r" rtl="0">
               <a:spcBef>
                 <a:spcPts val="0"/>
               </a:spcBef>
@@ -2575,11 +2658,11 @@
 </file>
 
 <file path=ppt/slideLayouts/slideLayout11.xml><?xml version="1.0" encoding="utf-8"?>
-<p:sldLayout xmlns:a="http://schemas.openxmlformats.org/drawingml/2006/main" xmlns:r="http://schemas.openxmlformats.org/officeDocument/2006/relationships" xmlns:mc="http://schemas.openxmlformats.org/markup-compatibility/2006" xmlns:mv="urn:schemas-microsoft-com:mac:vml" xmlns:p="http://schemas.openxmlformats.org/presentationml/2006/main" xmlns:c="http://schemas.openxmlformats.org/drawingml/2006/chart" xmlns:dgm="http://schemas.openxmlformats.org/drawingml/2006/diagram" xmlns:o="urn:schemas-microsoft-com:office:office" xmlns:v="urn:schemas-microsoft-com:vml" xmlns:pvml="urn:schemas-microsoft-com:office:powerpoint" xmlns:com="http://schemas.openxmlformats.org/drawingml/2006/compatibility" xmlns:p14="http://schemas.microsoft.com/office/powerpoint/2010/main" xmlns:p15="http://schemas.microsoft.com/office/powerpoint/2012/main" xmlns:ahyp="http://schemas.microsoft.com/office/drawing/2018/hyperlinkcolor" matchingName="Blank" type="blank">
+<p:sldLayout xmlns:a="http://schemas.openxmlformats.org/drawingml/2006/main" xmlns:r="http://schemas.openxmlformats.org/officeDocument/2006/relationships" xmlns:p="http://schemas.openxmlformats.org/presentationml/2006/main" matchingName="Blank" type="blank">
   <p:cSld name="BLANK">
     <p:spTree>
       <p:nvGrpSpPr>
-        <p:cNvPr id="56" name="Shape 56"/>
+        <p:cNvPr id="1" name="Shape 56"/>
         <p:cNvGrpSpPr/>
         <p:nvPr/>
       </p:nvGrpSpPr>
@@ -2594,9 +2677,11 @@
       <p:sp>
         <p:nvSpPr>
           <p:cNvPr id="57" name="Google Shape;57;p12"/>
-          <p:cNvSpPr txBox="1"/>
+          <p:cNvSpPr txBox="1">
+            <a:spLocks noGrp="1"/>
+          </p:cNvSpPr>
           <p:nvPr>
-            <p:ph idx="12" type="sldNum"/>
+            <p:ph type="sldNum" idx="12"/>
           </p:nvPr>
         </p:nvSpPr>
         <p:spPr>
@@ -2609,7 +2694,7 @@
           </a:prstGeom>
         </p:spPr>
         <p:txBody>
-          <a:bodyPr anchorCtr="0" anchor="ctr" bIns="91425" lIns="91425" spcFirstLastPara="1" rIns="91425" wrap="square" tIns="91425">
+          <a:bodyPr spcFirstLastPara="1" wrap="square" lIns="91425" tIns="91425" rIns="91425" bIns="91425" anchor="ctr" anchorCtr="0">
             <a:normAutofit/>
           </a:bodyPr>
           <a:lstStyle>
@@ -2651,7 +2736,7 @@
             </a:lvl9pPr>
           </a:lstStyle>
           <a:p>
-            <a:pPr indent="0" lvl="0" marL="0" rtl="0" algn="r">
+            <a:pPr marL="0" lvl="0" indent="0" algn="r" rtl="0">
               <a:spcBef>
                 <a:spcPts val="0"/>
               </a:spcBef>
@@ -2677,11 +2762,11 @@
 </file>
 
 <file path=ppt/slideLayouts/slideLayout2.xml><?xml version="1.0" encoding="utf-8"?>
-<p:sldLayout xmlns:a="http://schemas.openxmlformats.org/drawingml/2006/main" xmlns:r="http://schemas.openxmlformats.org/officeDocument/2006/relationships" xmlns:mc="http://schemas.openxmlformats.org/markup-compatibility/2006" xmlns:mv="urn:schemas-microsoft-com:mac:vml" xmlns:p="http://schemas.openxmlformats.org/presentationml/2006/main" xmlns:c="http://schemas.openxmlformats.org/drawingml/2006/chart" xmlns:dgm="http://schemas.openxmlformats.org/drawingml/2006/diagram" xmlns:o="urn:schemas-microsoft-com:office:office" xmlns:v="urn:schemas-microsoft-com:vml" xmlns:pvml="urn:schemas-microsoft-com:office:powerpoint" xmlns:com="http://schemas.openxmlformats.org/drawingml/2006/compatibility" xmlns:p14="http://schemas.microsoft.com/office/powerpoint/2010/main" xmlns:p15="http://schemas.microsoft.com/office/powerpoint/2012/main" xmlns:ahyp="http://schemas.microsoft.com/office/drawing/2018/hyperlinkcolor" matchingName="Section header" type="secHead">
+<p:sldLayout xmlns:a="http://schemas.openxmlformats.org/drawingml/2006/main" xmlns:r="http://schemas.openxmlformats.org/officeDocument/2006/relationships" xmlns:p="http://schemas.openxmlformats.org/presentationml/2006/main" matchingName="Section header" type="secHead">
   <p:cSld name="SECTION_HEADER">
     <p:spTree>
       <p:nvGrpSpPr>
-        <p:cNvPr id="15" name="Shape 15"/>
+        <p:cNvPr id="1" name="Shape 15"/>
         <p:cNvGrpSpPr/>
         <p:nvPr/>
       </p:nvGrpSpPr>
@@ -2705,9 +2790,13 @@
             <a:ext cx="1081625" cy="1124950"/>
           </a:xfrm>
           <a:custGeom>
-            <a:rect b="b" l="l" r="r" t="t"/>
+            <a:avLst/>
+            <a:gdLst/>
+            <a:ahLst/>
+            <a:cxnLst/>
+            <a:rect l="l" t="t" r="r" b="b"/>
             <a:pathLst>
-              <a:path extrusionOk="0" h="44998" w="43265">
+              <a:path w="43265" h="44998" extrusionOk="0">
                 <a:moveTo>
                   <a:pt x="0" y="44998"/>
                 </a:moveTo>
@@ -2721,14 +2810,14 @@
             </a:pathLst>
           </a:custGeom>
           <a:noFill/>
-          <a:ln cap="flat" cmpd="sng" w="28575">
+          <a:ln w="28575" cap="flat" cmpd="sng">
             <a:solidFill>
               <a:schemeClr val="lt2"/>
             </a:solidFill>
             <a:prstDash val="solid"/>
             <a:miter lim="8000"/>
-            <a:headEnd len="sm" w="sm" type="none"/>
-            <a:tailEnd len="sm" w="sm" type="none"/>
+            <a:headEnd type="none" w="sm" len="sm"/>
+            <a:tailEnd type="none" w="sm" len="sm"/>
           </a:ln>
         </p:spPr>
       </p:sp>
@@ -2739,14 +2828,18 @@
           <p:nvPr/>
         </p:nvSpPr>
         <p:spPr>
-          <a:xfrm flipH="1" rot="10800000">
+          <a:xfrm rot="10800000" flipH="1">
             <a:off x="466425" y="3558325"/>
             <a:ext cx="1081625" cy="1124950"/>
           </a:xfrm>
           <a:custGeom>
-            <a:rect b="b" l="l" r="r" t="t"/>
+            <a:avLst/>
+            <a:gdLst/>
+            <a:ahLst/>
+            <a:cxnLst/>
+            <a:rect l="l" t="t" r="r" b="b"/>
             <a:pathLst>
-              <a:path extrusionOk="0" h="44998" w="43265">
+              <a:path w="43265" h="44998" extrusionOk="0">
                 <a:moveTo>
                   <a:pt x="0" y="44998"/>
                 </a:moveTo>
@@ -2760,21 +2853,23 @@
             </a:pathLst>
           </a:custGeom>
           <a:noFill/>
-          <a:ln cap="flat" cmpd="sng" w="28575">
+          <a:ln w="28575" cap="flat" cmpd="sng">
             <a:solidFill>
               <a:schemeClr val="lt2"/>
             </a:solidFill>
             <a:prstDash val="solid"/>
             <a:miter lim="8000"/>
-            <a:headEnd len="sm" w="sm" type="none"/>
-            <a:tailEnd len="sm" w="sm" type="none"/>
+            <a:headEnd type="none" w="sm" len="sm"/>
+            <a:tailEnd type="none" w="sm" len="sm"/>
           </a:ln>
         </p:spPr>
       </p:sp>
       <p:sp>
         <p:nvSpPr>
           <p:cNvPr id="18" name="Google Shape;18;p3"/>
-          <p:cNvSpPr txBox="1"/>
+          <p:cNvSpPr txBox="1">
+            <a:spLocks noGrp="1"/>
+          </p:cNvSpPr>
           <p:nvPr>
             <p:ph type="title"/>
           </p:nvPr>
@@ -2789,7 +2884,7 @@
           </a:prstGeom>
         </p:spPr>
         <p:txBody>
-          <a:bodyPr anchorCtr="0" anchor="ctr" bIns="91425" lIns="91425" spcFirstLastPara="1" rIns="91425" wrap="square" tIns="91425">
+          <a:bodyPr spcFirstLastPara="1" wrap="square" lIns="91425" tIns="91425" rIns="91425" bIns="91425" anchor="ctr" anchorCtr="0">
             <a:normAutofit/>
           </a:bodyPr>
           <a:lstStyle>
@@ -2893,15 +2988,19 @@
               <a:defRPr/>
             </a:lvl9pPr>
           </a:lstStyle>
-          <a:p/>
+          <a:p>
+            <a:endParaRPr/>
+          </a:p>
         </p:txBody>
       </p:sp>
       <p:sp>
         <p:nvSpPr>
           <p:cNvPr id="19" name="Google Shape;19;p3"/>
-          <p:cNvSpPr txBox="1"/>
+          <p:cNvSpPr txBox="1">
+            <a:spLocks noGrp="1"/>
+          </p:cNvSpPr>
           <p:nvPr>
-            <p:ph idx="12" type="sldNum"/>
+            <p:ph type="sldNum" idx="12"/>
           </p:nvPr>
         </p:nvSpPr>
         <p:spPr>
@@ -2914,7 +3013,7 @@
           </a:prstGeom>
         </p:spPr>
         <p:txBody>
-          <a:bodyPr anchorCtr="0" anchor="ctr" bIns="91425" lIns="91425" spcFirstLastPara="1" rIns="91425" wrap="square" tIns="91425">
+          <a:bodyPr spcFirstLastPara="1" wrap="square" lIns="91425" tIns="91425" rIns="91425" bIns="91425" anchor="ctr" anchorCtr="0">
             <a:normAutofit/>
           </a:bodyPr>
           <a:lstStyle>
@@ -2956,7 +3055,7 @@
             </a:lvl9pPr>
           </a:lstStyle>
           <a:p>
-            <a:pPr indent="0" lvl="0" marL="0" rtl="0" algn="r">
+            <a:pPr marL="0" lvl="0" indent="0" algn="r" rtl="0">
               <a:spcBef>
                 <a:spcPts val="0"/>
               </a:spcBef>
@@ -2982,11 +3081,11 @@
 </file>
 
 <file path=ppt/slideLayouts/slideLayout3.xml><?xml version="1.0" encoding="utf-8"?>
-<p:sldLayout xmlns:a="http://schemas.openxmlformats.org/drawingml/2006/main" xmlns:r="http://schemas.openxmlformats.org/officeDocument/2006/relationships" xmlns:mc="http://schemas.openxmlformats.org/markup-compatibility/2006" xmlns:mv="urn:schemas-microsoft-com:mac:vml" xmlns:p="http://schemas.openxmlformats.org/presentationml/2006/main" xmlns:c="http://schemas.openxmlformats.org/drawingml/2006/chart" xmlns:dgm="http://schemas.openxmlformats.org/drawingml/2006/diagram" xmlns:o="urn:schemas-microsoft-com:office:office" xmlns:v="urn:schemas-microsoft-com:vml" xmlns:pvml="urn:schemas-microsoft-com:office:powerpoint" xmlns:com="http://schemas.openxmlformats.org/drawingml/2006/compatibility" xmlns:p14="http://schemas.microsoft.com/office/powerpoint/2010/main" xmlns:p15="http://schemas.microsoft.com/office/powerpoint/2012/main" xmlns:ahyp="http://schemas.microsoft.com/office/drawing/2018/hyperlinkcolor" matchingName="Title and body" type="tx">
+<p:sldLayout xmlns:a="http://schemas.openxmlformats.org/drawingml/2006/main" xmlns:r="http://schemas.openxmlformats.org/officeDocument/2006/relationships" xmlns:p="http://schemas.openxmlformats.org/presentationml/2006/main" matchingName="Title and body" type="tx">
   <p:cSld name="TITLE_AND_BODY">
     <p:spTree>
       <p:nvGrpSpPr>
-        <p:cNvPr id="20" name="Shape 20"/>
+        <p:cNvPr id="1" name="Shape 20"/>
         <p:cNvGrpSpPr/>
         <p:nvPr/>
       </p:nvGrpSpPr>
@@ -3020,12 +3119,12 @@
           </a:ln>
         </p:spPr>
         <p:txBody>
-          <a:bodyPr anchorCtr="0" anchor="ctr" bIns="91425" lIns="91425" spcFirstLastPara="1" rIns="91425" wrap="square" tIns="91425">
+          <a:bodyPr spcFirstLastPara="1" wrap="square" lIns="91425" tIns="91425" rIns="91425" bIns="91425" anchor="ctr" anchorCtr="0">
             <a:noAutofit/>
           </a:bodyPr>
           <a:lstStyle/>
           <a:p>
-            <a:pPr indent="0" lvl="0" marL="0" rtl="0" algn="l">
+            <a:pPr marL="0" lvl="0" indent="0" algn="l" rtl="0">
               <a:spcBef>
                 <a:spcPts val="0"/>
               </a:spcBef>
@@ -3034,9 +3133,6 @@
               </a:spcAft>
               <a:buNone/>
             </a:pPr>
-            <a:r>
-              <a:t/>
-            </a:r>
             <a:endParaRPr/>
           </a:p>
         </p:txBody>
@@ -3044,7 +3140,9 @@
       <p:sp>
         <p:nvSpPr>
           <p:cNvPr id="22" name="Google Shape;22;p4"/>
-          <p:cNvSpPr txBox="1"/>
+          <p:cNvSpPr txBox="1">
+            <a:spLocks noGrp="1"/>
+          </p:cNvSpPr>
           <p:nvPr>
             <p:ph type="title"/>
           </p:nvPr>
@@ -3059,7 +3157,7 @@
           </a:prstGeom>
         </p:spPr>
         <p:txBody>
-          <a:bodyPr anchorCtr="0" anchor="b" bIns="91425" lIns="91425" spcFirstLastPara="1" rIns="91425" wrap="square" tIns="91425">
+          <a:bodyPr spcFirstLastPara="1" wrap="square" lIns="91425" tIns="91425" rIns="91425" bIns="91425" anchor="b" anchorCtr="0">
             <a:normAutofit/>
           </a:bodyPr>
           <a:lstStyle>
@@ -3163,15 +3261,19 @@
               <a:defRPr/>
             </a:lvl9pPr>
           </a:lstStyle>
-          <a:p/>
+          <a:p>
+            <a:endParaRPr/>
+          </a:p>
         </p:txBody>
       </p:sp>
       <p:sp>
         <p:nvSpPr>
           <p:cNvPr id="23" name="Google Shape;23;p4"/>
-          <p:cNvSpPr txBox="1"/>
+          <p:cNvSpPr txBox="1">
+            <a:spLocks noGrp="1"/>
+          </p:cNvSpPr>
           <p:nvPr>
-            <p:ph idx="1" type="body"/>
+            <p:ph type="body" idx="1"/>
           </p:nvPr>
         </p:nvSpPr>
         <p:spPr>
@@ -3184,11 +3286,11 @@
           </a:prstGeom>
         </p:spPr>
         <p:txBody>
-          <a:bodyPr anchorCtr="0" anchor="t" bIns="91425" lIns="91425" spcFirstLastPara="1" rIns="91425" wrap="square" tIns="91425">
+          <a:bodyPr spcFirstLastPara="1" wrap="square" lIns="91425" tIns="91425" rIns="91425" bIns="91425" anchor="t" anchorCtr="0">
             <a:normAutofit/>
           </a:bodyPr>
           <a:lstStyle>
-            <a:lvl1pPr indent="-342900" lvl="0" marL="457200">
+            <a:lvl1pPr marL="457200" lvl="0" indent="-342900">
               <a:spcBef>
                 <a:spcPts val="0"/>
               </a:spcBef>
@@ -3199,7 +3301,7 @@
               <a:buChar char="●"/>
               <a:defRPr/>
             </a:lvl1pPr>
-            <a:lvl2pPr indent="-317500" lvl="1" marL="914400">
+            <a:lvl2pPr marL="914400" lvl="1" indent="-317500">
               <a:spcBef>
                 <a:spcPts val="0"/>
               </a:spcBef>
@@ -3210,7 +3312,7 @@
               <a:buChar char="○"/>
               <a:defRPr/>
             </a:lvl2pPr>
-            <a:lvl3pPr indent="-317500" lvl="2" marL="1371600">
+            <a:lvl3pPr marL="1371600" lvl="2" indent="-317500">
               <a:spcBef>
                 <a:spcPts val="0"/>
               </a:spcBef>
@@ -3221,7 +3323,7 @@
               <a:buChar char="■"/>
               <a:defRPr/>
             </a:lvl3pPr>
-            <a:lvl4pPr indent="-317500" lvl="3" marL="1828800">
+            <a:lvl4pPr marL="1828800" lvl="3" indent="-317500">
               <a:spcBef>
                 <a:spcPts val="0"/>
               </a:spcBef>
@@ -3232,7 +3334,7 @@
               <a:buChar char="●"/>
               <a:defRPr/>
             </a:lvl4pPr>
-            <a:lvl5pPr indent="-317500" lvl="4" marL="2286000">
+            <a:lvl5pPr marL="2286000" lvl="4" indent="-317500">
               <a:spcBef>
                 <a:spcPts val="0"/>
               </a:spcBef>
@@ -3243,7 +3345,7 @@
               <a:buChar char="○"/>
               <a:defRPr/>
             </a:lvl5pPr>
-            <a:lvl6pPr indent="-317500" lvl="5" marL="2743200">
+            <a:lvl6pPr marL="2743200" lvl="5" indent="-317500">
               <a:spcBef>
                 <a:spcPts val="0"/>
               </a:spcBef>
@@ -3254,7 +3356,7 @@
               <a:buChar char="■"/>
               <a:defRPr/>
             </a:lvl6pPr>
-            <a:lvl7pPr indent="-317500" lvl="6" marL="3200400">
+            <a:lvl7pPr marL="3200400" lvl="6" indent="-317500">
               <a:spcBef>
                 <a:spcPts val="0"/>
               </a:spcBef>
@@ -3265,7 +3367,7 @@
               <a:buChar char="●"/>
               <a:defRPr/>
             </a:lvl7pPr>
-            <a:lvl8pPr indent="-317500" lvl="7" marL="3657600">
+            <a:lvl8pPr marL="3657600" lvl="7" indent="-317500">
               <a:spcBef>
                 <a:spcPts val="0"/>
               </a:spcBef>
@@ -3276,7 +3378,7 @@
               <a:buChar char="○"/>
               <a:defRPr/>
             </a:lvl8pPr>
-            <a:lvl9pPr indent="-317500" lvl="8" marL="4114800">
+            <a:lvl9pPr marL="4114800" lvl="8" indent="-317500">
               <a:spcBef>
                 <a:spcPts val="0"/>
               </a:spcBef>
@@ -3288,15 +3390,19 @@
               <a:defRPr/>
             </a:lvl9pPr>
           </a:lstStyle>
-          <a:p/>
+          <a:p>
+            <a:endParaRPr/>
+          </a:p>
         </p:txBody>
       </p:sp>
       <p:sp>
         <p:nvSpPr>
           <p:cNvPr id="24" name="Google Shape;24;p4"/>
-          <p:cNvSpPr txBox="1"/>
+          <p:cNvSpPr txBox="1">
+            <a:spLocks noGrp="1"/>
+          </p:cNvSpPr>
           <p:nvPr>
-            <p:ph idx="12" type="sldNum"/>
+            <p:ph type="sldNum" idx="12"/>
           </p:nvPr>
         </p:nvSpPr>
         <p:spPr>
@@ -3309,7 +3415,7 @@
           </a:prstGeom>
         </p:spPr>
         <p:txBody>
-          <a:bodyPr anchorCtr="0" anchor="ctr" bIns="91425" lIns="91425" spcFirstLastPara="1" rIns="91425" wrap="square" tIns="91425">
+          <a:bodyPr spcFirstLastPara="1" wrap="square" lIns="91425" tIns="91425" rIns="91425" bIns="91425" anchor="ctr" anchorCtr="0">
             <a:normAutofit/>
           </a:bodyPr>
           <a:lstStyle>
@@ -3351,7 +3457,7 @@
             </a:lvl9pPr>
           </a:lstStyle>
           <a:p>
-            <a:pPr indent="0" lvl="0" marL="0" rtl="0" algn="r">
+            <a:pPr marL="0" lvl="0" indent="0" algn="r" rtl="0">
               <a:spcBef>
                 <a:spcPts val="0"/>
               </a:spcBef>
@@ -3377,11 +3483,11 @@
 </file>
 
 <file path=ppt/slideLayouts/slideLayout4.xml><?xml version="1.0" encoding="utf-8"?>
-<p:sldLayout xmlns:a="http://schemas.openxmlformats.org/drawingml/2006/main" xmlns:r="http://schemas.openxmlformats.org/officeDocument/2006/relationships" xmlns:mc="http://schemas.openxmlformats.org/markup-compatibility/2006" xmlns:mv="urn:schemas-microsoft-com:mac:vml" xmlns:p="http://schemas.openxmlformats.org/presentationml/2006/main" xmlns:c="http://schemas.openxmlformats.org/drawingml/2006/chart" xmlns:dgm="http://schemas.openxmlformats.org/drawingml/2006/diagram" xmlns:o="urn:schemas-microsoft-com:office:office" xmlns:v="urn:schemas-microsoft-com:vml" xmlns:pvml="urn:schemas-microsoft-com:office:powerpoint" xmlns:com="http://schemas.openxmlformats.org/drawingml/2006/compatibility" xmlns:p14="http://schemas.microsoft.com/office/powerpoint/2010/main" xmlns:p15="http://schemas.microsoft.com/office/powerpoint/2012/main" xmlns:ahyp="http://schemas.microsoft.com/office/drawing/2018/hyperlinkcolor" matchingName="Title and two columns" type="twoColTx">
+<p:sldLayout xmlns:a="http://schemas.openxmlformats.org/drawingml/2006/main" xmlns:r="http://schemas.openxmlformats.org/officeDocument/2006/relationships" xmlns:p="http://schemas.openxmlformats.org/presentationml/2006/main" matchingName="Title and two columns" type="twoColTx">
   <p:cSld name="TITLE_AND_TWO_COLUMNS">
     <p:spTree>
       <p:nvGrpSpPr>
-        <p:cNvPr id="25" name="Shape 25"/>
+        <p:cNvPr id="1" name="Shape 25"/>
         <p:cNvGrpSpPr/>
         <p:nvPr/>
       </p:nvGrpSpPr>
@@ -3396,7 +3502,9 @@
       <p:sp>
         <p:nvSpPr>
           <p:cNvPr id="26" name="Google Shape;26;p5"/>
-          <p:cNvSpPr txBox="1"/>
+          <p:cNvSpPr txBox="1">
+            <a:spLocks noGrp="1"/>
+          </p:cNvSpPr>
           <p:nvPr>
             <p:ph type="title"/>
           </p:nvPr>
@@ -3411,7 +3519,7 @@
           </a:prstGeom>
         </p:spPr>
         <p:txBody>
-          <a:bodyPr anchorCtr="0" anchor="b" bIns="91425" lIns="91425" spcFirstLastPara="1" rIns="91425" wrap="square" tIns="91425">
+          <a:bodyPr spcFirstLastPara="1" wrap="square" lIns="91425" tIns="91425" rIns="91425" bIns="91425" anchor="b" anchorCtr="0">
             <a:normAutofit/>
           </a:bodyPr>
           <a:lstStyle>
@@ -3515,15 +3623,19 @@
               <a:defRPr/>
             </a:lvl9pPr>
           </a:lstStyle>
-          <a:p/>
+          <a:p>
+            <a:endParaRPr/>
+          </a:p>
         </p:txBody>
       </p:sp>
       <p:sp>
         <p:nvSpPr>
           <p:cNvPr id="27" name="Google Shape;27;p5"/>
-          <p:cNvSpPr txBox="1"/>
+          <p:cNvSpPr txBox="1">
+            <a:spLocks noGrp="1"/>
+          </p:cNvSpPr>
           <p:nvPr>
-            <p:ph idx="1" type="body"/>
+            <p:ph type="body" idx="1"/>
           </p:nvPr>
         </p:nvSpPr>
         <p:spPr>
@@ -3536,11 +3648,11 @@
           </a:prstGeom>
         </p:spPr>
         <p:txBody>
-          <a:bodyPr anchorCtr="0" anchor="t" bIns="91425" lIns="91425" spcFirstLastPara="1" rIns="91425" wrap="square" tIns="91425">
+          <a:bodyPr spcFirstLastPara="1" wrap="square" lIns="91425" tIns="91425" rIns="91425" bIns="91425" anchor="t" anchorCtr="0">
             <a:normAutofit/>
           </a:bodyPr>
           <a:lstStyle>
-            <a:lvl1pPr indent="-317500" lvl="0" marL="457200">
+            <a:lvl1pPr marL="457200" lvl="0" indent="-317500">
               <a:spcBef>
                 <a:spcPts val="0"/>
               </a:spcBef>
@@ -3551,7 +3663,7 @@
               <a:buChar char="●"/>
               <a:defRPr sz="1400"/>
             </a:lvl1pPr>
-            <a:lvl2pPr indent="-304800" lvl="1" marL="914400">
+            <a:lvl2pPr marL="914400" lvl="1" indent="-304800">
               <a:spcBef>
                 <a:spcPts val="0"/>
               </a:spcBef>
@@ -3562,7 +3674,7 @@
               <a:buChar char="○"/>
               <a:defRPr sz="1200"/>
             </a:lvl2pPr>
-            <a:lvl3pPr indent="-304800" lvl="2" marL="1371600">
+            <a:lvl3pPr marL="1371600" lvl="2" indent="-304800">
               <a:spcBef>
                 <a:spcPts val="0"/>
               </a:spcBef>
@@ -3573,7 +3685,7 @@
               <a:buChar char="■"/>
               <a:defRPr sz="1200"/>
             </a:lvl3pPr>
-            <a:lvl4pPr indent="-304800" lvl="3" marL="1828800">
+            <a:lvl4pPr marL="1828800" lvl="3" indent="-304800">
               <a:spcBef>
                 <a:spcPts val="0"/>
               </a:spcBef>
@@ -3584,7 +3696,7 @@
               <a:buChar char="●"/>
               <a:defRPr sz="1200"/>
             </a:lvl4pPr>
-            <a:lvl5pPr indent="-304800" lvl="4" marL="2286000">
+            <a:lvl5pPr marL="2286000" lvl="4" indent="-304800">
               <a:spcBef>
                 <a:spcPts val="0"/>
               </a:spcBef>
@@ -3595,7 +3707,7 @@
               <a:buChar char="○"/>
               <a:defRPr sz="1200"/>
             </a:lvl5pPr>
-            <a:lvl6pPr indent="-304800" lvl="5" marL="2743200">
+            <a:lvl6pPr marL="2743200" lvl="5" indent="-304800">
               <a:spcBef>
                 <a:spcPts val="0"/>
               </a:spcBef>
@@ -3606,7 +3718,7 @@
               <a:buChar char="■"/>
               <a:defRPr sz="1200"/>
             </a:lvl6pPr>
-            <a:lvl7pPr indent="-304800" lvl="6" marL="3200400">
+            <a:lvl7pPr marL="3200400" lvl="6" indent="-304800">
               <a:spcBef>
                 <a:spcPts val="0"/>
               </a:spcBef>
@@ -3617,7 +3729,7 @@
               <a:buChar char="●"/>
               <a:defRPr sz="1200"/>
             </a:lvl7pPr>
-            <a:lvl8pPr indent="-304800" lvl="7" marL="3657600">
+            <a:lvl8pPr marL="3657600" lvl="7" indent="-304800">
               <a:spcBef>
                 <a:spcPts val="0"/>
               </a:spcBef>
@@ -3628,7 +3740,7 @@
               <a:buChar char="○"/>
               <a:defRPr sz="1200"/>
             </a:lvl8pPr>
-            <a:lvl9pPr indent="-304800" lvl="8" marL="4114800">
+            <a:lvl9pPr marL="4114800" lvl="8" indent="-304800">
               <a:spcBef>
                 <a:spcPts val="0"/>
               </a:spcBef>
@@ -3640,15 +3752,19 @@
               <a:defRPr sz="1200"/>
             </a:lvl9pPr>
           </a:lstStyle>
-          <a:p/>
+          <a:p>
+            <a:endParaRPr/>
+          </a:p>
         </p:txBody>
       </p:sp>
       <p:sp>
         <p:nvSpPr>
           <p:cNvPr id="28" name="Google Shape;28;p5"/>
-          <p:cNvSpPr txBox="1"/>
+          <p:cNvSpPr txBox="1">
+            <a:spLocks noGrp="1"/>
+          </p:cNvSpPr>
           <p:nvPr>
-            <p:ph idx="2" type="body"/>
+            <p:ph type="body" idx="2"/>
           </p:nvPr>
         </p:nvSpPr>
         <p:spPr>
@@ -3661,11 +3777,11 @@
           </a:prstGeom>
         </p:spPr>
         <p:txBody>
-          <a:bodyPr anchorCtr="0" anchor="t" bIns="91425" lIns="91425" spcFirstLastPara="1" rIns="91425" wrap="square" tIns="91425">
+          <a:bodyPr spcFirstLastPara="1" wrap="square" lIns="91425" tIns="91425" rIns="91425" bIns="91425" anchor="t" anchorCtr="0">
             <a:normAutofit/>
           </a:bodyPr>
           <a:lstStyle>
-            <a:lvl1pPr indent="-317500" lvl="0" marL="457200">
+            <a:lvl1pPr marL="457200" lvl="0" indent="-317500">
               <a:spcBef>
                 <a:spcPts val="0"/>
               </a:spcBef>
@@ -3676,7 +3792,7 @@
               <a:buChar char="●"/>
               <a:defRPr sz="1400"/>
             </a:lvl1pPr>
-            <a:lvl2pPr indent="-304800" lvl="1" marL="914400">
+            <a:lvl2pPr marL="914400" lvl="1" indent="-304800">
               <a:spcBef>
                 <a:spcPts val="0"/>
               </a:spcBef>
@@ -3687,7 +3803,7 @@
               <a:buChar char="○"/>
               <a:defRPr sz="1200"/>
             </a:lvl2pPr>
-            <a:lvl3pPr indent="-304800" lvl="2" marL="1371600">
+            <a:lvl3pPr marL="1371600" lvl="2" indent="-304800">
               <a:spcBef>
                 <a:spcPts val="0"/>
               </a:spcBef>
@@ -3698,7 +3814,7 @@
               <a:buChar char="■"/>
               <a:defRPr sz="1200"/>
             </a:lvl3pPr>
-            <a:lvl4pPr indent="-304800" lvl="3" marL="1828800">
+            <a:lvl4pPr marL="1828800" lvl="3" indent="-304800">
               <a:spcBef>
                 <a:spcPts val="0"/>
               </a:spcBef>
@@ -3709,7 +3825,7 @@
               <a:buChar char="●"/>
               <a:defRPr sz="1200"/>
             </a:lvl4pPr>
-            <a:lvl5pPr indent="-304800" lvl="4" marL="2286000">
+            <a:lvl5pPr marL="2286000" lvl="4" indent="-304800">
               <a:spcBef>
                 <a:spcPts val="0"/>
               </a:spcBef>
@@ -3720,7 +3836,7 @@
               <a:buChar char="○"/>
               <a:defRPr sz="1200"/>
             </a:lvl5pPr>
-            <a:lvl6pPr indent="-304800" lvl="5" marL="2743200">
+            <a:lvl6pPr marL="2743200" lvl="5" indent="-304800">
               <a:spcBef>
                 <a:spcPts val="0"/>
               </a:spcBef>
@@ -3731,7 +3847,7 @@
               <a:buChar char="■"/>
               <a:defRPr sz="1200"/>
             </a:lvl6pPr>
-            <a:lvl7pPr indent="-304800" lvl="6" marL="3200400">
+            <a:lvl7pPr marL="3200400" lvl="6" indent="-304800">
               <a:spcBef>
                 <a:spcPts val="0"/>
               </a:spcBef>
@@ -3742,7 +3858,7 @@
               <a:buChar char="●"/>
               <a:defRPr sz="1200"/>
             </a:lvl7pPr>
-            <a:lvl8pPr indent="-304800" lvl="7" marL="3657600">
+            <a:lvl8pPr marL="3657600" lvl="7" indent="-304800">
               <a:spcBef>
                 <a:spcPts val="0"/>
               </a:spcBef>
@@ -3753,7 +3869,7 @@
               <a:buChar char="○"/>
               <a:defRPr sz="1200"/>
             </a:lvl8pPr>
-            <a:lvl9pPr indent="-304800" lvl="8" marL="4114800">
+            <a:lvl9pPr marL="4114800" lvl="8" indent="-304800">
               <a:spcBef>
                 <a:spcPts val="0"/>
               </a:spcBef>
@@ -3765,15 +3881,19 @@
               <a:defRPr sz="1200"/>
             </a:lvl9pPr>
           </a:lstStyle>
-          <a:p/>
+          <a:p>
+            <a:endParaRPr/>
+          </a:p>
         </p:txBody>
       </p:sp>
       <p:sp>
         <p:nvSpPr>
           <p:cNvPr id="29" name="Google Shape;29;p5"/>
-          <p:cNvSpPr txBox="1"/>
+          <p:cNvSpPr txBox="1">
+            <a:spLocks noGrp="1"/>
+          </p:cNvSpPr>
           <p:nvPr>
-            <p:ph idx="12" type="sldNum"/>
+            <p:ph type="sldNum" idx="12"/>
           </p:nvPr>
         </p:nvSpPr>
         <p:spPr>
@@ -3786,7 +3906,7 @@
           </a:prstGeom>
         </p:spPr>
         <p:txBody>
-          <a:bodyPr anchorCtr="0" anchor="ctr" bIns="91425" lIns="91425" spcFirstLastPara="1" rIns="91425" wrap="square" tIns="91425">
+          <a:bodyPr spcFirstLastPara="1" wrap="square" lIns="91425" tIns="91425" rIns="91425" bIns="91425" anchor="ctr" anchorCtr="0">
             <a:normAutofit/>
           </a:bodyPr>
           <a:lstStyle>
@@ -3828,7 +3948,7 @@
             </a:lvl9pPr>
           </a:lstStyle>
           <a:p>
-            <a:pPr indent="0" lvl="0" marL="0" rtl="0" algn="r">
+            <a:pPr marL="0" lvl="0" indent="0" algn="r" rtl="0">
               <a:spcBef>
                 <a:spcPts val="0"/>
               </a:spcBef>
@@ -3854,11 +3974,11 @@
 </file>
 
 <file path=ppt/slideLayouts/slideLayout5.xml><?xml version="1.0" encoding="utf-8"?>
-<p:sldLayout xmlns:a="http://schemas.openxmlformats.org/drawingml/2006/main" xmlns:r="http://schemas.openxmlformats.org/officeDocument/2006/relationships" xmlns:mc="http://schemas.openxmlformats.org/markup-compatibility/2006" xmlns:mv="urn:schemas-microsoft-com:mac:vml" xmlns:p="http://schemas.openxmlformats.org/presentationml/2006/main" xmlns:c="http://schemas.openxmlformats.org/drawingml/2006/chart" xmlns:dgm="http://schemas.openxmlformats.org/drawingml/2006/diagram" xmlns:o="urn:schemas-microsoft-com:office:office" xmlns:v="urn:schemas-microsoft-com:vml" xmlns:pvml="urn:schemas-microsoft-com:office:powerpoint" xmlns:com="http://schemas.openxmlformats.org/drawingml/2006/compatibility" xmlns:p14="http://schemas.microsoft.com/office/powerpoint/2010/main" xmlns:p15="http://schemas.microsoft.com/office/powerpoint/2012/main" xmlns:ahyp="http://schemas.microsoft.com/office/drawing/2018/hyperlinkcolor" matchingName="Title only" type="titleOnly">
+<p:sldLayout xmlns:a="http://schemas.openxmlformats.org/drawingml/2006/main" xmlns:r="http://schemas.openxmlformats.org/officeDocument/2006/relationships" xmlns:p="http://schemas.openxmlformats.org/presentationml/2006/main" matchingName="Title only" type="titleOnly">
   <p:cSld name="TITLE_ONLY">
     <p:spTree>
       <p:nvGrpSpPr>
-        <p:cNvPr id="30" name="Shape 30"/>
+        <p:cNvPr id="1" name="Shape 30"/>
         <p:cNvGrpSpPr/>
         <p:nvPr/>
       </p:nvGrpSpPr>
@@ -3873,7 +3993,9 @@
       <p:sp>
         <p:nvSpPr>
           <p:cNvPr id="31" name="Google Shape;31;p6"/>
-          <p:cNvSpPr txBox="1"/>
+          <p:cNvSpPr txBox="1">
+            <a:spLocks noGrp="1"/>
+          </p:cNvSpPr>
           <p:nvPr>
             <p:ph type="title"/>
           </p:nvPr>
@@ -3888,7 +4010,7 @@
           </a:prstGeom>
         </p:spPr>
         <p:txBody>
-          <a:bodyPr anchorCtr="0" anchor="b" bIns="91425" lIns="91425" spcFirstLastPara="1" rIns="91425" wrap="square" tIns="91425">
+          <a:bodyPr spcFirstLastPara="1" wrap="square" lIns="91425" tIns="91425" rIns="91425" bIns="91425" anchor="b" anchorCtr="0">
             <a:normAutofit/>
           </a:bodyPr>
           <a:lstStyle>
@@ -3992,15 +4114,19 @@
               <a:defRPr/>
             </a:lvl9pPr>
           </a:lstStyle>
-          <a:p/>
+          <a:p>
+            <a:endParaRPr/>
+          </a:p>
         </p:txBody>
       </p:sp>
       <p:sp>
         <p:nvSpPr>
           <p:cNvPr id="32" name="Google Shape;32;p6"/>
-          <p:cNvSpPr txBox="1"/>
+          <p:cNvSpPr txBox="1">
+            <a:spLocks noGrp="1"/>
+          </p:cNvSpPr>
           <p:nvPr>
-            <p:ph idx="12" type="sldNum"/>
+            <p:ph type="sldNum" idx="12"/>
           </p:nvPr>
         </p:nvSpPr>
         <p:spPr>
@@ -4013,7 +4139,7 @@
           </a:prstGeom>
         </p:spPr>
         <p:txBody>
-          <a:bodyPr anchorCtr="0" anchor="ctr" bIns="91425" lIns="91425" spcFirstLastPara="1" rIns="91425" wrap="square" tIns="91425">
+          <a:bodyPr spcFirstLastPara="1" wrap="square" lIns="91425" tIns="91425" rIns="91425" bIns="91425" anchor="ctr" anchorCtr="0">
             <a:normAutofit/>
           </a:bodyPr>
           <a:lstStyle>
@@ -4055,7 +4181,7 @@
             </a:lvl9pPr>
           </a:lstStyle>
           <a:p>
-            <a:pPr indent="0" lvl="0" marL="0" rtl="0" algn="r">
+            <a:pPr marL="0" lvl="0" indent="0" algn="r" rtl="0">
               <a:spcBef>
                 <a:spcPts val="0"/>
               </a:spcBef>
@@ -4081,11 +4207,11 @@
 </file>
 
 <file path=ppt/slideLayouts/slideLayout6.xml><?xml version="1.0" encoding="utf-8"?>
-<p:sldLayout xmlns:a="http://schemas.openxmlformats.org/drawingml/2006/main" xmlns:r="http://schemas.openxmlformats.org/officeDocument/2006/relationships" xmlns:mc="http://schemas.openxmlformats.org/markup-compatibility/2006" xmlns:mv="urn:schemas-microsoft-com:mac:vml" xmlns:p="http://schemas.openxmlformats.org/presentationml/2006/main" xmlns:c="http://schemas.openxmlformats.org/drawingml/2006/chart" xmlns:dgm="http://schemas.openxmlformats.org/drawingml/2006/diagram" xmlns:o="urn:schemas-microsoft-com:office:office" xmlns:v="urn:schemas-microsoft-com:vml" xmlns:pvml="urn:schemas-microsoft-com:office:powerpoint" xmlns:com="http://schemas.openxmlformats.org/drawingml/2006/compatibility" xmlns:p14="http://schemas.microsoft.com/office/powerpoint/2010/main" xmlns:p15="http://schemas.microsoft.com/office/powerpoint/2012/main" xmlns:ahyp="http://schemas.microsoft.com/office/drawing/2018/hyperlinkcolor" matchingName="One column text">
+<p:sldLayout xmlns:a="http://schemas.openxmlformats.org/drawingml/2006/main" xmlns:r="http://schemas.openxmlformats.org/officeDocument/2006/relationships" xmlns:p="http://schemas.openxmlformats.org/presentationml/2006/main" matchingName="One column text">
   <p:cSld name="ONE_COLUMN_TEXT">
     <p:spTree>
       <p:nvGrpSpPr>
-        <p:cNvPr id="33" name="Shape 33"/>
+        <p:cNvPr id="1" name="Shape 33"/>
         <p:cNvGrpSpPr/>
         <p:nvPr/>
       </p:nvGrpSpPr>
@@ -4100,7 +4226,9 @@
       <p:sp>
         <p:nvSpPr>
           <p:cNvPr id="34" name="Google Shape;34;p7"/>
-          <p:cNvSpPr txBox="1"/>
+          <p:cNvSpPr txBox="1">
+            <a:spLocks noGrp="1"/>
+          </p:cNvSpPr>
           <p:nvPr>
             <p:ph type="title"/>
           </p:nvPr>
@@ -4115,7 +4243,7 @@
           </a:prstGeom>
         </p:spPr>
         <p:txBody>
-          <a:bodyPr anchorCtr="0" anchor="b" bIns="91425" lIns="91425" spcFirstLastPara="1" rIns="91425" wrap="square" tIns="91425">
+          <a:bodyPr spcFirstLastPara="1" wrap="square" lIns="91425" tIns="91425" rIns="91425" bIns="91425" anchor="b" anchorCtr="0">
             <a:normAutofit/>
           </a:bodyPr>
           <a:lstStyle>
@@ -4219,15 +4347,19 @@
               <a:defRPr sz="3000"/>
             </a:lvl9pPr>
           </a:lstStyle>
-          <a:p/>
+          <a:p>
+            <a:endParaRPr/>
+          </a:p>
         </p:txBody>
       </p:sp>
       <p:sp>
         <p:nvSpPr>
           <p:cNvPr id="35" name="Google Shape;35;p7"/>
-          <p:cNvSpPr txBox="1"/>
+          <p:cNvSpPr txBox="1">
+            <a:spLocks noGrp="1"/>
+          </p:cNvSpPr>
           <p:nvPr>
-            <p:ph idx="1" type="body"/>
+            <p:ph type="body" idx="1"/>
           </p:nvPr>
         </p:nvSpPr>
         <p:spPr>
@@ -4240,11 +4372,11 @@
           </a:prstGeom>
         </p:spPr>
         <p:txBody>
-          <a:bodyPr anchorCtr="0" anchor="t" bIns="91425" lIns="91425" spcFirstLastPara="1" rIns="91425" wrap="square" tIns="91425">
+          <a:bodyPr spcFirstLastPara="1" wrap="square" lIns="91425" tIns="91425" rIns="91425" bIns="91425" anchor="t" anchorCtr="0">
             <a:normAutofit/>
           </a:bodyPr>
           <a:lstStyle>
-            <a:lvl1pPr indent="-304800" lvl="0" marL="457200">
+            <a:lvl1pPr marL="457200" lvl="0" indent="-304800">
               <a:spcBef>
                 <a:spcPts val="0"/>
               </a:spcBef>
@@ -4255,7 +4387,7 @@
               <a:buChar char="●"/>
               <a:defRPr sz="1200"/>
             </a:lvl1pPr>
-            <a:lvl2pPr indent="-304800" lvl="1" marL="914400">
+            <a:lvl2pPr marL="914400" lvl="1" indent="-304800">
               <a:spcBef>
                 <a:spcPts val="0"/>
               </a:spcBef>
@@ -4266,7 +4398,7 @@
               <a:buChar char="○"/>
               <a:defRPr sz="1200"/>
             </a:lvl2pPr>
-            <a:lvl3pPr indent="-304800" lvl="2" marL="1371600">
+            <a:lvl3pPr marL="1371600" lvl="2" indent="-304800">
               <a:spcBef>
                 <a:spcPts val="0"/>
               </a:spcBef>
@@ -4277,7 +4409,7 @@
               <a:buChar char="■"/>
               <a:defRPr sz="1200"/>
             </a:lvl3pPr>
-            <a:lvl4pPr indent="-304800" lvl="3" marL="1828800">
+            <a:lvl4pPr marL="1828800" lvl="3" indent="-304800">
               <a:spcBef>
                 <a:spcPts val="0"/>
               </a:spcBef>
@@ -4288,7 +4420,7 @@
               <a:buChar char="●"/>
               <a:defRPr sz="1200"/>
             </a:lvl4pPr>
-            <a:lvl5pPr indent="-304800" lvl="4" marL="2286000">
+            <a:lvl5pPr marL="2286000" lvl="4" indent="-304800">
               <a:spcBef>
                 <a:spcPts val="0"/>
               </a:spcBef>
@@ -4299,7 +4431,7 @@
               <a:buChar char="○"/>
               <a:defRPr sz="1200"/>
             </a:lvl5pPr>
-            <a:lvl6pPr indent="-304800" lvl="5" marL="2743200">
+            <a:lvl6pPr marL="2743200" lvl="5" indent="-304800">
               <a:spcBef>
                 <a:spcPts val="0"/>
               </a:spcBef>
@@ -4310,7 +4442,7 @@
               <a:buChar char="■"/>
               <a:defRPr sz="1200"/>
             </a:lvl6pPr>
-            <a:lvl7pPr indent="-304800" lvl="6" marL="3200400">
+            <a:lvl7pPr marL="3200400" lvl="6" indent="-304800">
               <a:spcBef>
                 <a:spcPts val="0"/>
               </a:spcBef>
@@ -4321,7 +4453,7 @@
               <a:buChar char="●"/>
               <a:defRPr sz="1200"/>
             </a:lvl7pPr>
-            <a:lvl8pPr indent="-304800" lvl="7" marL="3657600">
+            <a:lvl8pPr marL="3657600" lvl="7" indent="-304800">
               <a:spcBef>
                 <a:spcPts val="0"/>
               </a:spcBef>
@@ -4332,7 +4464,7 @@
               <a:buChar char="○"/>
               <a:defRPr sz="1200"/>
             </a:lvl8pPr>
-            <a:lvl9pPr indent="-304800" lvl="8" marL="4114800">
+            <a:lvl9pPr marL="4114800" lvl="8" indent="-304800">
               <a:spcBef>
                 <a:spcPts val="0"/>
               </a:spcBef>
@@ -4344,15 +4476,19 @@
               <a:defRPr sz="1200"/>
             </a:lvl9pPr>
           </a:lstStyle>
-          <a:p/>
+          <a:p>
+            <a:endParaRPr/>
+          </a:p>
         </p:txBody>
       </p:sp>
       <p:sp>
         <p:nvSpPr>
           <p:cNvPr id="36" name="Google Shape;36;p7"/>
-          <p:cNvSpPr txBox="1"/>
+          <p:cNvSpPr txBox="1">
+            <a:spLocks noGrp="1"/>
+          </p:cNvSpPr>
           <p:nvPr>
-            <p:ph idx="12" type="sldNum"/>
+            <p:ph type="sldNum" idx="12"/>
           </p:nvPr>
         </p:nvSpPr>
         <p:spPr>
@@ -4365,7 +4501,7 @@
           </a:prstGeom>
         </p:spPr>
         <p:txBody>
-          <a:bodyPr anchorCtr="0" anchor="ctr" bIns="91425" lIns="91425" spcFirstLastPara="1" rIns="91425" wrap="square" tIns="91425">
+          <a:bodyPr spcFirstLastPara="1" wrap="square" lIns="91425" tIns="91425" rIns="91425" bIns="91425" anchor="ctr" anchorCtr="0">
             <a:normAutofit/>
           </a:bodyPr>
           <a:lstStyle>
@@ -4407,7 +4543,7 @@
             </a:lvl9pPr>
           </a:lstStyle>
           <a:p>
-            <a:pPr indent="0" lvl="0" marL="0" rtl="0" algn="r">
+            <a:pPr marL="0" lvl="0" indent="0" algn="r" rtl="0">
               <a:spcBef>
                 <a:spcPts val="0"/>
               </a:spcBef>
@@ -4433,11 +4569,11 @@
 </file>
 
 <file path=ppt/slideLayouts/slideLayout7.xml><?xml version="1.0" encoding="utf-8"?>
-<p:sldLayout xmlns:a="http://schemas.openxmlformats.org/drawingml/2006/main" xmlns:r="http://schemas.openxmlformats.org/officeDocument/2006/relationships" xmlns:mc="http://schemas.openxmlformats.org/markup-compatibility/2006" xmlns:mv="urn:schemas-microsoft-com:mac:vml" xmlns:p="http://schemas.openxmlformats.org/presentationml/2006/main" xmlns:c="http://schemas.openxmlformats.org/drawingml/2006/chart" xmlns:dgm="http://schemas.openxmlformats.org/drawingml/2006/diagram" xmlns:o="urn:schemas-microsoft-com:office:office" xmlns:v="urn:schemas-microsoft-com:vml" xmlns:pvml="urn:schemas-microsoft-com:office:powerpoint" xmlns:com="http://schemas.openxmlformats.org/drawingml/2006/compatibility" xmlns:p14="http://schemas.microsoft.com/office/powerpoint/2010/main" xmlns:p15="http://schemas.microsoft.com/office/powerpoint/2012/main" xmlns:ahyp="http://schemas.microsoft.com/office/drawing/2018/hyperlinkcolor" matchingName="Main point">
+<p:sldLayout xmlns:a="http://schemas.openxmlformats.org/drawingml/2006/main" xmlns:r="http://schemas.openxmlformats.org/officeDocument/2006/relationships" xmlns:p="http://schemas.openxmlformats.org/presentationml/2006/main" matchingName="Main point">
   <p:cSld name="MAIN_POINT">
     <p:spTree>
       <p:nvGrpSpPr>
-        <p:cNvPr id="37" name="Shape 37"/>
+        <p:cNvPr id="1" name="Shape 37"/>
         <p:cNvGrpSpPr/>
         <p:nvPr/>
       </p:nvGrpSpPr>
@@ -4471,12 +4607,12 @@
           </a:ln>
         </p:spPr>
         <p:txBody>
-          <a:bodyPr anchorCtr="0" anchor="ctr" bIns="91425" lIns="91425" spcFirstLastPara="1" rIns="91425" wrap="square" tIns="91425">
+          <a:bodyPr spcFirstLastPara="1" wrap="square" lIns="91425" tIns="91425" rIns="91425" bIns="91425" anchor="ctr" anchorCtr="0">
             <a:noAutofit/>
           </a:bodyPr>
           <a:lstStyle/>
           <a:p>
-            <a:pPr indent="0" lvl="0" marL="0" rtl="0" algn="l">
+            <a:pPr marL="0" lvl="0" indent="0" algn="l" rtl="0">
               <a:spcBef>
                 <a:spcPts val="0"/>
               </a:spcBef>
@@ -4485,9 +4621,6 @@
               </a:spcAft>
               <a:buNone/>
             </a:pPr>
-            <a:r>
-              <a:t/>
-            </a:r>
             <a:endParaRPr/>
           </a:p>
         </p:txBody>
@@ -4495,7 +4628,9 @@
       <p:sp>
         <p:nvSpPr>
           <p:cNvPr id="39" name="Google Shape;39;p8"/>
-          <p:cNvSpPr txBox="1"/>
+          <p:cNvSpPr txBox="1">
+            <a:spLocks noGrp="1"/>
+          </p:cNvSpPr>
           <p:nvPr>
             <p:ph type="title"/>
           </p:nvPr>
@@ -4510,7 +4645,7 @@
           </a:prstGeom>
         </p:spPr>
         <p:txBody>
-          <a:bodyPr anchorCtr="0" anchor="ctr" bIns="91425" lIns="91425" spcFirstLastPara="1" rIns="91425" wrap="square" tIns="91425">
+          <a:bodyPr spcFirstLastPara="1" wrap="square" lIns="91425" tIns="91425" rIns="91425" bIns="91425" anchor="ctr" anchorCtr="0">
             <a:normAutofit/>
           </a:bodyPr>
           <a:lstStyle>
@@ -4614,15 +4749,19 @@
               <a:defRPr sz="4800"/>
             </a:lvl9pPr>
           </a:lstStyle>
-          <a:p/>
+          <a:p>
+            <a:endParaRPr/>
+          </a:p>
         </p:txBody>
       </p:sp>
       <p:sp>
         <p:nvSpPr>
           <p:cNvPr id="40" name="Google Shape;40;p8"/>
-          <p:cNvSpPr txBox="1"/>
+          <p:cNvSpPr txBox="1">
+            <a:spLocks noGrp="1"/>
+          </p:cNvSpPr>
           <p:nvPr>
-            <p:ph idx="12" type="sldNum"/>
+            <p:ph type="sldNum" idx="12"/>
           </p:nvPr>
         </p:nvSpPr>
         <p:spPr>
@@ -4635,7 +4774,7 @@
           </a:prstGeom>
         </p:spPr>
         <p:txBody>
-          <a:bodyPr anchorCtr="0" anchor="ctr" bIns="91425" lIns="91425" spcFirstLastPara="1" rIns="91425" wrap="square" tIns="91425">
+          <a:bodyPr spcFirstLastPara="1" wrap="square" lIns="91425" tIns="91425" rIns="91425" bIns="91425" anchor="ctr" anchorCtr="0">
             <a:normAutofit/>
           </a:bodyPr>
           <a:lstStyle>
@@ -4677,7 +4816,7 @@
             </a:lvl9pPr>
           </a:lstStyle>
           <a:p>
-            <a:pPr indent="0" lvl="0" marL="0" rtl="0" algn="r">
+            <a:pPr marL="0" lvl="0" indent="0" algn="r" rtl="0">
               <a:spcBef>
                 <a:spcPts val="0"/>
               </a:spcBef>
@@ -4703,11 +4842,11 @@
 </file>
 
 <file path=ppt/slideLayouts/slideLayout8.xml><?xml version="1.0" encoding="utf-8"?>
-<p:sldLayout xmlns:a="http://schemas.openxmlformats.org/drawingml/2006/main" xmlns:r="http://schemas.openxmlformats.org/officeDocument/2006/relationships" xmlns:mc="http://schemas.openxmlformats.org/markup-compatibility/2006" xmlns:mv="urn:schemas-microsoft-com:mac:vml" xmlns:p="http://schemas.openxmlformats.org/presentationml/2006/main" xmlns:c="http://schemas.openxmlformats.org/drawingml/2006/chart" xmlns:dgm="http://schemas.openxmlformats.org/drawingml/2006/diagram" xmlns:o="urn:schemas-microsoft-com:office:office" xmlns:v="urn:schemas-microsoft-com:vml" xmlns:pvml="urn:schemas-microsoft-com:office:powerpoint" xmlns:com="http://schemas.openxmlformats.org/drawingml/2006/compatibility" xmlns:p14="http://schemas.microsoft.com/office/powerpoint/2010/main" xmlns:p15="http://schemas.microsoft.com/office/powerpoint/2012/main" xmlns:ahyp="http://schemas.microsoft.com/office/drawing/2018/hyperlinkcolor" matchingName="Section title and description">
+<p:sldLayout xmlns:a="http://schemas.openxmlformats.org/drawingml/2006/main" xmlns:r="http://schemas.openxmlformats.org/officeDocument/2006/relationships" xmlns:p="http://schemas.openxmlformats.org/presentationml/2006/main" matchingName="Section title and description">
   <p:cSld name="SECTION_TITLE_AND_DESCRIPTION">
     <p:spTree>
       <p:nvGrpSpPr>
-        <p:cNvPr id="41" name="Shape 41"/>
+        <p:cNvPr id="1" name="Shape 41"/>
         <p:cNvGrpSpPr/>
         <p:nvPr/>
       </p:nvGrpSpPr>
@@ -4741,12 +4880,12 @@
           </a:ln>
         </p:spPr>
         <p:txBody>
-          <a:bodyPr anchorCtr="0" anchor="ctr" bIns="91425" lIns="91425" spcFirstLastPara="1" rIns="91425" wrap="square" tIns="91425">
+          <a:bodyPr spcFirstLastPara="1" wrap="square" lIns="91425" tIns="91425" rIns="91425" bIns="91425" anchor="ctr" anchorCtr="0">
             <a:noAutofit/>
           </a:bodyPr>
           <a:lstStyle/>
           <a:p>
-            <a:pPr indent="0" lvl="0" marL="0" rtl="0" algn="l">
+            <a:pPr marL="0" lvl="0" indent="0" algn="l" rtl="0">
               <a:spcBef>
                 <a:spcPts val="0"/>
               </a:spcBef>
@@ -4755,9 +4894,6 @@
               </a:spcAft>
               <a:buNone/>
             </a:pPr>
-            <a:r>
-              <a:t/>
-            </a:r>
             <a:endParaRPr/>
           </a:p>
         </p:txBody>
@@ -4777,21 +4913,23 @@
             <a:avLst/>
           </a:prstGeom>
           <a:noFill/>
-          <a:ln cap="flat" cmpd="sng" w="19050">
+          <a:ln w="19050" cap="flat" cmpd="sng">
             <a:solidFill>
               <a:schemeClr val="lt1"/>
             </a:solidFill>
             <a:prstDash val="solid"/>
             <a:round/>
-            <a:headEnd len="sm" w="sm" type="none"/>
-            <a:tailEnd len="sm" w="sm" type="none"/>
+            <a:headEnd type="none" w="sm" len="sm"/>
+            <a:tailEnd type="none" w="sm" len="sm"/>
           </a:ln>
         </p:spPr>
       </p:cxnSp>
       <p:sp>
         <p:nvSpPr>
           <p:cNvPr id="44" name="Google Shape;44;p9"/>
-          <p:cNvSpPr txBox="1"/>
+          <p:cNvSpPr txBox="1">
+            <a:spLocks noGrp="1"/>
+          </p:cNvSpPr>
           <p:nvPr>
             <p:ph type="title"/>
           </p:nvPr>
@@ -4806,7 +4944,7 @@
           </a:prstGeom>
         </p:spPr>
         <p:txBody>
-          <a:bodyPr anchorCtr="0" anchor="b" bIns="91425" lIns="91425" spcFirstLastPara="1" rIns="91425" wrap="square" tIns="91425">
+          <a:bodyPr spcFirstLastPara="1" wrap="square" lIns="91425" tIns="91425" rIns="91425" bIns="91425" anchor="b" anchorCtr="0">
             <a:normAutofit/>
           </a:bodyPr>
           <a:lstStyle>
@@ -4973,15 +5111,19 @@
               </a:defRPr>
             </a:lvl9pPr>
           </a:lstStyle>
-          <a:p/>
+          <a:p>
+            <a:endParaRPr/>
+          </a:p>
         </p:txBody>
       </p:sp>
       <p:sp>
         <p:nvSpPr>
           <p:cNvPr id="45" name="Google Shape;45;p9"/>
-          <p:cNvSpPr txBox="1"/>
+          <p:cNvSpPr txBox="1">
+            <a:spLocks noGrp="1"/>
+          </p:cNvSpPr>
           <p:nvPr>
-            <p:ph idx="1" type="subTitle"/>
+            <p:ph type="subTitle" idx="1"/>
           </p:nvPr>
         </p:nvSpPr>
         <p:spPr>
@@ -4994,7 +5136,7 @@
           </a:prstGeom>
         </p:spPr>
         <p:txBody>
-          <a:bodyPr anchorCtr="0" anchor="t" bIns="91425" lIns="91425" spcFirstLastPara="1" rIns="91425" wrap="square" tIns="91425">
+          <a:bodyPr spcFirstLastPara="1" wrap="square" lIns="91425" tIns="91425" rIns="91425" bIns="91425" anchor="t" anchorCtr="0">
             <a:normAutofit/>
           </a:bodyPr>
           <a:lstStyle>
@@ -5179,15 +5321,19 @@
               </a:defRPr>
             </a:lvl9pPr>
           </a:lstStyle>
-          <a:p/>
+          <a:p>
+            <a:endParaRPr/>
+          </a:p>
         </p:txBody>
       </p:sp>
       <p:sp>
         <p:nvSpPr>
           <p:cNvPr id="46" name="Google Shape;46;p9"/>
-          <p:cNvSpPr txBox="1"/>
+          <p:cNvSpPr txBox="1">
+            <a:spLocks noGrp="1"/>
+          </p:cNvSpPr>
           <p:nvPr>
-            <p:ph idx="2" type="body"/>
+            <p:ph type="body" idx="2"/>
           </p:nvPr>
         </p:nvSpPr>
         <p:spPr>
@@ -5200,11 +5346,11 @@
           </a:prstGeom>
         </p:spPr>
         <p:txBody>
-          <a:bodyPr anchorCtr="0" anchor="ctr" bIns="91425" lIns="91425" spcFirstLastPara="1" rIns="91425" wrap="square" tIns="91425">
+          <a:bodyPr spcFirstLastPara="1" wrap="square" lIns="91425" tIns="91425" rIns="91425" bIns="91425" anchor="ctr" anchorCtr="0">
             <a:normAutofit/>
           </a:bodyPr>
           <a:lstStyle>
-            <a:lvl1pPr indent="-342900" lvl="0" marL="457200">
+            <a:lvl1pPr marL="457200" lvl="0" indent="-342900">
               <a:spcBef>
                 <a:spcPts val="0"/>
               </a:spcBef>
@@ -5222,7 +5368,7 @@
                 </a:solidFill>
               </a:defRPr>
             </a:lvl1pPr>
-            <a:lvl2pPr indent="-317500" lvl="1" marL="914400">
+            <a:lvl2pPr marL="914400" lvl="1" indent="-317500">
               <a:spcBef>
                 <a:spcPts val="0"/>
               </a:spcBef>
@@ -5240,7 +5386,7 @@
                 </a:solidFill>
               </a:defRPr>
             </a:lvl2pPr>
-            <a:lvl3pPr indent="-317500" lvl="2" marL="1371600">
+            <a:lvl3pPr marL="1371600" lvl="2" indent="-317500">
               <a:spcBef>
                 <a:spcPts val="0"/>
               </a:spcBef>
@@ -5258,7 +5404,7 @@
                 </a:solidFill>
               </a:defRPr>
             </a:lvl3pPr>
-            <a:lvl4pPr indent="-317500" lvl="3" marL="1828800">
+            <a:lvl4pPr marL="1828800" lvl="3" indent="-317500">
               <a:spcBef>
                 <a:spcPts val="0"/>
               </a:spcBef>
@@ -5276,7 +5422,7 @@
                 </a:solidFill>
               </a:defRPr>
             </a:lvl4pPr>
-            <a:lvl5pPr indent="-317500" lvl="4" marL="2286000">
+            <a:lvl5pPr marL="2286000" lvl="4" indent="-317500">
               <a:spcBef>
                 <a:spcPts val="0"/>
               </a:spcBef>
@@ -5294,7 +5440,7 @@
                 </a:solidFill>
               </a:defRPr>
             </a:lvl5pPr>
-            <a:lvl6pPr indent="-317500" lvl="5" marL="2743200">
+            <a:lvl6pPr marL="2743200" lvl="5" indent="-317500">
               <a:spcBef>
                 <a:spcPts val="0"/>
               </a:spcBef>
@@ -5312,7 +5458,7 @@
                 </a:solidFill>
               </a:defRPr>
             </a:lvl6pPr>
-            <a:lvl7pPr indent="-317500" lvl="6" marL="3200400">
+            <a:lvl7pPr marL="3200400" lvl="6" indent="-317500">
               <a:spcBef>
                 <a:spcPts val="0"/>
               </a:spcBef>
@@ -5330,7 +5476,7 @@
                 </a:solidFill>
               </a:defRPr>
             </a:lvl7pPr>
-            <a:lvl8pPr indent="-317500" lvl="7" marL="3657600">
+            <a:lvl8pPr marL="3657600" lvl="7" indent="-317500">
               <a:spcBef>
                 <a:spcPts val="0"/>
               </a:spcBef>
@@ -5348,7 +5494,7 @@
                 </a:solidFill>
               </a:defRPr>
             </a:lvl8pPr>
-            <a:lvl9pPr indent="-317500" lvl="8" marL="4114800">
+            <a:lvl9pPr marL="4114800" lvl="8" indent="-317500">
               <a:spcBef>
                 <a:spcPts val="0"/>
               </a:spcBef>
@@ -5367,15 +5513,19 @@
               </a:defRPr>
             </a:lvl9pPr>
           </a:lstStyle>
-          <a:p/>
+          <a:p>
+            <a:endParaRPr/>
+          </a:p>
         </p:txBody>
       </p:sp>
       <p:sp>
         <p:nvSpPr>
           <p:cNvPr id="47" name="Google Shape;47;p9"/>
-          <p:cNvSpPr txBox="1"/>
+          <p:cNvSpPr txBox="1">
+            <a:spLocks noGrp="1"/>
+          </p:cNvSpPr>
           <p:nvPr>
-            <p:ph idx="12" type="sldNum"/>
+            <p:ph type="sldNum" idx="12"/>
           </p:nvPr>
         </p:nvSpPr>
         <p:spPr>
@@ -5388,7 +5538,7 @@
           </a:prstGeom>
         </p:spPr>
         <p:txBody>
-          <a:bodyPr anchorCtr="0" anchor="ctr" bIns="91425" lIns="91425" spcFirstLastPara="1" rIns="91425" wrap="square" tIns="91425">
+          <a:bodyPr spcFirstLastPara="1" wrap="square" lIns="91425" tIns="91425" rIns="91425" bIns="91425" anchor="ctr" anchorCtr="0">
             <a:normAutofit/>
           </a:bodyPr>
           <a:lstStyle>
@@ -5466,7 +5616,7 @@
             </a:lvl9pPr>
           </a:lstStyle>
           <a:p>
-            <a:pPr indent="0" lvl="0" marL="0" rtl="0" algn="r">
+            <a:pPr marL="0" lvl="0" indent="0" algn="r" rtl="0">
               <a:spcBef>
                 <a:spcPts val="0"/>
               </a:spcBef>
@@ -5492,11 +5642,11 @@
 </file>
 
 <file path=ppt/slideLayouts/slideLayout9.xml><?xml version="1.0" encoding="utf-8"?>
-<p:sldLayout xmlns:a="http://schemas.openxmlformats.org/drawingml/2006/main" xmlns:r="http://schemas.openxmlformats.org/officeDocument/2006/relationships" xmlns:mc="http://schemas.openxmlformats.org/markup-compatibility/2006" xmlns:mv="urn:schemas-microsoft-com:mac:vml" xmlns:p="http://schemas.openxmlformats.org/presentationml/2006/main" xmlns:c="http://schemas.openxmlformats.org/drawingml/2006/chart" xmlns:dgm="http://schemas.openxmlformats.org/drawingml/2006/diagram" xmlns:o="urn:schemas-microsoft-com:office:office" xmlns:v="urn:schemas-microsoft-com:vml" xmlns:pvml="urn:schemas-microsoft-com:office:powerpoint" xmlns:com="http://schemas.openxmlformats.org/drawingml/2006/compatibility" xmlns:p14="http://schemas.microsoft.com/office/powerpoint/2010/main" xmlns:p15="http://schemas.microsoft.com/office/powerpoint/2012/main" xmlns:ahyp="http://schemas.microsoft.com/office/drawing/2018/hyperlinkcolor" matchingName="Caption">
+<p:sldLayout xmlns:a="http://schemas.openxmlformats.org/drawingml/2006/main" xmlns:r="http://schemas.openxmlformats.org/officeDocument/2006/relationships" xmlns:p="http://schemas.openxmlformats.org/presentationml/2006/main" matchingName="Caption">
   <p:cSld name="CAPTION_ONLY">
     <p:spTree>
       <p:nvGrpSpPr>
-        <p:cNvPr id="48" name="Shape 48"/>
+        <p:cNvPr id="1" name="Shape 48"/>
         <p:cNvGrpSpPr/>
         <p:nvPr/>
       </p:nvGrpSpPr>
@@ -5511,9 +5661,11 @@
       <p:sp>
         <p:nvSpPr>
           <p:cNvPr id="49" name="Google Shape;49;p10"/>
-          <p:cNvSpPr txBox="1"/>
+          <p:cNvSpPr txBox="1">
+            <a:spLocks noGrp="1"/>
+          </p:cNvSpPr>
           <p:nvPr>
-            <p:ph idx="1" type="body"/>
+            <p:ph type="body" idx="1"/>
           </p:nvPr>
         </p:nvSpPr>
         <p:spPr>
@@ -5526,11 +5678,11 @@
           </a:prstGeom>
         </p:spPr>
         <p:txBody>
-          <a:bodyPr anchorCtr="0" anchor="ctr" bIns="91425" lIns="91425" spcFirstLastPara="1" rIns="91425" wrap="square" tIns="91425">
+          <a:bodyPr spcFirstLastPara="1" wrap="square" lIns="91425" tIns="91425" rIns="91425" bIns="91425" anchor="ctr" anchorCtr="0">
             <a:normAutofit/>
           </a:bodyPr>
           <a:lstStyle>
-            <a:lvl1pPr indent="-228600" lvl="0" marL="457200">
+            <a:lvl1pPr marL="457200" lvl="0" indent="-228600">
               <a:lnSpc>
                 <a:spcPct val="100000"/>
               </a:lnSpc>
@@ -5551,15 +5703,19 @@
               </a:defRPr>
             </a:lvl1pPr>
           </a:lstStyle>
-          <a:p/>
+          <a:p>
+            <a:endParaRPr/>
+          </a:p>
         </p:txBody>
       </p:sp>
       <p:sp>
         <p:nvSpPr>
           <p:cNvPr id="50" name="Google Shape;50;p10"/>
-          <p:cNvSpPr txBox="1"/>
+          <p:cNvSpPr txBox="1">
+            <a:spLocks noGrp="1"/>
+          </p:cNvSpPr>
           <p:nvPr>
-            <p:ph idx="12" type="sldNum"/>
+            <p:ph type="sldNum" idx="12"/>
           </p:nvPr>
         </p:nvSpPr>
         <p:spPr>
@@ -5572,7 +5728,7 @@
           </a:prstGeom>
         </p:spPr>
         <p:txBody>
-          <a:bodyPr anchorCtr="0" anchor="ctr" bIns="91425" lIns="91425" spcFirstLastPara="1" rIns="91425" wrap="square" tIns="91425">
+          <a:bodyPr spcFirstLastPara="1" wrap="square" lIns="91425" tIns="91425" rIns="91425" bIns="91425" anchor="ctr" anchorCtr="0">
             <a:normAutofit/>
           </a:bodyPr>
           <a:lstStyle>
@@ -5614,7 +5770,7 @@
             </a:lvl9pPr>
           </a:lstStyle>
           <a:p>
-            <a:pPr indent="0" lvl="0" marL="0" rtl="0" algn="r">
+            <a:pPr marL="0" lvl="0" indent="0" algn="r" rtl="0">
               <a:spcBef>
                 <a:spcPts val="0"/>
               </a:spcBef>
@@ -5640,18 +5796,19 @@
 </file>
 
 <file path=ppt/slideMasters/slideMaster1.xml><?xml version="1.0" encoding="utf-8"?>
-<p:sldMaster xmlns:a="http://schemas.openxmlformats.org/drawingml/2006/main" xmlns:r="http://schemas.openxmlformats.org/officeDocument/2006/relationships" xmlns:mc="http://schemas.openxmlformats.org/markup-compatibility/2006" xmlns:mv="urn:schemas-microsoft-com:mac:vml" xmlns:p="http://schemas.openxmlformats.org/presentationml/2006/main" xmlns:c="http://schemas.openxmlformats.org/drawingml/2006/chart" xmlns:dgm="http://schemas.openxmlformats.org/drawingml/2006/diagram" xmlns:o="urn:schemas-microsoft-com:office:office" xmlns:v="urn:schemas-microsoft-com:vml" xmlns:pvml="urn:schemas-microsoft-com:office:powerpoint" xmlns:com="http://schemas.openxmlformats.org/drawingml/2006/compatibility" xmlns:p14="http://schemas.microsoft.com/office/powerpoint/2010/main" xmlns:p15="http://schemas.microsoft.com/office/powerpoint/2012/main" xmlns:ahyp="http://schemas.microsoft.com/office/drawing/2018/hyperlinkcolor">
+<p:sldMaster xmlns:a="http://schemas.openxmlformats.org/drawingml/2006/main" xmlns:r="http://schemas.openxmlformats.org/officeDocument/2006/relationships" xmlns:p="http://schemas.openxmlformats.org/presentationml/2006/main">
   <p:cSld name="luxe">
     <p:bg>
       <p:bgPr>
         <a:solidFill>
           <a:schemeClr val="lt1"/>
         </a:solidFill>
+        <a:effectLst/>
       </p:bgPr>
     </p:bg>
     <p:spTree>
       <p:nvGrpSpPr>
-        <p:cNvPr id="5" name="Shape 5"/>
+        <p:cNvPr id="1" name="Shape 5"/>
         <p:cNvGrpSpPr/>
         <p:nvPr/>
       </p:nvGrpSpPr>
@@ -5666,7 +5823,9 @@
       <p:sp>
         <p:nvSpPr>
           <p:cNvPr id="6" name="Google Shape;6;p1"/>
-          <p:cNvSpPr txBox="1"/>
+          <p:cNvSpPr txBox="1">
+            <a:spLocks noGrp="1"/>
+          </p:cNvSpPr>
           <p:nvPr>
             <p:ph type="title"/>
           </p:nvPr>
@@ -5685,7 +5844,7 @@
           </a:ln>
         </p:spPr>
         <p:txBody>
-          <a:bodyPr anchorCtr="0" anchor="b" bIns="91425" lIns="91425" spcFirstLastPara="1" rIns="91425" wrap="square" tIns="91425">
+          <a:bodyPr spcFirstLastPara="1" wrap="square" lIns="91425" tIns="91425" rIns="91425" bIns="91425" anchor="b" anchorCtr="0">
             <a:normAutofit/>
           </a:bodyPr>
           <a:lstStyle>
@@ -5897,15 +6056,19 @@
               </a:defRPr>
             </a:lvl9pPr>
           </a:lstStyle>
-          <a:p/>
+          <a:p>
+            <a:endParaRPr/>
+          </a:p>
         </p:txBody>
       </p:sp>
       <p:sp>
         <p:nvSpPr>
           <p:cNvPr id="7" name="Google Shape;7;p1"/>
-          <p:cNvSpPr txBox="1"/>
+          <p:cNvSpPr txBox="1">
+            <a:spLocks noGrp="1"/>
+          </p:cNvSpPr>
           <p:nvPr>
-            <p:ph idx="1" type="body"/>
+            <p:ph type="body" idx="1"/>
           </p:nvPr>
         </p:nvSpPr>
         <p:spPr>
@@ -5922,11 +6085,11 @@
           </a:ln>
         </p:spPr>
         <p:txBody>
-          <a:bodyPr anchorCtr="0" anchor="t" bIns="91425" lIns="91425" spcFirstLastPara="1" rIns="91425" wrap="square" tIns="91425">
+          <a:bodyPr spcFirstLastPara="1" wrap="square" lIns="91425" tIns="91425" rIns="91425" bIns="91425" anchor="t" anchorCtr="0">
             <a:normAutofit/>
           </a:bodyPr>
           <a:lstStyle>
-            <a:lvl1pPr indent="-342900" lvl="0" marL="457200">
+            <a:lvl1pPr marL="457200" lvl="0" indent="-342900">
               <a:lnSpc>
                 <a:spcPct val="115000"/>
               </a:lnSpc>
@@ -5952,7 +6115,7 @@
                 <a:sym typeface="Open Sans"/>
               </a:defRPr>
             </a:lvl1pPr>
-            <a:lvl2pPr indent="-317500" lvl="1" marL="914400">
+            <a:lvl2pPr marL="914400" lvl="1" indent="-317500">
               <a:lnSpc>
                 <a:spcPct val="115000"/>
               </a:lnSpc>
@@ -5978,7 +6141,7 @@
                 <a:sym typeface="Open Sans"/>
               </a:defRPr>
             </a:lvl2pPr>
-            <a:lvl3pPr indent="-317500" lvl="2" marL="1371600">
+            <a:lvl3pPr marL="1371600" lvl="2" indent="-317500">
               <a:lnSpc>
                 <a:spcPct val="115000"/>
               </a:lnSpc>
@@ -6004,7 +6167,7 @@
                 <a:sym typeface="Open Sans"/>
               </a:defRPr>
             </a:lvl3pPr>
-            <a:lvl4pPr indent="-317500" lvl="3" marL="1828800">
+            <a:lvl4pPr marL="1828800" lvl="3" indent="-317500">
               <a:lnSpc>
                 <a:spcPct val="115000"/>
               </a:lnSpc>
@@ -6030,7 +6193,7 @@
                 <a:sym typeface="Open Sans"/>
               </a:defRPr>
             </a:lvl4pPr>
-            <a:lvl5pPr indent="-317500" lvl="4" marL="2286000">
+            <a:lvl5pPr marL="2286000" lvl="4" indent="-317500">
               <a:lnSpc>
                 <a:spcPct val="115000"/>
               </a:lnSpc>
@@ -6056,7 +6219,7 @@
                 <a:sym typeface="Open Sans"/>
               </a:defRPr>
             </a:lvl5pPr>
-            <a:lvl6pPr indent="-317500" lvl="5" marL="2743200">
+            <a:lvl6pPr marL="2743200" lvl="5" indent="-317500">
               <a:lnSpc>
                 <a:spcPct val="115000"/>
               </a:lnSpc>
@@ -6082,7 +6245,7 @@
                 <a:sym typeface="Open Sans"/>
               </a:defRPr>
             </a:lvl6pPr>
-            <a:lvl7pPr indent="-317500" lvl="6" marL="3200400">
+            <a:lvl7pPr marL="3200400" lvl="6" indent="-317500">
               <a:lnSpc>
                 <a:spcPct val="115000"/>
               </a:lnSpc>
@@ -6108,7 +6271,7 @@
                 <a:sym typeface="Open Sans"/>
               </a:defRPr>
             </a:lvl7pPr>
-            <a:lvl8pPr indent="-317500" lvl="7" marL="3657600">
+            <a:lvl8pPr marL="3657600" lvl="7" indent="-317500">
               <a:lnSpc>
                 <a:spcPct val="115000"/>
               </a:lnSpc>
@@ -6134,7 +6297,7 @@
                 <a:sym typeface="Open Sans"/>
               </a:defRPr>
             </a:lvl8pPr>
-            <a:lvl9pPr indent="-317500" lvl="8" marL="4114800">
+            <a:lvl9pPr marL="4114800" lvl="8" indent="-317500">
               <a:lnSpc>
                 <a:spcPct val="115000"/>
               </a:lnSpc>
@@ -6161,15 +6324,19 @@
               </a:defRPr>
             </a:lvl9pPr>
           </a:lstStyle>
-          <a:p/>
+          <a:p>
+            <a:endParaRPr/>
+          </a:p>
         </p:txBody>
       </p:sp>
       <p:sp>
         <p:nvSpPr>
           <p:cNvPr id="8" name="Google Shape;8;p1"/>
-          <p:cNvSpPr txBox="1"/>
+          <p:cNvSpPr txBox="1">
+            <a:spLocks noGrp="1"/>
+          </p:cNvSpPr>
           <p:nvPr>
-            <p:ph idx="12" type="sldNum"/>
+            <p:ph type="sldNum" idx="12"/>
           </p:nvPr>
         </p:nvSpPr>
         <p:spPr>
@@ -6186,7 +6353,7 @@
           </a:ln>
         </p:spPr>
         <p:txBody>
-          <a:bodyPr anchorCtr="0" anchor="ctr" bIns="91425" lIns="91425" spcFirstLastPara="1" rIns="91425" wrap="square" tIns="91425">
+          <a:bodyPr spcFirstLastPara="1" wrap="square" lIns="91425" tIns="91425" rIns="91425" bIns="91425" anchor="ctr" anchorCtr="0">
             <a:normAutofit/>
           </a:bodyPr>
           <a:lstStyle>
@@ -6300,7 +6467,7 @@
             </a:lvl9pPr>
           </a:lstStyle>
           <a:p>
-            <a:pPr indent="0" lvl="0" marL="0" rtl="0" algn="r">
+            <a:pPr marL="0" lvl="0" indent="0" algn="r" rtl="0">
               <a:spcBef>
                 <a:spcPts val="0"/>
               </a:spcBef>
@@ -6319,7 +6486,7 @@
       </p:sp>
     </p:spTree>
   </p:cSld>
-  <p:clrMap accent1="accent1" accent2="accent2" accent3="accent3" accent4="accent4" accent5="accent5" accent6="accent6" bg1="lt1" bg2="dk2" tx1="dk1" tx2="lt2" folHlink="folHlink" hlink="hlink"/>
+  <p:clrMap bg1="lt1" tx1="dk1" bg2="dk2" tx2="lt2" accent1="accent1" accent2="accent2" accent3="accent3" accent4="accent4" accent5="accent5" accent6="accent6" hlink="hlink" folHlink="folHlink"/>
   <p:sldLayoutIdLst>
     <p:sldLayoutId id="2147483648" r:id="rId1"/>
     <p:sldLayoutId id="2147483649" r:id="rId2"/>
@@ -6333,10 +6500,10 @@
     <p:sldLayoutId id="2147483657" r:id="rId10"/>
     <p:sldLayoutId id="2147483658" r:id="rId11"/>
   </p:sldLayoutIdLst>
-  <p:hf dt="0" ftr="0" hdr="0" sldNum="0"/>
+  <p:hf sldNum="0" hdr="0" ftr="0" dt="0"/>
   <p:txStyles>
     <p:titleStyle>
-      <a:defPPr lvl="0" marR="0" rtl="0" algn="l">
+      <a:defPPr marR="0" lvl="0" algn="l" rtl="0">
         <a:lnSpc>
           <a:spcPct val="100000"/>
         </a:lnSpc>
@@ -6347,7 +6514,7 @@
           <a:spcPts val="0"/>
         </a:spcAft>
       </a:defPPr>
-      <a:lvl1pPr lvl="0" marR="0" rtl="0" algn="l">
+      <a:lvl1pPr marR="0" lvl="0" algn="l" rtl="0">
         <a:lnSpc>
           <a:spcPct val="100000"/>
         </a:lnSpc>
@@ -6361,7 +6528,7 @@
           <a:srgbClr val="000000"/>
         </a:buClr>
         <a:buFont typeface="Arial"/>
-        <a:defRPr b="0" i="0" sz="1400" u="none" cap="none" strike="noStrike">
+        <a:defRPr sz="1400" b="0" i="0" u="none" strike="noStrike" cap="none">
           <a:solidFill>
             <a:srgbClr val="000000"/>
           </a:solidFill>
@@ -6371,7 +6538,7 @@
           <a:sym typeface="Arial"/>
         </a:defRPr>
       </a:lvl1pPr>
-      <a:lvl2pPr lvl="1" marR="0" rtl="0" algn="l">
+      <a:lvl2pPr marR="0" lvl="1" algn="l" rtl="0">
         <a:lnSpc>
           <a:spcPct val="100000"/>
         </a:lnSpc>
@@ -6385,7 +6552,7 @@
           <a:srgbClr val="000000"/>
         </a:buClr>
         <a:buFont typeface="Arial"/>
-        <a:defRPr b="0" i="0" sz="1400" u="none" cap="none" strike="noStrike">
+        <a:defRPr sz="1400" b="0" i="0" u="none" strike="noStrike" cap="none">
           <a:solidFill>
             <a:srgbClr val="000000"/>
           </a:solidFill>
@@ -6395,7 +6562,7 @@
           <a:sym typeface="Arial"/>
         </a:defRPr>
       </a:lvl2pPr>
-      <a:lvl3pPr lvl="2" marR="0" rtl="0" algn="l">
+      <a:lvl3pPr marR="0" lvl="2" algn="l" rtl="0">
         <a:lnSpc>
           <a:spcPct val="100000"/>
         </a:lnSpc>
@@ -6409,7 +6576,7 @@
           <a:srgbClr val="000000"/>
         </a:buClr>
         <a:buFont typeface="Arial"/>
-        <a:defRPr b="0" i="0" sz="1400" u="none" cap="none" strike="noStrike">
+        <a:defRPr sz="1400" b="0" i="0" u="none" strike="noStrike" cap="none">
           <a:solidFill>
             <a:srgbClr val="000000"/>
           </a:solidFill>
@@ -6419,7 +6586,7 @@
           <a:sym typeface="Arial"/>
         </a:defRPr>
       </a:lvl3pPr>
-      <a:lvl4pPr lvl="3" marR="0" rtl="0" algn="l">
+      <a:lvl4pPr marR="0" lvl="3" algn="l" rtl="0">
         <a:lnSpc>
           <a:spcPct val="100000"/>
         </a:lnSpc>
@@ -6433,7 +6600,7 @@
           <a:srgbClr val="000000"/>
         </a:buClr>
         <a:buFont typeface="Arial"/>
-        <a:defRPr b="0" i="0" sz="1400" u="none" cap="none" strike="noStrike">
+        <a:defRPr sz="1400" b="0" i="0" u="none" strike="noStrike" cap="none">
           <a:solidFill>
             <a:srgbClr val="000000"/>
           </a:solidFill>
@@ -6443,7 +6610,7 @@
           <a:sym typeface="Arial"/>
         </a:defRPr>
       </a:lvl4pPr>
-      <a:lvl5pPr lvl="4" marR="0" rtl="0" algn="l">
+      <a:lvl5pPr marR="0" lvl="4" algn="l" rtl="0">
         <a:lnSpc>
           <a:spcPct val="100000"/>
         </a:lnSpc>
@@ -6457,7 +6624,7 @@
           <a:srgbClr val="000000"/>
         </a:buClr>
         <a:buFont typeface="Arial"/>
-        <a:defRPr b="0" i="0" sz="1400" u="none" cap="none" strike="noStrike">
+        <a:defRPr sz="1400" b="0" i="0" u="none" strike="noStrike" cap="none">
           <a:solidFill>
             <a:srgbClr val="000000"/>
           </a:solidFill>
@@ -6467,7 +6634,7 @@
           <a:sym typeface="Arial"/>
         </a:defRPr>
       </a:lvl5pPr>
-      <a:lvl6pPr lvl="5" marR="0" rtl="0" algn="l">
+      <a:lvl6pPr marR="0" lvl="5" algn="l" rtl="0">
         <a:lnSpc>
           <a:spcPct val="100000"/>
         </a:lnSpc>
@@ -6481,7 +6648,7 @@
           <a:srgbClr val="000000"/>
         </a:buClr>
         <a:buFont typeface="Arial"/>
-        <a:defRPr b="0" i="0" sz="1400" u="none" cap="none" strike="noStrike">
+        <a:defRPr sz="1400" b="0" i="0" u="none" strike="noStrike" cap="none">
           <a:solidFill>
             <a:srgbClr val="000000"/>
           </a:solidFill>
@@ -6491,7 +6658,7 @@
           <a:sym typeface="Arial"/>
         </a:defRPr>
       </a:lvl6pPr>
-      <a:lvl7pPr lvl="6" marR="0" rtl="0" algn="l">
+      <a:lvl7pPr marR="0" lvl="6" algn="l" rtl="0">
         <a:lnSpc>
           <a:spcPct val="100000"/>
         </a:lnSpc>
@@ -6505,7 +6672,7 @@
           <a:srgbClr val="000000"/>
         </a:buClr>
         <a:buFont typeface="Arial"/>
-        <a:defRPr b="0" i="0" sz="1400" u="none" cap="none" strike="noStrike">
+        <a:defRPr sz="1400" b="0" i="0" u="none" strike="noStrike" cap="none">
           <a:solidFill>
             <a:srgbClr val="000000"/>
           </a:solidFill>
@@ -6515,7 +6682,7 @@
           <a:sym typeface="Arial"/>
         </a:defRPr>
       </a:lvl7pPr>
-      <a:lvl8pPr lvl="7" marR="0" rtl="0" algn="l">
+      <a:lvl8pPr marR="0" lvl="7" algn="l" rtl="0">
         <a:lnSpc>
           <a:spcPct val="100000"/>
         </a:lnSpc>
@@ -6529,7 +6696,7 @@
           <a:srgbClr val="000000"/>
         </a:buClr>
         <a:buFont typeface="Arial"/>
-        <a:defRPr b="0" i="0" sz="1400" u="none" cap="none" strike="noStrike">
+        <a:defRPr sz="1400" b="0" i="0" u="none" strike="noStrike" cap="none">
           <a:solidFill>
             <a:srgbClr val="000000"/>
           </a:solidFill>
@@ -6539,7 +6706,7 @@
           <a:sym typeface="Arial"/>
         </a:defRPr>
       </a:lvl8pPr>
-      <a:lvl9pPr lvl="8" marR="0" rtl="0" algn="l">
+      <a:lvl9pPr marR="0" lvl="8" algn="l" rtl="0">
         <a:lnSpc>
           <a:spcPct val="100000"/>
         </a:lnSpc>
@@ -6553,7 +6720,7 @@
           <a:srgbClr val="000000"/>
         </a:buClr>
         <a:buFont typeface="Arial"/>
-        <a:defRPr b="0" i="0" sz="1400" u="none" cap="none" strike="noStrike">
+        <a:defRPr sz="1400" b="0" i="0" u="none" strike="noStrike" cap="none">
           <a:solidFill>
             <a:srgbClr val="000000"/>
           </a:solidFill>
@@ -6565,7 +6732,7 @@
       </a:lvl9pPr>
     </p:titleStyle>
     <p:bodyStyle>
-      <a:defPPr lvl="0" marR="0" rtl="0" algn="l">
+      <a:defPPr marR="0" lvl="0" algn="l" rtl="0">
         <a:lnSpc>
           <a:spcPct val="100000"/>
         </a:lnSpc>
@@ -6576,7 +6743,7 @@
           <a:spcPts val="0"/>
         </a:spcAft>
       </a:defPPr>
-      <a:lvl1pPr lvl="0" marR="0" rtl="0" algn="l">
+      <a:lvl1pPr marR="0" lvl="0" algn="l" rtl="0">
         <a:lnSpc>
           <a:spcPct val="100000"/>
         </a:lnSpc>
@@ -6590,7 +6757,7 @@
           <a:srgbClr val="000000"/>
         </a:buClr>
         <a:buFont typeface="Arial"/>
-        <a:defRPr b="0" i="0" sz="1400" u="none" cap="none" strike="noStrike">
+        <a:defRPr sz="1400" b="0" i="0" u="none" strike="noStrike" cap="none">
           <a:solidFill>
             <a:srgbClr val="000000"/>
           </a:solidFill>
@@ -6600,7 +6767,7 @@
           <a:sym typeface="Arial"/>
         </a:defRPr>
       </a:lvl1pPr>
-      <a:lvl2pPr lvl="1" marR="0" rtl="0" algn="l">
+      <a:lvl2pPr marR="0" lvl="1" algn="l" rtl="0">
         <a:lnSpc>
           <a:spcPct val="100000"/>
         </a:lnSpc>
@@ -6614,7 +6781,7 @@
           <a:srgbClr val="000000"/>
         </a:buClr>
         <a:buFont typeface="Arial"/>
-        <a:defRPr b="0" i="0" sz="1400" u="none" cap="none" strike="noStrike">
+        <a:defRPr sz="1400" b="0" i="0" u="none" strike="noStrike" cap="none">
           <a:solidFill>
             <a:srgbClr val="000000"/>
           </a:solidFill>
@@ -6624,7 +6791,7 @@
           <a:sym typeface="Arial"/>
         </a:defRPr>
       </a:lvl2pPr>
-      <a:lvl3pPr lvl="2" marR="0" rtl="0" algn="l">
+      <a:lvl3pPr marR="0" lvl="2" algn="l" rtl="0">
         <a:lnSpc>
           <a:spcPct val="100000"/>
         </a:lnSpc>
@@ -6638,7 +6805,7 @@
           <a:srgbClr val="000000"/>
         </a:buClr>
         <a:buFont typeface="Arial"/>
-        <a:defRPr b="0" i="0" sz="1400" u="none" cap="none" strike="noStrike">
+        <a:defRPr sz="1400" b="0" i="0" u="none" strike="noStrike" cap="none">
           <a:solidFill>
             <a:srgbClr val="000000"/>
           </a:solidFill>
@@ -6648,7 +6815,7 @@
           <a:sym typeface="Arial"/>
         </a:defRPr>
       </a:lvl3pPr>
-      <a:lvl4pPr lvl="3" marR="0" rtl="0" algn="l">
+      <a:lvl4pPr marR="0" lvl="3" algn="l" rtl="0">
         <a:lnSpc>
           <a:spcPct val="100000"/>
         </a:lnSpc>
@@ -6662,7 +6829,7 @@
           <a:srgbClr val="000000"/>
         </a:buClr>
         <a:buFont typeface="Arial"/>
-        <a:defRPr b="0" i="0" sz="1400" u="none" cap="none" strike="noStrike">
+        <a:defRPr sz="1400" b="0" i="0" u="none" strike="noStrike" cap="none">
           <a:solidFill>
             <a:srgbClr val="000000"/>
           </a:solidFill>
@@ -6672,7 +6839,7 @@
           <a:sym typeface="Arial"/>
         </a:defRPr>
       </a:lvl4pPr>
-      <a:lvl5pPr lvl="4" marR="0" rtl="0" algn="l">
+      <a:lvl5pPr marR="0" lvl="4" algn="l" rtl="0">
         <a:lnSpc>
           <a:spcPct val="100000"/>
         </a:lnSpc>
@@ -6686,7 +6853,7 @@
           <a:srgbClr val="000000"/>
         </a:buClr>
         <a:buFont typeface="Arial"/>
-        <a:defRPr b="0" i="0" sz="1400" u="none" cap="none" strike="noStrike">
+        <a:defRPr sz="1400" b="0" i="0" u="none" strike="noStrike" cap="none">
           <a:solidFill>
             <a:srgbClr val="000000"/>
           </a:solidFill>
@@ -6696,7 +6863,7 @@
           <a:sym typeface="Arial"/>
         </a:defRPr>
       </a:lvl5pPr>
-      <a:lvl6pPr lvl="5" marR="0" rtl="0" algn="l">
+      <a:lvl6pPr marR="0" lvl="5" algn="l" rtl="0">
         <a:lnSpc>
           <a:spcPct val="100000"/>
         </a:lnSpc>
@@ -6710,7 +6877,7 @@
           <a:srgbClr val="000000"/>
         </a:buClr>
         <a:buFont typeface="Arial"/>
-        <a:defRPr b="0" i="0" sz="1400" u="none" cap="none" strike="noStrike">
+        <a:defRPr sz="1400" b="0" i="0" u="none" strike="noStrike" cap="none">
           <a:solidFill>
             <a:srgbClr val="000000"/>
           </a:solidFill>
@@ -6720,7 +6887,7 @@
           <a:sym typeface="Arial"/>
         </a:defRPr>
       </a:lvl6pPr>
-      <a:lvl7pPr lvl="6" marR="0" rtl="0" algn="l">
+      <a:lvl7pPr marR="0" lvl="6" algn="l" rtl="0">
         <a:lnSpc>
           <a:spcPct val="100000"/>
         </a:lnSpc>
@@ -6734,7 +6901,7 @@
           <a:srgbClr val="000000"/>
         </a:buClr>
         <a:buFont typeface="Arial"/>
-        <a:defRPr b="0" i="0" sz="1400" u="none" cap="none" strike="noStrike">
+        <a:defRPr sz="1400" b="0" i="0" u="none" strike="noStrike" cap="none">
           <a:solidFill>
             <a:srgbClr val="000000"/>
           </a:solidFill>
@@ -6744,7 +6911,7 @@
           <a:sym typeface="Arial"/>
         </a:defRPr>
       </a:lvl7pPr>
-      <a:lvl8pPr lvl="7" marR="0" rtl="0" algn="l">
+      <a:lvl8pPr marR="0" lvl="7" algn="l" rtl="0">
         <a:lnSpc>
           <a:spcPct val="100000"/>
         </a:lnSpc>
@@ -6758,7 +6925,7 @@
           <a:srgbClr val="000000"/>
         </a:buClr>
         <a:buFont typeface="Arial"/>
-        <a:defRPr b="0" i="0" sz="1400" u="none" cap="none" strike="noStrike">
+        <a:defRPr sz="1400" b="0" i="0" u="none" strike="noStrike" cap="none">
           <a:solidFill>
             <a:srgbClr val="000000"/>
           </a:solidFill>
@@ -6768,7 +6935,7 @@
           <a:sym typeface="Arial"/>
         </a:defRPr>
       </a:lvl8pPr>
-      <a:lvl9pPr lvl="8" marR="0" rtl="0" algn="l">
+      <a:lvl9pPr marR="0" lvl="8" algn="l" rtl="0">
         <a:lnSpc>
           <a:spcPct val="100000"/>
         </a:lnSpc>
@@ -6782,7 +6949,7 @@
           <a:srgbClr val="000000"/>
         </a:buClr>
         <a:buFont typeface="Arial"/>
-        <a:defRPr b="0" i="0" sz="1400" u="none" cap="none" strike="noStrike">
+        <a:defRPr sz="1400" b="0" i="0" u="none" strike="noStrike" cap="none">
           <a:solidFill>
             <a:srgbClr val="000000"/>
           </a:solidFill>
@@ -6794,7 +6961,7 @@
       </a:lvl9pPr>
     </p:bodyStyle>
     <p:otherStyle>
-      <a:defPPr lvl="0" marR="0" rtl="0" algn="l">
+      <a:defPPr marR="0" lvl="0" algn="l" rtl="0">
         <a:lnSpc>
           <a:spcPct val="100000"/>
         </a:lnSpc>
@@ -6805,7 +6972,7 @@
           <a:spcPts val="0"/>
         </a:spcAft>
       </a:defPPr>
-      <a:lvl1pPr lvl="0" marR="0" rtl="0" algn="l">
+      <a:lvl1pPr marR="0" lvl="0" algn="l" rtl="0">
         <a:lnSpc>
           <a:spcPct val="100000"/>
         </a:lnSpc>
@@ -6819,7 +6986,7 @@
           <a:srgbClr val="000000"/>
         </a:buClr>
         <a:buFont typeface="Arial"/>
-        <a:defRPr b="0" i="0" sz="1400" u="none" cap="none" strike="noStrike">
+        <a:defRPr sz="1400" b="0" i="0" u="none" strike="noStrike" cap="none">
           <a:solidFill>
             <a:srgbClr val="000000"/>
           </a:solidFill>
@@ -6829,7 +6996,7 @@
           <a:sym typeface="Arial"/>
         </a:defRPr>
       </a:lvl1pPr>
-      <a:lvl2pPr lvl="1" marR="0" rtl="0" algn="l">
+      <a:lvl2pPr marR="0" lvl="1" algn="l" rtl="0">
         <a:lnSpc>
           <a:spcPct val="100000"/>
         </a:lnSpc>
@@ -6843,7 +7010,7 @@
           <a:srgbClr val="000000"/>
         </a:buClr>
         <a:buFont typeface="Arial"/>
-        <a:defRPr b="0" i="0" sz="1400" u="none" cap="none" strike="noStrike">
+        <a:defRPr sz="1400" b="0" i="0" u="none" strike="noStrike" cap="none">
           <a:solidFill>
             <a:srgbClr val="000000"/>
           </a:solidFill>
@@ -6853,7 +7020,7 @@
           <a:sym typeface="Arial"/>
         </a:defRPr>
       </a:lvl2pPr>
-      <a:lvl3pPr lvl="2" marR="0" rtl="0" algn="l">
+      <a:lvl3pPr marR="0" lvl="2" algn="l" rtl="0">
         <a:lnSpc>
           <a:spcPct val="100000"/>
         </a:lnSpc>
@@ -6867,7 +7034,7 @@
           <a:srgbClr val="000000"/>
         </a:buClr>
         <a:buFont typeface="Arial"/>
-        <a:defRPr b="0" i="0" sz="1400" u="none" cap="none" strike="noStrike">
+        <a:defRPr sz="1400" b="0" i="0" u="none" strike="noStrike" cap="none">
           <a:solidFill>
             <a:srgbClr val="000000"/>
           </a:solidFill>
@@ -6877,7 +7044,7 @@
           <a:sym typeface="Arial"/>
         </a:defRPr>
       </a:lvl3pPr>
-      <a:lvl4pPr lvl="3" marR="0" rtl="0" algn="l">
+      <a:lvl4pPr marR="0" lvl="3" algn="l" rtl="0">
         <a:lnSpc>
           <a:spcPct val="100000"/>
         </a:lnSpc>
@@ -6891,7 +7058,7 @@
           <a:srgbClr val="000000"/>
         </a:buClr>
         <a:buFont typeface="Arial"/>
-        <a:defRPr b="0" i="0" sz="1400" u="none" cap="none" strike="noStrike">
+        <a:defRPr sz="1400" b="0" i="0" u="none" strike="noStrike" cap="none">
           <a:solidFill>
             <a:srgbClr val="000000"/>
           </a:solidFill>
@@ -6901,7 +7068,7 @@
           <a:sym typeface="Arial"/>
         </a:defRPr>
       </a:lvl4pPr>
-      <a:lvl5pPr lvl="4" marR="0" rtl="0" algn="l">
+      <a:lvl5pPr marR="0" lvl="4" algn="l" rtl="0">
         <a:lnSpc>
           <a:spcPct val="100000"/>
         </a:lnSpc>
@@ -6915,7 +7082,7 @@
           <a:srgbClr val="000000"/>
         </a:buClr>
         <a:buFont typeface="Arial"/>
-        <a:defRPr b="0" i="0" sz="1400" u="none" cap="none" strike="noStrike">
+        <a:defRPr sz="1400" b="0" i="0" u="none" strike="noStrike" cap="none">
           <a:solidFill>
             <a:srgbClr val="000000"/>
           </a:solidFill>
@@ -6925,7 +7092,7 @@
           <a:sym typeface="Arial"/>
         </a:defRPr>
       </a:lvl5pPr>
-      <a:lvl6pPr lvl="5" marR="0" rtl="0" algn="l">
+      <a:lvl6pPr marR="0" lvl="5" algn="l" rtl="0">
         <a:lnSpc>
           <a:spcPct val="100000"/>
         </a:lnSpc>
@@ -6939,7 +7106,7 @@
           <a:srgbClr val="000000"/>
         </a:buClr>
         <a:buFont typeface="Arial"/>
-        <a:defRPr b="0" i="0" sz="1400" u="none" cap="none" strike="noStrike">
+        <a:defRPr sz="1400" b="0" i="0" u="none" strike="noStrike" cap="none">
           <a:solidFill>
             <a:srgbClr val="000000"/>
           </a:solidFill>
@@ -6949,7 +7116,7 @@
           <a:sym typeface="Arial"/>
         </a:defRPr>
       </a:lvl6pPr>
-      <a:lvl7pPr lvl="6" marR="0" rtl="0" algn="l">
+      <a:lvl7pPr marR="0" lvl="6" algn="l" rtl="0">
         <a:lnSpc>
           <a:spcPct val="100000"/>
         </a:lnSpc>
@@ -6963,7 +7130,7 @@
           <a:srgbClr val="000000"/>
         </a:buClr>
         <a:buFont typeface="Arial"/>
-        <a:defRPr b="0" i="0" sz="1400" u="none" cap="none" strike="noStrike">
+        <a:defRPr sz="1400" b="0" i="0" u="none" strike="noStrike" cap="none">
           <a:solidFill>
             <a:srgbClr val="000000"/>
           </a:solidFill>
@@ -6973,7 +7140,7 @@
           <a:sym typeface="Arial"/>
         </a:defRPr>
       </a:lvl7pPr>
-      <a:lvl8pPr lvl="7" marR="0" rtl="0" algn="l">
+      <a:lvl8pPr marR="0" lvl="7" algn="l" rtl="0">
         <a:lnSpc>
           <a:spcPct val="100000"/>
         </a:lnSpc>
@@ -6987,7 +7154,7 @@
           <a:srgbClr val="000000"/>
         </a:buClr>
         <a:buFont typeface="Arial"/>
-        <a:defRPr b="0" i="0" sz="1400" u="none" cap="none" strike="noStrike">
+        <a:defRPr sz="1400" b="0" i="0" u="none" strike="noStrike" cap="none">
           <a:solidFill>
             <a:srgbClr val="000000"/>
           </a:solidFill>
@@ -6997,7 +7164,7 @@
           <a:sym typeface="Arial"/>
         </a:defRPr>
       </a:lvl8pPr>
-      <a:lvl9pPr lvl="8" marR="0" rtl="0" algn="l">
+      <a:lvl9pPr marR="0" lvl="8" algn="l" rtl="0">
         <a:lnSpc>
           <a:spcPct val="100000"/>
         </a:lnSpc>
@@ -7011,7 +7178,7 @@
           <a:srgbClr val="000000"/>
         </a:buClr>
         <a:buFont typeface="Arial"/>
-        <a:defRPr b="0" i="0" sz="1400" u="none" cap="none" strike="noStrike">
+        <a:defRPr sz="1400" b="0" i="0" u="none" strike="noStrike" cap="none">
           <a:solidFill>
             <a:srgbClr val="000000"/>
           </a:solidFill>
@@ -7027,11 +7194,11 @@
 </file>
 
 <file path=ppt/slides/slide1.xml><?xml version="1.0" encoding="utf-8"?>
-<p:sld xmlns:a="http://schemas.openxmlformats.org/drawingml/2006/main" xmlns:r="http://schemas.openxmlformats.org/officeDocument/2006/relationships" xmlns:mc="http://schemas.openxmlformats.org/markup-compatibility/2006" xmlns:mv="urn:schemas-microsoft-com:mac:vml" xmlns:p="http://schemas.openxmlformats.org/presentationml/2006/main" xmlns:c="http://schemas.openxmlformats.org/drawingml/2006/chart" xmlns:dgm="http://schemas.openxmlformats.org/drawingml/2006/diagram" xmlns:o="urn:schemas-microsoft-com:office:office" xmlns:v="urn:schemas-microsoft-com:vml" xmlns:pvml="urn:schemas-microsoft-com:office:powerpoint" xmlns:com="http://schemas.openxmlformats.org/drawingml/2006/compatibility" xmlns:p14="http://schemas.microsoft.com/office/powerpoint/2010/main" xmlns:p15="http://schemas.microsoft.com/office/powerpoint/2012/main" xmlns:ahyp="http://schemas.microsoft.com/office/drawing/2018/hyperlinkcolor">
+<p:sld xmlns:a="http://schemas.openxmlformats.org/drawingml/2006/main" xmlns:r="http://schemas.openxmlformats.org/officeDocument/2006/relationships" xmlns:p="http://schemas.openxmlformats.org/presentationml/2006/main">
   <p:cSld>
     <p:spTree>
       <p:nvGrpSpPr>
-        <p:cNvPr id="61" name="Shape 61"/>
+        <p:cNvPr id="1" name="Shape 61"/>
         <p:cNvGrpSpPr/>
         <p:nvPr/>
       </p:nvGrpSpPr>
@@ -7046,7 +7213,9 @@
       <p:sp>
         <p:nvSpPr>
           <p:cNvPr id="62" name="Google Shape;62;p13"/>
-          <p:cNvSpPr txBox="1"/>
+          <p:cNvSpPr txBox="1">
+            <a:spLocks noGrp="1"/>
+          </p:cNvSpPr>
           <p:nvPr>
             <p:ph type="ctrTitle"/>
           </p:nvPr>
@@ -7061,12 +7230,12 @@
           </a:prstGeom>
         </p:spPr>
         <p:txBody>
-          <a:bodyPr anchorCtr="0" anchor="b" bIns="91425" lIns="91425" spcFirstLastPara="1" rIns="91425" wrap="square" tIns="91425">
+          <a:bodyPr spcFirstLastPara="1" wrap="square" lIns="91425" tIns="91425" rIns="91425" bIns="91425" anchor="b" anchorCtr="0">
             <a:normAutofit/>
           </a:bodyPr>
           <a:lstStyle/>
           <a:p>
-            <a:pPr indent="0" lvl="0" marL="0" rtl="0" algn="ctr">
+            <a:pPr marL="0" lvl="0" indent="0" algn="ctr" rtl="0">
               <a:spcBef>
                 <a:spcPts val="0"/>
               </a:spcBef>
@@ -7086,9 +7255,11 @@
       <p:sp>
         <p:nvSpPr>
           <p:cNvPr id="63" name="Google Shape;63;p13"/>
-          <p:cNvSpPr txBox="1"/>
+          <p:cNvSpPr txBox="1">
+            <a:spLocks noGrp="1"/>
+          </p:cNvSpPr>
           <p:nvPr>
-            <p:ph idx="1" type="subTitle"/>
+            <p:ph type="subTitle" idx="1"/>
           </p:nvPr>
         </p:nvSpPr>
         <p:spPr>
@@ -7101,12 +7272,12 @@
           </a:prstGeom>
         </p:spPr>
         <p:txBody>
-          <a:bodyPr anchorCtr="0" anchor="t" bIns="91425" lIns="91425" spcFirstLastPara="1" rIns="91425" wrap="square" tIns="91425">
-            <a:normAutofit lnSpcReduction="20000"/>
+          <a:bodyPr spcFirstLastPara="1" wrap="square" lIns="91425" tIns="91425" rIns="91425" bIns="91425" anchor="t" anchorCtr="0">
+            <a:normAutofit/>
           </a:bodyPr>
           <a:lstStyle/>
           <a:p>
-            <a:pPr indent="0" lvl="0" marL="0" rtl="0" algn="ctr">
+            <a:pPr marL="0" lvl="0" indent="0" algn="ctr" rtl="0">
               <a:spcBef>
                 <a:spcPts val="0"/>
               </a:spcBef>
@@ -7122,7 +7293,7 @@
             <a:endParaRPr/>
           </a:p>
           <a:p>
-            <a:pPr indent="0" lvl="0" marL="0" rtl="0" algn="ctr">
+            <a:pPr marL="0" lvl="0" indent="0" algn="ctr" rtl="0">
               <a:spcBef>
                 <a:spcPts val="0"/>
               </a:spcBef>
@@ -7131,9 +7302,6 @@
               </a:spcAft>
               <a:buNone/>
             </a:pPr>
-            <a:r>
-              <a:t/>
-            </a:r>
             <a:endParaRPr/>
           </a:p>
         </p:txBody>
@@ -7143,13 +7311,13 @@
   <p:clrMapOvr>
     <a:masterClrMapping/>
   </p:clrMapOvr>
-  <mc:AlternateContent>
+  <mc:AlternateContent xmlns:mc="http://schemas.openxmlformats.org/markup-compatibility/2006" xmlns:p14="http://schemas.microsoft.com/office/powerpoint/2010/main">
     <mc:Choice Requires="p14">
-      <p:transition spd="slow" p14:dur="1000">
+      <p:transition spd="slow">
         <p:fade/>
       </p:transition>
     </mc:Choice>
-    <mc:Fallback>
+    <mc:Fallback xmlns:ahyp="http://schemas.microsoft.com/office/drawing/2018/hyperlinkcolor" xmlns:p15="http://schemas.microsoft.com/office/powerpoint/2012/main" xmlns:com="http://schemas.openxmlformats.org/drawingml/2006/compatibility" xmlns:pvml="urn:schemas-microsoft-com:office:powerpoint" xmlns:v="urn:schemas-microsoft-com:vml" xmlns:o="urn:schemas-microsoft-com:office:office" xmlns:dgm="http://schemas.openxmlformats.org/drawingml/2006/diagram" xmlns:c="http://schemas.openxmlformats.org/drawingml/2006/chart" xmlns:mv="urn:schemas-microsoft-com:mac:vml" xmlns="">
       <p:transition spd="slow">
         <p:fade/>
       </p:transition>
@@ -7159,18 +7327,19 @@
 </file>
 
 <file path=ppt/slides/slide2.xml><?xml version="1.0" encoding="utf-8"?>
-<p:sld xmlns:a="http://schemas.openxmlformats.org/drawingml/2006/main" xmlns:r="http://schemas.openxmlformats.org/officeDocument/2006/relationships" xmlns:mc="http://schemas.openxmlformats.org/markup-compatibility/2006" xmlns:mv="urn:schemas-microsoft-com:mac:vml" xmlns:p="http://schemas.openxmlformats.org/presentationml/2006/main" xmlns:c="http://schemas.openxmlformats.org/drawingml/2006/chart" xmlns:dgm="http://schemas.openxmlformats.org/drawingml/2006/diagram" xmlns:o="urn:schemas-microsoft-com:office:office" xmlns:v="urn:schemas-microsoft-com:vml" xmlns:pvml="urn:schemas-microsoft-com:office:powerpoint" xmlns:com="http://schemas.openxmlformats.org/drawingml/2006/compatibility" xmlns:p14="http://schemas.microsoft.com/office/powerpoint/2010/main" xmlns:p15="http://schemas.microsoft.com/office/powerpoint/2012/main" xmlns:ahyp="http://schemas.microsoft.com/office/drawing/2018/hyperlinkcolor">
+<p:sld xmlns:a="http://schemas.openxmlformats.org/drawingml/2006/main" xmlns:r="http://schemas.openxmlformats.org/officeDocument/2006/relationships" xmlns:p="http://schemas.openxmlformats.org/presentationml/2006/main">
   <p:cSld>
     <p:bg>
       <p:bgPr>
         <a:solidFill>
           <a:srgbClr val="D0E0E3"/>
         </a:solidFill>
+        <a:effectLst/>
       </p:bgPr>
     </p:bg>
     <p:spTree>
       <p:nvGrpSpPr>
-        <p:cNvPr id="67" name="Shape 67"/>
+        <p:cNvPr id="1" name="Shape 67"/>
         <p:cNvGrpSpPr/>
         <p:nvPr/>
       </p:nvGrpSpPr>
@@ -7185,7 +7354,9 @@
       <p:sp>
         <p:nvSpPr>
           <p:cNvPr id="68" name="Google Shape;68;p14"/>
-          <p:cNvSpPr txBox="1"/>
+          <p:cNvSpPr txBox="1">
+            <a:spLocks noGrp="1"/>
+          </p:cNvSpPr>
           <p:nvPr>
             <p:ph type="title"/>
           </p:nvPr>
@@ -7200,12 +7371,24 @@
           </a:prstGeom>
         </p:spPr>
         <p:txBody>
-          <a:bodyPr anchorCtr="0" anchor="b" bIns="91425" lIns="91425" spcFirstLastPara="1" rIns="91425" wrap="square" tIns="91425">
+          <a:bodyPr spcFirstLastPara="1" wrap="square" lIns="91425" tIns="91425" rIns="91425" bIns="91425" anchor="b" anchorCtr="0">
             <a:normAutofit fontScale="90000"/>
           </a:bodyPr>
           <a:lstStyle/>
           <a:p>
-            <a:pPr indent="0" lvl="0" marL="0" rtl="0" algn="l">
+            <a:pPr marL="0" lvl="0" indent="0" algn="l" rtl="0">
+              <a:spcBef>
+                <a:spcPts val="0"/>
+              </a:spcBef>
+              <a:spcAft>
+                <a:spcPts val="0"/>
+              </a:spcAft>
+              <a:buNone/>
+            </a:pPr>
+            <a:endParaRPr dirty="0"/>
+          </a:p>
+          <a:p>
+            <a:pPr marL="0" lvl="0" indent="0" algn="l" rtl="0">
               <a:spcBef>
                 <a:spcPts val="0"/>
               </a:spcBef>
@@ -7215,34 +7398,21 @@
               <a:buNone/>
             </a:pPr>
             <a:r>
-              <a:rPr lang="en-GB"/>
-              <a:t>Web Site Map</a:t>
+              <a:rPr lang="en-US" altLang="zh-CN" dirty="0"/>
+              <a:t>Site Map</a:t>
             </a:r>
-            <a:endParaRPr/>
-          </a:p>
-          <a:p>
-            <a:pPr indent="0" lvl="0" marL="0" rtl="0" algn="l">
-              <a:spcBef>
-                <a:spcPts val="0"/>
-              </a:spcBef>
-              <a:spcAft>
-                <a:spcPts val="0"/>
-              </a:spcAft>
-              <a:buNone/>
-            </a:pPr>
-            <a:r>
-              <a:t/>
-            </a:r>
-            <a:endParaRPr/>
+            <a:endParaRPr dirty="0"/>
           </a:p>
         </p:txBody>
       </p:sp>
       <p:sp>
         <p:nvSpPr>
           <p:cNvPr id="69" name="Google Shape;69;p14"/>
-          <p:cNvSpPr txBox="1"/>
+          <p:cNvSpPr txBox="1">
+            <a:spLocks noGrp="1"/>
+          </p:cNvSpPr>
           <p:nvPr>
-            <p:ph idx="1" type="body"/>
+            <p:ph type="body" idx="1"/>
           </p:nvPr>
         </p:nvSpPr>
         <p:spPr>
@@ -7255,12 +7425,12 @@
           </a:prstGeom>
         </p:spPr>
         <p:txBody>
-          <a:bodyPr anchorCtr="0" anchor="t" bIns="91425" lIns="91425" spcFirstLastPara="1" rIns="91425" wrap="square" tIns="91425">
+          <a:bodyPr spcFirstLastPara="1" wrap="square" lIns="91425" tIns="91425" rIns="91425" bIns="91425" anchor="t" anchorCtr="0">
             <a:normAutofit/>
           </a:bodyPr>
           <a:lstStyle/>
           <a:p>
-            <a:pPr indent="0" lvl="0" marL="0" rtl="0" algn="l">
+            <a:pPr marL="0" lvl="0" indent="0" algn="l" rtl="0">
               <a:spcBef>
                 <a:spcPts val="0"/>
               </a:spcBef>
@@ -7269,40 +7439,38 @@
               </a:spcAft>
               <a:buNone/>
             </a:pPr>
-            <a:r>
-              <a:rPr lang="en-GB"/>
-              <a:t>This is the structure of my Portfolio</a:t>
-            </a:r>
-            <a:endParaRPr/>
+            <a:endParaRPr dirty="0"/>
           </a:p>
         </p:txBody>
       </p:sp>
       <p:pic>
         <p:nvPicPr>
-          <p:cNvPr id="70" name="Google Shape;70;p14"/>
-          <p:cNvPicPr preferRelativeResize="0"/>
+          <p:cNvPr id="3" name="图片 2">
+            <a:extLst>
+              <a:ext uri="{FF2B5EF4-FFF2-40B4-BE49-F238E27FC236}">
+                <a16:creationId xmlns:a16="http://schemas.microsoft.com/office/drawing/2014/main" id="{444A9A35-DF82-4C23-8102-C74EA7E26B4E}"/>
+              </a:ext>
+            </a:extLst>
+          </p:cNvPr>
+          <p:cNvPicPr>
+            <a:picLocks noChangeAspect="1"/>
+          </p:cNvPicPr>
           <p:nvPr/>
         </p:nvPicPr>
         <p:blipFill>
-          <a:blip r:embed="rId3">
-            <a:alphaModFix/>
-          </a:blip>
+          <a:blip r:embed="rId3"/>
           <a:stretch>
             <a:fillRect/>
           </a:stretch>
         </p:blipFill>
         <p:spPr>
           <a:xfrm>
-            <a:off x="633500" y="1505475"/>
-            <a:ext cx="8449423" cy="2866150"/>
+            <a:off x="517161" y="1331407"/>
+            <a:ext cx="8626839" cy="2866168"/>
           </a:xfrm>
           <a:prstGeom prst="rect">
             <a:avLst/>
           </a:prstGeom>
-          <a:noFill/>
-          <a:ln>
-            <a:noFill/>
-          </a:ln>
         </p:spPr>
       </p:pic>
     </p:spTree>
@@ -7310,13 +7478,13 @@
   <p:clrMapOvr>
     <a:masterClrMapping/>
   </p:clrMapOvr>
-  <mc:AlternateContent>
+  <mc:AlternateContent xmlns:mc="http://schemas.openxmlformats.org/markup-compatibility/2006" xmlns:p14="http://schemas.microsoft.com/office/powerpoint/2010/main">
     <mc:Choice Requires="p14">
-      <p:transition spd="slow" p14:dur="1000">
+      <p:transition spd="slow">
         <p:fade thruBlk="1"/>
       </p:transition>
     </mc:Choice>
-    <mc:Fallback>
+    <mc:Fallback xmlns:ahyp="http://schemas.microsoft.com/office/drawing/2018/hyperlinkcolor" xmlns:p15="http://schemas.microsoft.com/office/powerpoint/2012/main" xmlns:com="http://schemas.openxmlformats.org/drawingml/2006/compatibility" xmlns:pvml="urn:schemas-microsoft-com:office:powerpoint" xmlns:v="urn:schemas-microsoft-com:vml" xmlns:o="urn:schemas-microsoft-com:office:office" xmlns:dgm="http://schemas.openxmlformats.org/drawingml/2006/diagram" xmlns:c="http://schemas.openxmlformats.org/drawingml/2006/chart" xmlns:mv="urn:schemas-microsoft-com:mac:vml" xmlns="">
       <p:transition spd="slow">
         <p:fade/>
       </p:transition>
@@ -7326,18 +7494,19 @@
 </file>
 
 <file path=ppt/slides/slide3.xml><?xml version="1.0" encoding="utf-8"?>
-<p:sld xmlns:a="http://schemas.openxmlformats.org/drawingml/2006/main" xmlns:r="http://schemas.openxmlformats.org/officeDocument/2006/relationships" xmlns:mc="http://schemas.openxmlformats.org/markup-compatibility/2006" xmlns:mv="urn:schemas-microsoft-com:mac:vml" xmlns:p="http://schemas.openxmlformats.org/presentationml/2006/main" xmlns:c="http://schemas.openxmlformats.org/drawingml/2006/chart" xmlns:dgm="http://schemas.openxmlformats.org/drawingml/2006/diagram" xmlns:o="urn:schemas-microsoft-com:office:office" xmlns:v="urn:schemas-microsoft-com:vml" xmlns:pvml="urn:schemas-microsoft-com:office:powerpoint" xmlns:com="http://schemas.openxmlformats.org/drawingml/2006/compatibility" xmlns:p14="http://schemas.microsoft.com/office/powerpoint/2010/main" xmlns:p15="http://schemas.microsoft.com/office/powerpoint/2012/main" xmlns:ahyp="http://schemas.microsoft.com/office/drawing/2018/hyperlinkcolor">
+<p:sld xmlns:a="http://schemas.openxmlformats.org/drawingml/2006/main" xmlns:r="http://schemas.openxmlformats.org/officeDocument/2006/relationships" xmlns:p="http://schemas.openxmlformats.org/presentationml/2006/main">
   <p:cSld>
     <p:bg>
       <p:bgPr>
         <a:solidFill>
           <a:srgbClr val="FCE5CD"/>
         </a:solidFill>
+        <a:effectLst/>
       </p:bgPr>
     </p:bg>
     <p:spTree>
       <p:nvGrpSpPr>
-        <p:cNvPr id="74" name="Shape 74"/>
+        <p:cNvPr id="1" name="Shape 74"/>
         <p:cNvGrpSpPr/>
         <p:nvPr/>
       </p:nvGrpSpPr>
@@ -7352,7 +7521,9 @@
       <p:sp>
         <p:nvSpPr>
           <p:cNvPr id="75" name="Google Shape;75;p15"/>
-          <p:cNvSpPr txBox="1"/>
+          <p:cNvSpPr txBox="1">
+            <a:spLocks noGrp="1"/>
+          </p:cNvSpPr>
           <p:nvPr>
             <p:ph type="title"/>
           </p:nvPr>
@@ -7367,12 +7538,12 @@
           </a:prstGeom>
         </p:spPr>
         <p:txBody>
-          <a:bodyPr anchorCtr="0" anchor="b" bIns="91425" lIns="91425" spcFirstLastPara="1" rIns="91425" wrap="square" tIns="91425">
+          <a:bodyPr spcFirstLastPara="1" wrap="square" lIns="91425" tIns="91425" rIns="91425" bIns="91425" anchor="b" anchorCtr="0">
             <a:normAutofit fontScale="90000"/>
           </a:bodyPr>
           <a:lstStyle/>
           <a:p>
-            <a:pPr indent="0" lvl="0" marL="0" rtl="0" algn="l">
+            <a:pPr marL="0" lvl="0" indent="0" algn="l" rtl="0">
               <a:spcBef>
                 <a:spcPts val="0"/>
               </a:spcBef>
@@ -7388,7 +7559,7 @@
             <a:endParaRPr/>
           </a:p>
           <a:p>
-            <a:pPr indent="0" lvl="0" marL="0" rtl="0" algn="l">
+            <a:pPr marL="0" lvl="0" indent="0" algn="l" rtl="0">
               <a:spcBef>
                 <a:spcPts val="0"/>
               </a:spcBef>
@@ -7397,9 +7568,6 @@
               </a:spcAft>
               <a:buNone/>
             </a:pPr>
-            <a:r>
-              <a:t/>
-            </a:r>
             <a:endParaRPr/>
           </a:p>
         </p:txBody>
@@ -7407,9 +7575,11 @@
       <p:sp>
         <p:nvSpPr>
           <p:cNvPr id="76" name="Google Shape;76;p15"/>
-          <p:cNvSpPr txBox="1"/>
+          <p:cNvSpPr txBox="1">
+            <a:spLocks noGrp="1"/>
+          </p:cNvSpPr>
           <p:nvPr>
-            <p:ph idx="1" type="body"/>
+            <p:ph type="body" idx="1"/>
           </p:nvPr>
         </p:nvSpPr>
         <p:spPr>
@@ -7422,12 +7592,12 @@
           </a:prstGeom>
         </p:spPr>
         <p:txBody>
-          <a:bodyPr anchorCtr="0" anchor="t" bIns="91425" lIns="91425" spcFirstLastPara="1" rIns="91425" wrap="square" tIns="91425">
+          <a:bodyPr spcFirstLastPara="1" wrap="square" lIns="91425" tIns="91425" rIns="91425" bIns="91425" anchor="t" anchorCtr="0">
             <a:normAutofit/>
           </a:bodyPr>
           <a:lstStyle/>
           <a:p>
-            <a:pPr indent="0" lvl="0" marL="0" rtl="0" algn="l">
+            <a:pPr marL="0" lvl="0" indent="0" algn="l" rtl="0">
               <a:spcBef>
                 <a:spcPts val="0"/>
               </a:spcBef>
@@ -7443,7 +7613,7 @@
             <a:endParaRPr/>
           </a:p>
           <a:p>
-            <a:pPr indent="0" lvl="0" marL="0" rtl="0" algn="l">
+            <a:pPr marL="0" lvl="0" indent="0" algn="l" rtl="0">
               <a:spcBef>
                 <a:spcPts val="1200"/>
               </a:spcBef>
@@ -7452,13 +7622,10 @@
               </a:spcAft>
               <a:buNone/>
             </a:pPr>
-            <a:r>
-              <a:t/>
-            </a:r>
             <a:endParaRPr/>
           </a:p>
           <a:p>
-            <a:pPr indent="0" lvl="0" marL="0" rtl="0" algn="l">
+            <a:pPr marL="0" lvl="0" indent="0" algn="l" rtl="0">
               <a:spcBef>
                 <a:spcPts val="1200"/>
               </a:spcBef>
@@ -7469,20 +7636,12 @@
             </a:pPr>
             <a:r>
               <a:rPr lang="en-GB"/>
-              <a:t>Simply with a image as </a:t>
-            </a:r>
-            <a:r>
-              <a:rPr lang="en-GB"/>
-              <a:t>background</a:t>
-            </a:r>
-            <a:r>
-              <a:rPr lang="en-GB"/>
-              <a:t>.</a:t>
+              <a:t>Simply with a image as background.</a:t>
             </a:r>
             <a:endParaRPr/>
           </a:p>
           <a:p>
-            <a:pPr indent="0" lvl="0" marL="0" rtl="0" algn="l">
+            <a:pPr marL="0" lvl="0" indent="0" algn="l" rtl="0">
               <a:spcBef>
                 <a:spcPts val="1200"/>
               </a:spcBef>
@@ -7491,13 +7650,10 @@
               </a:spcAft>
               <a:buNone/>
             </a:pPr>
-            <a:r>
-              <a:t/>
-            </a:r>
             <a:endParaRPr/>
           </a:p>
           <a:p>
-            <a:pPr indent="0" lvl="0" marL="0" rtl="0" algn="l">
+            <a:pPr marL="0" lvl="0" indent="0" algn="l" rtl="0">
               <a:spcBef>
                 <a:spcPts val="1200"/>
               </a:spcBef>
@@ -7513,7 +7669,7 @@
             <a:endParaRPr/>
           </a:p>
           <a:p>
-            <a:pPr indent="0" lvl="0" marL="0" rtl="0" algn="l">
+            <a:pPr marL="0" lvl="0" indent="0" algn="l" rtl="0">
               <a:spcBef>
                 <a:spcPts val="1200"/>
               </a:spcBef>
@@ -7529,7 +7685,7 @@
             <a:endParaRPr/>
           </a:p>
           <a:p>
-            <a:pPr indent="0" lvl="0" marL="0" rtl="0" algn="l">
+            <a:pPr marL="0" lvl="0" indent="0" algn="l" rtl="0">
               <a:spcBef>
                 <a:spcPts val="1200"/>
               </a:spcBef>
@@ -7545,7 +7701,7 @@
             <a:endParaRPr/>
           </a:p>
           <a:p>
-            <a:pPr indent="0" lvl="0" marL="0" rtl="0" algn="l">
+            <a:pPr marL="0" lvl="0" indent="0" algn="l" rtl="0">
               <a:spcBef>
                 <a:spcPts val="1200"/>
               </a:spcBef>
@@ -7561,7 +7717,7 @@
             <a:endParaRPr/>
           </a:p>
           <a:p>
-            <a:pPr indent="0" lvl="0" marL="0" rtl="0" algn="l">
+            <a:pPr marL="0" lvl="0" indent="0" algn="l" rtl="0">
               <a:spcBef>
                 <a:spcPts val="1200"/>
               </a:spcBef>
@@ -7611,13 +7767,13 @@
   <p:clrMapOvr>
     <a:masterClrMapping/>
   </p:clrMapOvr>
-  <mc:AlternateContent>
+  <mc:AlternateContent xmlns:mc="http://schemas.openxmlformats.org/markup-compatibility/2006" xmlns:p14="http://schemas.microsoft.com/office/powerpoint/2010/main">
     <mc:Choice Requires="p14">
-      <p:transition spd="slow" p14:dur="1000">
+      <p:transition spd="slow">
         <p:push/>
       </p:transition>
     </mc:Choice>
-    <mc:Fallback>
+    <mc:Fallback xmlns:ahyp="http://schemas.microsoft.com/office/drawing/2018/hyperlinkcolor" xmlns:p15="http://schemas.microsoft.com/office/powerpoint/2012/main" xmlns:com="http://schemas.openxmlformats.org/drawingml/2006/compatibility" xmlns:pvml="urn:schemas-microsoft-com:office:powerpoint" xmlns:v="urn:schemas-microsoft-com:vml" xmlns:o="urn:schemas-microsoft-com:office:office" xmlns:dgm="http://schemas.openxmlformats.org/drawingml/2006/diagram" xmlns:c="http://schemas.openxmlformats.org/drawingml/2006/chart" xmlns:mv="urn:schemas-microsoft-com:mac:vml" xmlns="">
       <p:transition spd="slow">
         <p:fade/>
       </p:transition>
@@ -7627,18 +7783,19 @@
 </file>
 
 <file path=ppt/slides/slide4.xml><?xml version="1.0" encoding="utf-8"?>
-<p:sld xmlns:a="http://schemas.openxmlformats.org/drawingml/2006/main" xmlns:r="http://schemas.openxmlformats.org/officeDocument/2006/relationships" xmlns:mc="http://schemas.openxmlformats.org/markup-compatibility/2006" xmlns:mv="urn:schemas-microsoft-com:mac:vml" xmlns:p="http://schemas.openxmlformats.org/presentationml/2006/main" xmlns:c="http://schemas.openxmlformats.org/drawingml/2006/chart" xmlns:dgm="http://schemas.openxmlformats.org/drawingml/2006/diagram" xmlns:o="urn:schemas-microsoft-com:office:office" xmlns:v="urn:schemas-microsoft-com:vml" xmlns:pvml="urn:schemas-microsoft-com:office:powerpoint" xmlns:com="http://schemas.openxmlformats.org/drawingml/2006/compatibility" xmlns:p14="http://schemas.microsoft.com/office/powerpoint/2010/main" xmlns:p15="http://schemas.microsoft.com/office/powerpoint/2012/main" xmlns:ahyp="http://schemas.microsoft.com/office/drawing/2018/hyperlinkcolor">
+<p:sld xmlns:a="http://schemas.openxmlformats.org/drawingml/2006/main" xmlns:r="http://schemas.openxmlformats.org/officeDocument/2006/relationships" xmlns:p="http://schemas.openxmlformats.org/presentationml/2006/main">
   <p:cSld>
     <p:bg>
       <p:bgPr>
         <a:solidFill>
           <a:srgbClr val="D9EAD3"/>
         </a:solidFill>
+        <a:effectLst/>
       </p:bgPr>
     </p:bg>
     <p:spTree>
       <p:nvGrpSpPr>
-        <p:cNvPr id="81" name="Shape 81"/>
+        <p:cNvPr id="1" name="Shape 81"/>
         <p:cNvGrpSpPr/>
         <p:nvPr/>
       </p:nvGrpSpPr>
@@ -7653,7 +7810,9 @@
       <p:sp>
         <p:nvSpPr>
           <p:cNvPr id="82" name="Google Shape;82;p16"/>
-          <p:cNvSpPr txBox="1"/>
+          <p:cNvSpPr txBox="1">
+            <a:spLocks noGrp="1"/>
+          </p:cNvSpPr>
           <p:nvPr>
             <p:ph type="title"/>
           </p:nvPr>
@@ -7668,12 +7827,12 @@
           </a:prstGeom>
         </p:spPr>
         <p:txBody>
-          <a:bodyPr anchorCtr="0" anchor="b" bIns="91425" lIns="91425" spcFirstLastPara="1" rIns="91425" wrap="square" tIns="91425">
-            <a:normAutofit fontScale="90000"/>
+          <a:bodyPr spcFirstLastPara="1" wrap="square" lIns="91425" tIns="91425" rIns="91425" bIns="91425" anchor="b" anchorCtr="0">
+            <a:normAutofit/>
           </a:bodyPr>
           <a:lstStyle/>
           <a:p>
-            <a:pPr indent="0" lvl="0" marL="0" rtl="0" algn="l">
+            <a:pPr marL="0" lvl="0" indent="0" algn="l" rtl="0">
               <a:spcBef>
                 <a:spcPts val="0"/>
               </a:spcBef>
@@ -7689,7 +7848,7 @@
             <a:endParaRPr/>
           </a:p>
           <a:p>
-            <a:pPr indent="0" lvl="0" marL="0" rtl="0" algn="l">
+            <a:pPr marL="0" lvl="0" indent="0" algn="l" rtl="0">
               <a:spcBef>
                 <a:spcPts val="0"/>
               </a:spcBef>
@@ -7698,9 +7857,6 @@
               </a:spcAft>
               <a:buNone/>
             </a:pPr>
-            <a:r>
-              <a:t/>
-            </a:r>
             <a:endParaRPr/>
           </a:p>
         </p:txBody>
@@ -7708,27 +7864,29 @@
       <p:sp>
         <p:nvSpPr>
           <p:cNvPr id="83" name="Google Shape;83;p16"/>
-          <p:cNvSpPr txBox="1"/>
+          <p:cNvSpPr txBox="1">
+            <a:spLocks noGrp="1"/>
+          </p:cNvSpPr>
           <p:nvPr>
-            <p:ph idx="1" type="body"/>
+            <p:ph type="body" idx="1"/>
           </p:nvPr>
         </p:nvSpPr>
         <p:spPr>
           <a:xfrm>
             <a:off x="386950" y="1262650"/>
-            <a:ext cx="4633200" cy="3163800"/>
+            <a:ext cx="4633200" cy="3451240"/>
           </a:xfrm>
           <a:prstGeom prst="rect">
             <a:avLst/>
           </a:prstGeom>
         </p:spPr>
         <p:txBody>
-          <a:bodyPr anchorCtr="0" anchor="t" bIns="91425" lIns="91425" spcFirstLastPara="1" rIns="91425" wrap="square" tIns="91425">
-            <a:normAutofit lnSpcReduction="10000"/>
+          <a:bodyPr spcFirstLastPara="1" wrap="square" lIns="91425" tIns="91425" rIns="91425" bIns="91425" anchor="t" anchorCtr="0">
+            <a:normAutofit/>
           </a:bodyPr>
           <a:lstStyle/>
           <a:p>
-            <a:pPr indent="0" lvl="0" marL="0" rtl="0" algn="l">
+            <a:pPr marL="0" lvl="0" indent="0" algn="l" rtl="0">
               <a:spcBef>
                 <a:spcPts val="0"/>
               </a:spcBef>
@@ -7738,17 +7896,33 @@
               <a:buNone/>
             </a:pPr>
             <a:r>
-              <a:rPr lang="en-GB"/>
-              <a:t>This page includes three parts:</a:t>
+              <a:rPr lang="en-GB" dirty="0"/>
+              <a:t>This page includes three </a:t>
             </a:r>
             <a:r>
-              <a:rPr lang="en-GB"/>
-              <a:t>Introduce myself, Skill set and personality.</a:t>
+              <a:rPr lang="en-GB" dirty="0" err="1"/>
+              <a:t>parts:Introduce</a:t>
             </a:r>
-            <a:endParaRPr/>
-          </a:p>
-          <a:p>
-            <a:pPr indent="0" lvl="0" marL="0" rtl="0" algn="l">
+            <a:r>
+              <a:rPr lang="en-GB" dirty="0"/>
+              <a:t> myself, Skill set and personality.</a:t>
+            </a:r>
+            <a:endParaRPr dirty="0"/>
+          </a:p>
+          <a:p>
+            <a:pPr marL="0" lvl="0" indent="0" algn="l" rtl="0">
+              <a:spcBef>
+                <a:spcPts val="1200"/>
+              </a:spcBef>
+              <a:spcAft>
+                <a:spcPts val="0"/>
+              </a:spcAft>
+              <a:buNone/>
+            </a:pPr>
+            <a:endParaRPr lang="en-GB" dirty="0"/>
+          </a:p>
+          <a:p>
+            <a:pPr marL="0" lvl="0" indent="0" algn="l" rtl="0">
               <a:spcBef>
                 <a:spcPts val="1200"/>
               </a:spcBef>
@@ -7758,13 +7932,25 @@
               <a:buNone/>
             </a:pPr>
             <a:r>
-              <a:rPr lang="en-GB"/>
+              <a:rPr lang="en-GB" dirty="0"/>
               <a:t>Intro and skill set as one container that can evenly layout at webpage.</a:t>
             </a:r>
-            <a:endParaRPr/>
-          </a:p>
-          <a:p>
-            <a:pPr indent="0" lvl="0" marL="0" rtl="0" algn="l">
+            <a:endParaRPr dirty="0"/>
+          </a:p>
+          <a:p>
+            <a:pPr marL="0" lvl="0" indent="0" algn="l" rtl="0">
+              <a:spcBef>
+                <a:spcPts val="1200"/>
+              </a:spcBef>
+              <a:spcAft>
+                <a:spcPts val="0"/>
+              </a:spcAft>
+              <a:buNone/>
+            </a:pPr>
+            <a:endParaRPr dirty="0"/>
+          </a:p>
+          <a:p>
+            <a:pPr marL="0" lvl="0" indent="0" algn="l" rtl="0">
               <a:spcBef>
                 <a:spcPts val="1200"/>
               </a:spcBef>
@@ -7774,12 +7960,13 @@
               <a:buNone/>
             </a:pPr>
             <a:r>
-              <a:t/>
+              <a:rPr lang="en-GB" dirty="0"/>
+              <a:t>When use the mobile device, the layout of them go column.</a:t>
             </a:r>
-            <a:endParaRPr/>
-          </a:p>
-          <a:p>
-            <a:pPr indent="0" lvl="0" marL="0" rtl="0" algn="l">
+            <a:endParaRPr dirty="0"/>
+          </a:p>
+          <a:p>
+            <a:pPr marL="0" lvl="0" indent="0" algn="l" rtl="0">
               <a:spcBef>
                 <a:spcPts val="1200"/>
               </a:spcBef>
@@ -7789,13 +7976,12 @@
               <a:buNone/>
             </a:pPr>
             <a:r>
-              <a:rPr lang="en-GB"/>
-              <a:t>When use the mobile device, the layout of them go column.</a:t>
+              <a:rPr lang="en-GB" dirty="0"/>
+              <a:t>The “back to top”  will show up when using the mobile device.</a:t>
             </a:r>
-            <a:endParaRPr/>
-          </a:p>
-          <a:p>
-            <a:pPr indent="0" lvl="0" marL="0" rtl="0" algn="l">
+          </a:p>
+          <a:p>
+            <a:pPr marL="0" lvl="0" indent="0" algn="l" rtl="0">
               <a:spcBef>
                 <a:spcPts val="1200"/>
               </a:spcBef>
@@ -7805,12 +7991,17 @@
               <a:buNone/>
             </a:pPr>
             <a:r>
-              <a:t/>
+              <a:rPr lang="en-GB" dirty="0"/>
+              <a:t>The skill set use the progress bar to show the stage I got. Which use :</a:t>
             </a:r>
-            <a:endParaRPr/>
-          </a:p>
-          <a:p>
-            <a:pPr indent="0" lvl="0" marL="0" rtl="0" algn="l">
+            <a:r>
+              <a:rPr lang="en-US" altLang="zh-CN" dirty="0"/>
+              <a:t>nth-child</a:t>
+            </a:r>
+            <a:endParaRPr lang="en-GB" dirty="0"/>
+          </a:p>
+          <a:p>
+            <a:pPr marL="0" lvl="0" indent="0" algn="l" rtl="0">
               <a:spcBef>
                 <a:spcPts val="1200"/>
               </a:spcBef>
@@ -7819,27 +8010,7 @@
               </a:spcAft>
               <a:buNone/>
             </a:pPr>
-            <a:r>
-              <a:rPr lang="en-GB"/>
-              <a:t>The “back to top” is hidden when the page is over 1250px then visible under it. </a:t>
-            </a:r>
-            <a:endParaRPr/>
-          </a:p>
-          <a:p>
-            <a:pPr indent="0" lvl="0" marL="0" rtl="0" algn="l">
-              <a:spcBef>
-                <a:spcPts val="1200"/>
-              </a:spcBef>
-              <a:spcAft>
-                <a:spcPts val="1200"/>
-              </a:spcAft>
-              <a:buNone/>
-            </a:pPr>
-            <a:r>
-              <a:rPr lang="en-GB"/>
-              <a:t>The skill set use the progress bar to show the stage I got.</a:t>
-            </a:r>
-            <a:endParaRPr/>
+            <a:endParaRPr dirty="0"/>
           </a:p>
         </p:txBody>
       </p:sp>
@@ -7876,13 +8047,13 @@
   <p:clrMapOvr>
     <a:masterClrMapping/>
   </p:clrMapOvr>
-  <mc:AlternateContent>
+  <mc:AlternateContent xmlns:mc="http://schemas.openxmlformats.org/markup-compatibility/2006" xmlns:p14="http://schemas.microsoft.com/office/powerpoint/2010/main">
     <mc:Choice Requires="p14">
-      <p:transition spd="slow" p14:dur="1000">
+      <p:transition spd="slow">
         <p14:flip dir="l"/>
       </p:transition>
     </mc:Choice>
-    <mc:Fallback>
+    <mc:Fallback xmlns:ahyp="http://schemas.microsoft.com/office/drawing/2018/hyperlinkcolor" xmlns:p15="http://schemas.microsoft.com/office/powerpoint/2012/main" xmlns:com="http://schemas.openxmlformats.org/drawingml/2006/compatibility" xmlns:pvml="urn:schemas-microsoft-com:office:powerpoint" xmlns:v="urn:schemas-microsoft-com:vml" xmlns:o="urn:schemas-microsoft-com:office:office" xmlns:dgm="http://schemas.openxmlformats.org/drawingml/2006/diagram" xmlns:c="http://schemas.openxmlformats.org/drawingml/2006/chart" xmlns:mv="urn:schemas-microsoft-com:mac:vml" xmlns="">
       <p:transition spd="slow">
         <p:fade/>
       </p:transition>
@@ -7892,18 +8063,288 @@
 </file>
 
 <file path=ppt/slides/slide5.xml><?xml version="1.0" encoding="utf-8"?>
-<p:sld xmlns:a="http://schemas.openxmlformats.org/drawingml/2006/main" xmlns:r="http://schemas.openxmlformats.org/officeDocument/2006/relationships" xmlns:mc="http://schemas.openxmlformats.org/markup-compatibility/2006" xmlns:mv="urn:schemas-microsoft-com:mac:vml" xmlns:p="http://schemas.openxmlformats.org/presentationml/2006/main" xmlns:c="http://schemas.openxmlformats.org/drawingml/2006/chart" xmlns:dgm="http://schemas.openxmlformats.org/drawingml/2006/diagram" xmlns:o="urn:schemas-microsoft-com:office:office" xmlns:v="urn:schemas-microsoft-com:vml" xmlns:pvml="urn:schemas-microsoft-com:office:powerpoint" xmlns:com="http://schemas.openxmlformats.org/drawingml/2006/compatibility" xmlns:p14="http://schemas.microsoft.com/office/powerpoint/2010/main" xmlns:p15="http://schemas.microsoft.com/office/powerpoint/2012/main" xmlns:ahyp="http://schemas.microsoft.com/office/drawing/2018/hyperlinkcolor">
+<p:sld xmlns:a="http://schemas.openxmlformats.org/drawingml/2006/main" xmlns:r="http://schemas.openxmlformats.org/officeDocument/2006/relationships" xmlns:p="http://schemas.openxmlformats.org/presentationml/2006/main">
+  <p:cSld>
+    <p:bg>
+      <p:bgPr>
+        <a:solidFill>
+          <a:srgbClr val="FFF2CC"/>
+        </a:solidFill>
+        <a:effectLst/>
+      </p:bgPr>
+    </p:bg>
+    <p:spTree>
+      <p:nvGrpSpPr>
+        <p:cNvPr id="1" name="Shape 96"/>
+        <p:cNvGrpSpPr/>
+        <p:nvPr/>
+      </p:nvGrpSpPr>
+      <p:grpSpPr>
+        <a:xfrm>
+          <a:off x="0" y="0"/>
+          <a:ext cx="0" cy="0"/>
+          <a:chOff x="0" y="0"/>
+          <a:chExt cx="0" cy="0"/>
+        </a:xfrm>
+      </p:grpSpPr>
+      <p:sp>
+        <p:nvSpPr>
+          <p:cNvPr id="97" name="Google Shape;97;p18"/>
+          <p:cNvSpPr txBox="1">
+            <a:spLocks noGrp="1"/>
+          </p:cNvSpPr>
+          <p:nvPr>
+            <p:ph type="title"/>
+          </p:nvPr>
+        </p:nvSpPr>
+        <p:spPr>
+          <a:xfrm>
+            <a:off x="311700" y="555600"/>
+            <a:ext cx="2808000" cy="755700"/>
+          </a:xfrm>
+          <a:prstGeom prst="rect">
+            <a:avLst/>
+          </a:prstGeom>
+        </p:spPr>
+        <p:txBody>
+          <a:bodyPr spcFirstLastPara="1" wrap="square" lIns="91425" tIns="91425" rIns="91425" bIns="91425" anchor="b" anchorCtr="0">
+            <a:normAutofit/>
+          </a:bodyPr>
+          <a:lstStyle/>
+          <a:p>
+            <a:pPr marL="0" lvl="0" indent="0" algn="l" rtl="0">
+              <a:spcBef>
+                <a:spcPts val="0"/>
+              </a:spcBef>
+              <a:spcAft>
+                <a:spcPts val="0"/>
+              </a:spcAft>
+              <a:buNone/>
+            </a:pPr>
+            <a:r>
+              <a:rPr lang="en-GB"/>
+              <a:t>Blogs	</a:t>
+            </a:r>
+            <a:endParaRPr/>
+          </a:p>
+        </p:txBody>
+      </p:sp>
+      <p:sp>
+        <p:nvSpPr>
+          <p:cNvPr id="98" name="Google Shape;98;p18"/>
+          <p:cNvSpPr txBox="1">
+            <a:spLocks noGrp="1"/>
+          </p:cNvSpPr>
+          <p:nvPr>
+            <p:ph type="body" idx="1"/>
+          </p:nvPr>
+        </p:nvSpPr>
+        <p:spPr>
+          <a:xfrm>
+            <a:off x="311700" y="1399400"/>
+            <a:ext cx="5105400" cy="3192900"/>
+          </a:xfrm>
+          <a:prstGeom prst="rect">
+            <a:avLst/>
+          </a:prstGeom>
+        </p:spPr>
+        <p:txBody>
+          <a:bodyPr spcFirstLastPara="1" wrap="square" lIns="91425" tIns="91425" rIns="91425" bIns="91425" anchor="t" anchorCtr="0">
+            <a:normAutofit/>
+          </a:bodyPr>
+          <a:lstStyle/>
+          <a:p>
+            <a:pPr marL="0" lvl="0" indent="0" algn="l" rtl="0">
+              <a:spcBef>
+                <a:spcPts val="0"/>
+              </a:spcBef>
+              <a:spcAft>
+                <a:spcPts val="0"/>
+              </a:spcAft>
+              <a:buNone/>
+            </a:pPr>
+            <a:r>
+              <a:rPr lang="en-GB" dirty="0"/>
+              <a:t>The page has 5 blogs.</a:t>
+            </a:r>
+            <a:endParaRPr dirty="0"/>
+          </a:p>
+          <a:p>
+            <a:pPr marL="0" lvl="0" indent="0" algn="l" rtl="0">
+              <a:spcBef>
+                <a:spcPts val="1200"/>
+              </a:spcBef>
+              <a:spcAft>
+                <a:spcPts val="0"/>
+              </a:spcAft>
+              <a:buNone/>
+            </a:pPr>
+            <a:r>
+              <a:rPr lang="en-GB" dirty="0"/>
+              <a:t>Each of them has image area and the text area.</a:t>
+            </a:r>
+            <a:endParaRPr dirty="0"/>
+          </a:p>
+          <a:p>
+            <a:pPr marL="0" lvl="0" indent="0" algn="l" rtl="0">
+              <a:spcBef>
+                <a:spcPts val="1200"/>
+              </a:spcBef>
+              <a:spcAft>
+                <a:spcPts val="0"/>
+              </a:spcAft>
+              <a:buNone/>
+            </a:pPr>
+            <a:r>
+              <a:rPr lang="en-GB" dirty="0"/>
+              <a:t>Image area is half lay on the text area in web </a:t>
+            </a:r>
+            <a:r>
+              <a:rPr lang="en-GB" dirty="0" err="1"/>
+              <a:t>brower</a:t>
+            </a:r>
+            <a:r>
+              <a:rPr lang="en-GB" dirty="0"/>
+              <a:t> the image and text are flex inline.</a:t>
+            </a:r>
+            <a:endParaRPr dirty="0"/>
+          </a:p>
+          <a:p>
+            <a:pPr marL="0" lvl="0" indent="0" algn="l" rtl="0">
+              <a:spcBef>
+                <a:spcPts val="1200"/>
+              </a:spcBef>
+              <a:spcAft>
+                <a:spcPts val="0"/>
+              </a:spcAft>
+              <a:buNone/>
+            </a:pPr>
+            <a:r>
+              <a:rPr lang="en-GB" dirty="0"/>
+              <a:t>When use mobile devices or page when using the mobile devices, the image and text are in column layout.</a:t>
+            </a:r>
+            <a:endParaRPr dirty="0"/>
+          </a:p>
+          <a:p>
+            <a:pPr marL="0" lvl="0" indent="0" algn="l" rtl="0">
+              <a:spcBef>
+                <a:spcPts val="1200"/>
+              </a:spcBef>
+              <a:spcAft>
+                <a:spcPts val="0"/>
+              </a:spcAft>
+              <a:buNone/>
+            </a:pPr>
+            <a:r>
+              <a:rPr lang="en-GB" dirty="0"/>
+              <a:t>The blog will highlight when hover on it to make sure u can see it clearly.</a:t>
+            </a:r>
+            <a:endParaRPr dirty="0"/>
+          </a:p>
+          <a:p>
+            <a:pPr marL="0" lvl="0" indent="0" algn="l" rtl="0">
+              <a:spcBef>
+                <a:spcPts val="1200"/>
+              </a:spcBef>
+              <a:spcAft>
+                <a:spcPts val="0"/>
+              </a:spcAft>
+              <a:buNone/>
+            </a:pPr>
+            <a:r>
+              <a:rPr lang="en-GB" dirty="0"/>
+              <a:t>The “ back to top” button is always shows on this page.</a:t>
+            </a:r>
+            <a:endParaRPr dirty="0"/>
+          </a:p>
+          <a:p>
+            <a:pPr marL="0" lvl="0" indent="0" algn="l" rtl="0">
+              <a:spcBef>
+                <a:spcPts val="1200"/>
+              </a:spcBef>
+              <a:spcAft>
+                <a:spcPts val="0"/>
+              </a:spcAft>
+              <a:buNone/>
+            </a:pPr>
+            <a:endParaRPr dirty="0"/>
+          </a:p>
+          <a:p>
+            <a:pPr marL="0" lvl="0" indent="0" algn="l" rtl="0">
+              <a:spcBef>
+                <a:spcPts val="1200"/>
+              </a:spcBef>
+              <a:spcAft>
+                <a:spcPts val="1200"/>
+              </a:spcAft>
+              <a:buNone/>
+            </a:pPr>
+            <a:endParaRPr dirty="0"/>
+          </a:p>
+        </p:txBody>
+      </p:sp>
+      <p:pic>
+        <p:nvPicPr>
+          <p:cNvPr id="99" name="Google Shape;99;p18"/>
+          <p:cNvPicPr preferRelativeResize="0"/>
+          <p:nvPr/>
+        </p:nvPicPr>
+        <p:blipFill>
+          <a:blip r:embed="rId3">
+            <a:alphaModFix/>
+          </a:blip>
+          <a:stretch>
+            <a:fillRect/>
+          </a:stretch>
+        </p:blipFill>
+        <p:spPr>
+          <a:xfrm>
+            <a:off x="5614100" y="783700"/>
+            <a:ext cx="1880326" cy="4045076"/>
+          </a:xfrm>
+          <a:prstGeom prst="rect">
+            <a:avLst/>
+          </a:prstGeom>
+          <a:noFill/>
+          <a:ln>
+            <a:noFill/>
+          </a:ln>
+        </p:spPr>
+      </p:pic>
+    </p:spTree>
+  </p:cSld>
+  <p:clrMapOvr>
+    <a:masterClrMapping/>
+  </p:clrMapOvr>
+  <mc:AlternateContent xmlns:mc="http://schemas.openxmlformats.org/markup-compatibility/2006" xmlns:p14="http://schemas.microsoft.com/office/powerpoint/2010/main">
+    <mc:Choice Requires="p14">
+      <p:transition spd="slow">
+        <p:fade/>
+      </p:transition>
+    </mc:Choice>
+    <mc:Fallback xmlns:ahyp="http://schemas.microsoft.com/office/drawing/2018/hyperlinkcolor" xmlns:p15="http://schemas.microsoft.com/office/powerpoint/2012/main" xmlns:com="http://schemas.openxmlformats.org/drawingml/2006/compatibility" xmlns:pvml="urn:schemas-microsoft-com:office:powerpoint" xmlns:v="urn:schemas-microsoft-com:vml" xmlns:o="urn:schemas-microsoft-com:office:office" xmlns:dgm="http://schemas.openxmlformats.org/drawingml/2006/diagram" xmlns:c="http://schemas.openxmlformats.org/drawingml/2006/chart" xmlns:mv="urn:schemas-microsoft-com:mac:vml" xmlns="">
+      <p:transition spd="slow">
+        <p:fade/>
+      </p:transition>
+    </mc:Fallback>
+  </mc:AlternateContent>
+</p:sld>
+</file>
+
+<file path=ppt/slides/slide6.xml><?xml version="1.0" encoding="utf-8"?>
+<p:sld xmlns:a="http://schemas.openxmlformats.org/drawingml/2006/main" xmlns:r="http://schemas.openxmlformats.org/officeDocument/2006/relationships" xmlns:p="http://schemas.openxmlformats.org/presentationml/2006/main">
   <p:cSld>
     <p:bg>
       <p:bgPr>
         <a:solidFill>
           <a:srgbClr val="CFE2F3"/>
         </a:solidFill>
+        <a:effectLst/>
       </p:bgPr>
     </p:bg>
     <p:spTree>
       <p:nvGrpSpPr>
-        <p:cNvPr id="88" name="Shape 88"/>
+        <p:cNvPr id="1" name="Shape 88"/>
         <p:cNvGrpSpPr/>
         <p:nvPr/>
       </p:nvGrpSpPr>
@@ -7918,7 +8359,9 @@
       <p:sp>
         <p:nvSpPr>
           <p:cNvPr id="89" name="Google Shape;89;p17"/>
-          <p:cNvSpPr txBox="1"/>
+          <p:cNvSpPr txBox="1">
+            <a:spLocks noGrp="1"/>
+          </p:cNvSpPr>
           <p:nvPr>
             <p:ph type="title"/>
           </p:nvPr>
@@ -7933,12 +8376,12 @@
           </a:prstGeom>
         </p:spPr>
         <p:txBody>
-          <a:bodyPr anchorCtr="0" anchor="b" bIns="91425" lIns="91425" spcFirstLastPara="1" rIns="91425" wrap="square" tIns="91425">
+          <a:bodyPr spcFirstLastPara="1" wrap="square" lIns="91425" tIns="91425" rIns="91425" bIns="91425" anchor="b" anchorCtr="0">
             <a:normAutofit/>
           </a:bodyPr>
           <a:lstStyle/>
           <a:p>
-            <a:pPr indent="0" lvl="0" marL="0" rtl="0" algn="l">
+            <a:pPr marL="0" lvl="0" indent="0" algn="l" rtl="0">
               <a:spcBef>
                 <a:spcPts val="0"/>
               </a:spcBef>
@@ -7949,11 +8392,7 @@
             </a:pPr>
             <a:r>
               <a:rPr lang="en-GB"/>
-              <a:t>Portfolio</a:t>
-            </a:r>
-            <a:r>
-              <a:rPr lang="en-GB"/>
-              <a:t> Page</a:t>
+              <a:t>Portfolio Page</a:t>
             </a:r>
             <a:endParaRPr/>
           </a:p>
@@ -7962,9 +8401,11 @@
       <p:sp>
         <p:nvSpPr>
           <p:cNvPr id="90" name="Google Shape;90;p17"/>
-          <p:cNvSpPr txBox="1"/>
+          <p:cNvSpPr txBox="1">
+            <a:spLocks noGrp="1"/>
+          </p:cNvSpPr>
           <p:nvPr>
-            <p:ph idx="1" type="body"/>
+            <p:ph type="body" idx="1"/>
           </p:nvPr>
         </p:nvSpPr>
         <p:spPr>
@@ -7977,12 +8418,12 @@
           </a:prstGeom>
         </p:spPr>
         <p:txBody>
-          <a:bodyPr anchorCtr="0" anchor="t" bIns="91425" lIns="91425" spcFirstLastPara="1" rIns="91425" wrap="square" tIns="91425">
+          <a:bodyPr spcFirstLastPara="1" wrap="square" lIns="91425" tIns="91425" rIns="91425" bIns="91425" anchor="t" anchorCtr="0">
             <a:normAutofit/>
           </a:bodyPr>
           <a:lstStyle/>
           <a:p>
-            <a:pPr indent="0" lvl="0" marL="0" rtl="0" algn="l">
+            <a:pPr marL="0" lvl="0" indent="0" algn="l" rtl="0">
               <a:spcBef>
                 <a:spcPts val="0"/>
               </a:spcBef>
@@ -7991,9 +8432,6 @@
               </a:spcAft>
               <a:buNone/>
             </a:pPr>
-            <a:r>
-              <a:t/>
-            </a:r>
             <a:endParaRPr/>
           </a:p>
         </p:txBody>
@@ -8001,9 +8439,11 @@
       <p:sp>
         <p:nvSpPr>
           <p:cNvPr id="91" name="Google Shape;91;p17"/>
-          <p:cNvSpPr txBox="1"/>
+          <p:cNvSpPr txBox="1">
+            <a:spLocks noGrp="1"/>
+          </p:cNvSpPr>
           <p:nvPr>
-            <p:ph idx="2" type="body"/>
+            <p:ph type="body" idx="2"/>
           </p:nvPr>
         </p:nvSpPr>
         <p:spPr>
@@ -8016,12 +8456,12 @@
           </a:prstGeom>
         </p:spPr>
         <p:txBody>
-          <a:bodyPr anchorCtr="0" anchor="t" bIns="91425" lIns="91425" spcFirstLastPara="1" rIns="91425" wrap="square" tIns="91425">
+          <a:bodyPr spcFirstLastPara="1" wrap="square" lIns="91425" tIns="91425" rIns="91425" bIns="91425" anchor="t" anchorCtr="0">
             <a:normAutofit/>
           </a:bodyPr>
           <a:lstStyle/>
           <a:p>
-            <a:pPr indent="0" lvl="0" marL="0" rtl="0" algn="l">
+            <a:pPr marL="0" lvl="0" indent="0" algn="l" rtl="0">
               <a:spcBef>
                 <a:spcPts val="0"/>
               </a:spcBef>
@@ -8031,13 +8471,25 @@
               <a:buNone/>
             </a:pPr>
             <a:r>
-              <a:rPr lang="en-GB"/>
+              <a:rPr lang="en-GB" dirty="0"/>
               <a:t>This page include three Projects.</a:t>
             </a:r>
-            <a:endParaRPr/>
-          </a:p>
-          <a:p>
-            <a:pPr indent="0" lvl="0" marL="0" rtl="0" algn="l">
+            <a:endParaRPr dirty="0"/>
+          </a:p>
+          <a:p>
+            <a:pPr marL="0" lvl="0" indent="0" algn="l" rtl="0">
+              <a:spcBef>
+                <a:spcPts val="1200"/>
+              </a:spcBef>
+              <a:spcAft>
+                <a:spcPts val="0"/>
+              </a:spcAft>
+              <a:buNone/>
+            </a:pPr>
+            <a:endParaRPr dirty="0"/>
+          </a:p>
+          <a:p>
+            <a:pPr marL="0" lvl="0" indent="0" algn="l" rtl="0">
               <a:spcBef>
                 <a:spcPts val="1200"/>
               </a:spcBef>
@@ -8047,56 +8499,46 @@
               <a:buNone/>
             </a:pPr>
             <a:r>
-              <a:t/>
+              <a:rPr lang="en-GB" dirty="0"/>
+              <a:t>The text at text is hidden until the hover and the text area will slide down.</a:t>
             </a:r>
-            <a:endParaRPr/>
-          </a:p>
-          <a:p>
-            <a:pPr indent="0" lvl="0" marL="0" rtl="0" algn="l">
+            <a:endParaRPr dirty="0"/>
+          </a:p>
+          <a:p>
+            <a:pPr marL="0" lvl="0" indent="0" algn="l" rtl="0">
               <a:spcBef>
                 <a:spcPts val="1200"/>
               </a:spcBef>
               <a:spcAft>
                 <a:spcPts val="0"/>
+              </a:spcAft>
+              <a:buNone/>
+            </a:pPr>
+            <a:endParaRPr dirty="0"/>
+          </a:p>
+          <a:p>
+            <a:pPr marL="0" lvl="0" indent="0" algn="l" rtl="0">
+              <a:spcBef>
+                <a:spcPts val="1200"/>
+              </a:spcBef>
+              <a:spcAft>
+                <a:spcPts val="1200"/>
               </a:spcAft>
               <a:buNone/>
             </a:pPr>
             <a:r>
-              <a:rPr lang="en-GB"/>
-              <a:t>The text at text is hidden until the hover and the text area will slide down.</a:t>
+              <a:rPr lang="en-GB" dirty="0"/>
+              <a:t>“Back to top” </a:t>
             </a:r>
-            <a:endParaRPr/>
-          </a:p>
-          <a:p>
-            <a:pPr indent="0" lvl="0" marL="0" rtl="0" algn="l">
-              <a:spcBef>
-                <a:spcPts val="1200"/>
-              </a:spcBef>
-              <a:spcAft>
-                <a:spcPts val="0"/>
-              </a:spcAft>
-              <a:buNone/>
-            </a:pPr>
             <a:r>
-              <a:t/>
+              <a:rPr lang="en-GB" dirty="0" err="1"/>
+              <a:t>buttom</a:t>
             </a:r>
-            <a:endParaRPr/>
-          </a:p>
-          <a:p>
-            <a:pPr indent="0" lvl="0" marL="0" rtl="0" algn="l">
-              <a:spcBef>
-                <a:spcPts val="1200"/>
-              </a:spcBef>
-              <a:spcAft>
-                <a:spcPts val="1200"/>
-              </a:spcAft>
-              <a:buNone/>
-            </a:pPr>
             <a:r>
-              <a:rPr lang="en-GB"/>
-              <a:t>“Back to top” buttom will appear when use the mobile devices.</a:t>
+              <a:rPr lang="en-GB" dirty="0"/>
+              <a:t> will appear when use the mobile devices.</a:t>
             </a:r>
-            <a:endParaRPr/>
+            <a:endParaRPr dirty="0"/>
           </a:p>
         </p:txBody>
       </p:sp>
@@ -8133,291 +8575,13 @@
   <p:clrMapOvr>
     <a:masterClrMapping/>
   </p:clrMapOvr>
-  <mc:AlternateContent>
+  <mc:AlternateContent xmlns:mc="http://schemas.openxmlformats.org/markup-compatibility/2006" xmlns:p14="http://schemas.microsoft.com/office/powerpoint/2010/main">
     <mc:Choice Requires="p14">
-      <p:transition spd="slow" p14:dur="1000">
+      <p:transition spd="slow">
         <p14:gallery dir="l"/>
       </p:transition>
     </mc:Choice>
-    <mc:Fallback>
-      <p:transition spd="slow">
-        <p:fade/>
-      </p:transition>
-    </mc:Fallback>
-  </mc:AlternateContent>
-</p:sld>
-</file>
-
-<file path=ppt/slides/slide6.xml><?xml version="1.0" encoding="utf-8"?>
-<p:sld xmlns:a="http://schemas.openxmlformats.org/drawingml/2006/main" xmlns:r="http://schemas.openxmlformats.org/officeDocument/2006/relationships" xmlns:mc="http://schemas.openxmlformats.org/markup-compatibility/2006" xmlns:mv="urn:schemas-microsoft-com:mac:vml" xmlns:p="http://schemas.openxmlformats.org/presentationml/2006/main" xmlns:c="http://schemas.openxmlformats.org/drawingml/2006/chart" xmlns:dgm="http://schemas.openxmlformats.org/drawingml/2006/diagram" xmlns:o="urn:schemas-microsoft-com:office:office" xmlns:v="urn:schemas-microsoft-com:vml" xmlns:pvml="urn:schemas-microsoft-com:office:powerpoint" xmlns:com="http://schemas.openxmlformats.org/drawingml/2006/compatibility" xmlns:p14="http://schemas.microsoft.com/office/powerpoint/2010/main" xmlns:p15="http://schemas.microsoft.com/office/powerpoint/2012/main" xmlns:ahyp="http://schemas.microsoft.com/office/drawing/2018/hyperlinkcolor">
-  <p:cSld>
-    <p:bg>
-      <p:bgPr>
-        <a:solidFill>
-          <a:srgbClr val="FFF2CC"/>
-        </a:solidFill>
-      </p:bgPr>
-    </p:bg>
-    <p:spTree>
-      <p:nvGrpSpPr>
-        <p:cNvPr id="96" name="Shape 96"/>
-        <p:cNvGrpSpPr/>
-        <p:nvPr/>
-      </p:nvGrpSpPr>
-      <p:grpSpPr>
-        <a:xfrm>
-          <a:off x="0" y="0"/>
-          <a:ext cx="0" cy="0"/>
-          <a:chOff x="0" y="0"/>
-          <a:chExt cx="0" cy="0"/>
-        </a:xfrm>
-      </p:grpSpPr>
-      <p:sp>
-        <p:nvSpPr>
-          <p:cNvPr id="97" name="Google Shape;97;p18"/>
-          <p:cNvSpPr txBox="1"/>
-          <p:nvPr>
-            <p:ph type="title"/>
-          </p:nvPr>
-        </p:nvSpPr>
-        <p:spPr>
-          <a:xfrm>
-            <a:off x="311700" y="555600"/>
-            <a:ext cx="2808000" cy="755700"/>
-          </a:xfrm>
-          <a:prstGeom prst="rect">
-            <a:avLst/>
-          </a:prstGeom>
-        </p:spPr>
-        <p:txBody>
-          <a:bodyPr anchorCtr="0" anchor="b" bIns="91425" lIns="91425" spcFirstLastPara="1" rIns="91425" wrap="square" tIns="91425">
-            <a:normAutofit/>
-          </a:bodyPr>
-          <a:lstStyle/>
-          <a:p>
-            <a:pPr indent="0" lvl="0" marL="0" rtl="0" algn="l">
-              <a:spcBef>
-                <a:spcPts val="0"/>
-              </a:spcBef>
-              <a:spcAft>
-                <a:spcPts val="0"/>
-              </a:spcAft>
-              <a:buNone/>
-            </a:pPr>
-            <a:r>
-              <a:rPr lang="en-GB"/>
-              <a:t>Blogs	</a:t>
-            </a:r>
-            <a:endParaRPr/>
-          </a:p>
-        </p:txBody>
-      </p:sp>
-      <p:sp>
-        <p:nvSpPr>
-          <p:cNvPr id="98" name="Google Shape;98;p18"/>
-          <p:cNvSpPr txBox="1"/>
-          <p:nvPr>
-            <p:ph idx="1" type="body"/>
-          </p:nvPr>
-        </p:nvSpPr>
-        <p:spPr>
-          <a:xfrm>
-            <a:off x="311700" y="1399400"/>
-            <a:ext cx="5105400" cy="3192900"/>
-          </a:xfrm>
-          <a:prstGeom prst="rect">
-            <a:avLst/>
-          </a:prstGeom>
-        </p:spPr>
-        <p:txBody>
-          <a:bodyPr anchorCtr="0" anchor="t" bIns="91425" lIns="91425" spcFirstLastPara="1" rIns="91425" wrap="square" tIns="91425">
-            <a:normAutofit lnSpcReduction="20000"/>
-          </a:bodyPr>
-          <a:lstStyle/>
-          <a:p>
-            <a:pPr indent="0" lvl="0" marL="0" rtl="0" algn="l">
-              <a:spcBef>
-                <a:spcPts val="0"/>
-              </a:spcBef>
-              <a:spcAft>
-                <a:spcPts val="0"/>
-              </a:spcAft>
-              <a:buNone/>
-            </a:pPr>
-            <a:r>
-              <a:rPr lang="en-GB"/>
-              <a:t>The page has 5 blogs.</a:t>
-            </a:r>
-            <a:endParaRPr/>
-          </a:p>
-          <a:p>
-            <a:pPr indent="0" lvl="0" marL="0" rtl="0" algn="l">
-              <a:spcBef>
-                <a:spcPts val="1200"/>
-              </a:spcBef>
-              <a:spcAft>
-                <a:spcPts val="0"/>
-              </a:spcAft>
-              <a:buNone/>
-            </a:pPr>
-            <a:r>
-              <a:rPr lang="en-GB"/>
-              <a:t>Each of them has </a:t>
-            </a:r>
-            <a:r>
-              <a:rPr lang="en-GB"/>
-              <a:t>image</a:t>
-            </a:r>
-            <a:r>
-              <a:rPr lang="en-GB"/>
-              <a:t> area and the text area.</a:t>
-            </a:r>
-            <a:endParaRPr/>
-          </a:p>
-          <a:p>
-            <a:pPr indent="0" lvl="0" marL="0" rtl="0" algn="l">
-              <a:spcBef>
-                <a:spcPts val="1200"/>
-              </a:spcBef>
-              <a:spcAft>
-                <a:spcPts val="0"/>
-              </a:spcAft>
-              <a:buNone/>
-            </a:pPr>
-            <a:r>
-              <a:rPr lang="en-GB"/>
-              <a:t>Image area is half lay on the text area, when page is about 1250px the image and text are flex inline.</a:t>
-            </a:r>
-            <a:endParaRPr/>
-          </a:p>
-          <a:p>
-            <a:pPr indent="0" lvl="0" marL="0" rtl="0" algn="l">
-              <a:spcBef>
-                <a:spcPts val="1200"/>
-              </a:spcBef>
-              <a:spcAft>
-                <a:spcPts val="0"/>
-              </a:spcAft>
-              <a:buNone/>
-            </a:pPr>
-            <a:r>
-              <a:rPr lang="en-GB"/>
-              <a:t>When use mobile devices or page is below 1250px, the image and text are in column layout.</a:t>
-            </a:r>
-            <a:endParaRPr/>
-          </a:p>
-          <a:p>
-            <a:pPr indent="0" lvl="0" marL="0" rtl="0" algn="l">
-              <a:spcBef>
-                <a:spcPts val="1200"/>
-              </a:spcBef>
-              <a:spcAft>
-                <a:spcPts val="0"/>
-              </a:spcAft>
-              <a:buNone/>
-            </a:pPr>
-            <a:r>
-              <a:rPr lang="en-GB"/>
-              <a:t>The blog will highlight when hover on it to make sure u can see it clearly.</a:t>
-            </a:r>
-            <a:endParaRPr/>
-          </a:p>
-          <a:p>
-            <a:pPr indent="0" lvl="0" marL="0" rtl="0" algn="l">
-              <a:spcBef>
-                <a:spcPts val="1200"/>
-              </a:spcBef>
-              <a:spcAft>
-                <a:spcPts val="0"/>
-              </a:spcAft>
-              <a:buNone/>
-            </a:pPr>
-            <a:r>
-              <a:rPr lang="en-GB"/>
-              <a:t>The “ back to top” </a:t>
-            </a:r>
-            <a:r>
-              <a:rPr lang="en-GB"/>
-              <a:t>button</a:t>
-            </a:r>
-            <a:r>
-              <a:rPr lang="en-GB"/>
-              <a:t> is always shows on this page.</a:t>
-            </a:r>
-            <a:endParaRPr/>
-          </a:p>
-          <a:p>
-            <a:pPr indent="0" lvl="0" marL="0" rtl="0" algn="l">
-              <a:spcBef>
-                <a:spcPts val="1200"/>
-              </a:spcBef>
-              <a:spcAft>
-                <a:spcPts val="0"/>
-              </a:spcAft>
-              <a:buNone/>
-            </a:pPr>
-            <a:r>
-              <a:t/>
-            </a:r>
-            <a:endParaRPr/>
-          </a:p>
-          <a:p>
-            <a:pPr indent="0" lvl="0" marL="0" rtl="0" algn="l">
-              <a:spcBef>
-                <a:spcPts val="1200"/>
-              </a:spcBef>
-              <a:spcAft>
-                <a:spcPts val="1200"/>
-              </a:spcAft>
-              <a:buNone/>
-            </a:pPr>
-            <a:r>
-              <a:t/>
-            </a:r>
-            <a:endParaRPr/>
-          </a:p>
-        </p:txBody>
-      </p:sp>
-      <p:pic>
-        <p:nvPicPr>
-          <p:cNvPr id="99" name="Google Shape;99;p18"/>
-          <p:cNvPicPr preferRelativeResize="0"/>
-          <p:nvPr/>
-        </p:nvPicPr>
-        <p:blipFill>
-          <a:blip r:embed="rId3">
-            <a:alphaModFix/>
-          </a:blip>
-          <a:stretch>
-            <a:fillRect/>
-          </a:stretch>
-        </p:blipFill>
-        <p:spPr>
-          <a:xfrm>
-            <a:off x="5614100" y="783700"/>
-            <a:ext cx="1880326" cy="4045076"/>
-          </a:xfrm>
-          <a:prstGeom prst="rect">
-            <a:avLst/>
-          </a:prstGeom>
-          <a:noFill/>
-          <a:ln>
-            <a:noFill/>
-          </a:ln>
-        </p:spPr>
-      </p:pic>
-    </p:spTree>
-  </p:cSld>
-  <p:clrMapOvr>
-    <a:masterClrMapping/>
-  </p:clrMapOvr>
-  <mc:AlternateContent>
-    <mc:Choice Requires="p14">
-      <p:transition spd="slow" p14:dur="1000">
-        <p:fade/>
-      </p:transition>
-    </mc:Choice>
-    <mc:Fallback>
+    <mc:Fallback xmlns:ahyp="http://schemas.microsoft.com/office/drawing/2018/hyperlinkcolor" xmlns:p15="http://schemas.microsoft.com/office/powerpoint/2012/main" xmlns:com="http://schemas.openxmlformats.org/drawingml/2006/compatibility" xmlns:pvml="urn:schemas-microsoft-com:office:powerpoint" xmlns:v="urn:schemas-microsoft-com:vml" xmlns:o="urn:schemas-microsoft-com:office:office" xmlns:dgm="http://schemas.openxmlformats.org/drawingml/2006/diagram" xmlns:c="http://schemas.openxmlformats.org/drawingml/2006/chart" xmlns:mv="urn:schemas-microsoft-com:mac:vml" xmlns="">
       <p:transition spd="slow">
         <p:fade/>
       </p:transition>
@@ -8427,18 +8591,19 @@
 </file>
 
 <file path=ppt/slides/slide7.xml><?xml version="1.0" encoding="utf-8"?>
-<p:sld xmlns:a="http://schemas.openxmlformats.org/drawingml/2006/main" xmlns:r="http://schemas.openxmlformats.org/officeDocument/2006/relationships" xmlns:mc="http://schemas.openxmlformats.org/markup-compatibility/2006" xmlns:mv="urn:schemas-microsoft-com:mac:vml" xmlns:p="http://schemas.openxmlformats.org/presentationml/2006/main" xmlns:c="http://schemas.openxmlformats.org/drawingml/2006/chart" xmlns:dgm="http://schemas.openxmlformats.org/drawingml/2006/diagram" xmlns:o="urn:schemas-microsoft-com:office:office" xmlns:v="urn:schemas-microsoft-com:vml" xmlns:pvml="urn:schemas-microsoft-com:office:powerpoint" xmlns:com="http://schemas.openxmlformats.org/drawingml/2006/compatibility" xmlns:p14="http://schemas.microsoft.com/office/powerpoint/2010/main" xmlns:p15="http://schemas.microsoft.com/office/powerpoint/2012/main" xmlns:ahyp="http://schemas.microsoft.com/office/drawing/2018/hyperlinkcolor">
+<p:sld xmlns:a="http://schemas.openxmlformats.org/drawingml/2006/main" xmlns:r="http://schemas.openxmlformats.org/officeDocument/2006/relationships" xmlns:p="http://schemas.openxmlformats.org/presentationml/2006/main">
   <p:cSld>
     <p:bg>
       <p:bgPr>
         <a:solidFill>
           <a:srgbClr val="D9D2E9"/>
         </a:solidFill>
+        <a:effectLst/>
       </p:bgPr>
     </p:bg>
     <p:spTree>
       <p:nvGrpSpPr>
-        <p:cNvPr id="103" name="Shape 103"/>
+        <p:cNvPr id="1" name="Shape 103"/>
         <p:cNvGrpSpPr/>
         <p:nvPr/>
       </p:nvGrpSpPr>
@@ -8453,9 +8618,11 @@
       <p:sp>
         <p:nvSpPr>
           <p:cNvPr id="104" name="Google Shape;104;p19"/>
-          <p:cNvSpPr txBox="1"/>
+          <p:cNvSpPr txBox="1">
+            <a:spLocks noGrp="1"/>
+          </p:cNvSpPr>
           <p:nvPr>
-            <p:ph idx="1" type="body"/>
+            <p:ph type="body" idx="1"/>
           </p:nvPr>
         </p:nvSpPr>
         <p:spPr>
@@ -8468,12 +8635,12 @@
           </a:prstGeom>
         </p:spPr>
         <p:txBody>
-          <a:bodyPr anchorCtr="0" anchor="ctr" bIns="91425" lIns="91425" spcFirstLastPara="1" rIns="91425" wrap="square" tIns="91425">
+          <a:bodyPr spcFirstLastPara="1" wrap="square" lIns="91425" tIns="91425" rIns="91425" bIns="91425" anchor="ctr" anchorCtr="0">
             <a:normAutofit/>
           </a:bodyPr>
           <a:lstStyle/>
           <a:p>
-            <a:pPr indent="0" lvl="0" marL="0" rtl="0" algn="l">
+            <a:pPr marL="0" lvl="0" indent="0" algn="l" rtl="0">
               <a:spcBef>
                 <a:spcPts val="0"/>
               </a:spcBef>
@@ -8538,12 +8705,12 @@
           </a:ln>
         </p:spPr>
         <p:txBody>
-          <a:bodyPr anchorCtr="0" anchor="t" bIns="91425" lIns="91425" spcFirstLastPara="1" rIns="91425" wrap="square" tIns="91425">
+          <a:bodyPr spcFirstLastPara="1" wrap="square" lIns="91425" tIns="91425" rIns="91425" bIns="91425" anchor="t" anchorCtr="0">
             <a:spAutoFit/>
           </a:bodyPr>
           <a:lstStyle/>
           <a:p>
-            <a:pPr indent="0" lvl="0" marL="0" rtl="0" algn="l">
+            <a:pPr marL="0" lvl="0" indent="0" algn="l" rtl="0">
               <a:spcBef>
                 <a:spcPts val="0"/>
               </a:spcBef>
@@ -8569,7 +8736,7 @@
             </a:endParaRPr>
           </a:p>
           <a:p>
-            <a:pPr indent="0" lvl="0" marL="0" rtl="0" algn="l">
+            <a:pPr marL="0" lvl="0" indent="0" algn="l" rtl="0">
               <a:spcBef>
                 <a:spcPts val="0"/>
               </a:spcBef>
@@ -8578,9 +8745,6 @@
               </a:spcAft>
               <a:buNone/>
             </a:pPr>
-            <a:r>
-              <a:t/>
-            </a:r>
             <a:endParaRPr>
               <a:latin typeface="Open Sans"/>
               <a:ea typeface="Open Sans"/>
@@ -8589,7 +8753,7 @@
             </a:endParaRPr>
           </a:p>
           <a:p>
-            <a:pPr indent="0" lvl="0" marL="0" rtl="0" algn="l">
+            <a:pPr marL="0" lvl="0" indent="0" algn="l" rtl="0">
               <a:spcBef>
                 <a:spcPts val="0"/>
               </a:spcBef>
@@ -8615,7 +8779,7 @@
             </a:endParaRPr>
           </a:p>
           <a:p>
-            <a:pPr indent="0" lvl="0" marL="0" rtl="0" algn="l">
+            <a:pPr marL="0" lvl="0" indent="0" algn="l" rtl="0">
               <a:spcBef>
                 <a:spcPts val="0"/>
               </a:spcBef>
@@ -8624,9 +8788,6 @@
               </a:spcAft>
               <a:buNone/>
             </a:pPr>
-            <a:r>
-              <a:t/>
-            </a:r>
             <a:endParaRPr>
               <a:latin typeface="Open Sans"/>
               <a:ea typeface="Open Sans"/>
@@ -8635,7 +8796,7 @@
             </a:endParaRPr>
           </a:p>
           <a:p>
-            <a:pPr indent="0" lvl="0" marL="0" rtl="0" algn="l">
+            <a:pPr marL="0" lvl="0" indent="0" algn="l" rtl="0">
               <a:spcBef>
                 <a:spcPts val="0"/>
               </a:spcBef>
@@ -8651,25 +8812,7 @@
                 <a:cs typeface="Open Sans"/>
                 <a:sym typeface="Open Sans"/>
               </a:rPr>
-              <a:t>The “send message page” will </a:t>
-            </a:r>
-            <a:r>
-              <a:rPr lang="en-GB">
-                <a:latin typeface="Open Sans"/>
-                <a:ea typeface="Open Sans"/>
-                <a:cs typeface="Open Sans"/>
-                <a:sym typeface="Open Sans"/>
-              </a:rPr>
-              <a:t>automatically</a:t>
-            </a:r>
-            <a:r>
-              <a:rPr lang="en-GB">
-                <a:latin typeface="Open Sans"/>
-                <a:ea typeface="Open Sans"/>
-                <a:cs typeface="Open Sans"/>
-                <a:sym typeface="Open Sans"/>
-              </a:rPr>
-              <a:t> narrow when the page change.</a:t>
+              <a:t>The “send message page” will automatically narrow when the page change.</a:t>
             </a:r>
             <a:endParaRPr>
               <a:latin typeface="Open Sans"/>
@@ -8679,7 +8822,7 @@
             </a:endParaRPr>
           </a:p>
           <a:p>
-            <a:pPr indent="0" lvl="0" marL="0" rtl="0" algn="l">
+            <a:pPr marL="0" lvl="0" indent="0" algn="l" rtl="0">
               <a:spcBef>
                 <a:spcPts val="0"/>
               </a:spcBef>
@@ -8688,9 +8831,6 @@
               </a:spcAft>
               <a:buNone/>
             </a:pPr>
-            <a:r>
-              <a:t/>
-            </a:r>
             <a:endParaRPr>
               <a:latin typeface="Open Sans"/>
               <a:ea typeface="Open Sans"/>
@@ -8699,7 +8839,7 @@
             </a:endParaRPr>
           </a:p>
           <a:p>
-            <a:pPr indent="0" lvl="0" marL="0" rtl="0" algn="l">
+            <a:pPr marL="0" lvl="0" indent="0" algn="l" rtl="0">
               <a:spcBef>
                 <a:spcPts val="0"/>
               </a:spcBef>
@@ -8731,13 +8871,13 @@
   <p:clrMapOvr>
     <a:masterClrMapping/>
   </p:clrMapOvr>
-  <mc:AlternateContent>
+  <mc:AlternateContent xmlns:mc="http://schemas.openxmlformats.org/markup-compatibility/2006" xmlns:p14="http://schemas.microsoft.com/office/powerpoint/2010/main">
     <mc:Choice Requires="p14">
-      <p:transition spd="slow" p14:dur="1000">
-        <p14:prism dir="l"/>
+      <p:transition spd="slow">
+        <p14:prism/>
       </p:transition>
     </mc:Choice>
-    <mc:Fallback>
+    <mc:Fallback xmlns:ahyp="http://schemas.microsoft.com/office/drawing/2018/hyperlinkcolor" xmlns:p15="http://schemas.microsoft.com/office/powerpoint/2012/main" xmlns:com="http://schemas.openxmlformats.org/drawingml/2006/compatibility" xmlns:pvml="urn:schemas-microsoft-com:office:powerpoint" xmlns:v="urn:schemas-microsoft-com:vml" xmlns:o="urn:schemas-microsoft-com:office:office" xmlns:dgm="http://schemas.openxmlformats.org/drawingml/2006/diagram" xmlns:c="http://schemas.openxmlformats.org/drawingml/2006/chart" xmlns:mv="urn:schemas-microsoft-com:mac:vml" xmlns="">
       <p:transition spd="slow">
         <p:fade/>
       </p:transition>
@@ -8747,18 +8887,19 @@
 </file>
 
 <file path=ppt/slides/slide8.xml><?xml version="1.0" encoding="utf-8"?>
-<p:sld xmlns:a="http://schemas.openxmlformats.org/drawingml/2006/main" xmlns:r="http://schemas.openxmlformats.org/officeDocument/2006/relationships" xmlns:mc="http://schemas.openxmlformats.org/markup-compatibility/2006" xmlns:mv="urn:schemas-microsoft-com:mac:vml" xmlns:p="http://schemas.openxmlformats.org/presentationml/2006/main" xmlns:c="http://schemas.openxmlformats.org/drawingml/2006/chart" xmlns:dgm="http://schemas.openxmlformats.org/drawingml/2006/diagram" xmlns:o="urn:schemas-microsoft-com:office:office" xmlns:v="urn:schemas-microsoft-com:vml" xmlns:pvml="urn:schemas-microsoft-com:office:powerpoint" xmlns:com="http://schemas.openxmlformats.org/drawingml/2006/compatibility" xmlns:p14="http://schemas.microsoft.com/office/powerpoint/2010/main" xmlns:p15="http://schemas.microsoft.com/office/powerpoint/2012/main" xmlns:ahyp="http://schemas.microsoft.com/office/drawing/2018/hyperlinkcolor">
+<p:sld xmlns:a="http://schemas.openxmlformats.org/drawingml/2006/main" xmlns:r="http://schemas.openxmlformats.org/officeDocument/2006/relationships" xmlns:p="http://schemas.openxmlformats.org/presentationml/2006/main">
   <p:cSld>
     <p:bg>
       <p:bgPr>
         <a:solidFill>
           <a:srgbClr val="FFD966"/>
         </a:solidFill>
+        <a:effectLst/>
       </p:bgPr>
     </p:bg>
     <p:spTree>
       <p:nvGrpSpPr>
-        <p:cNvPr id="110" name="Shape 110"/>
+        <p:cNvPr id="1" name="Shape 110"/>
         <p:cNvGrpSpPr/>
         <p:nvPr/>
       </p:nvGrpSpPr>
@@ -8773,7 +8914,9 @@
       <p:sp>
         <p:nvSpPr>
           <p:cNvPr id="111" name="Google Shape;111;p20"/>
-          <p:cNvSpPr txBox="1"/>
+          <p:cNvSpPr txBox="1">
+            <a:spLocks noGrp="1"/>
+          </p:cNvSpPr>
           <p:nvPr>
             <p:ph type="title"/>
           </p:nvPr>
@@ -8788,12 +8931,12 @@
           </a:prstGeom>
         </p:spPr>
         <p:txBody>
-          <a:bodyPr anchorCtr="0" anchor="b" bIns="91425" lIns="91425" spcFirstLastPara="1" rIns="91425" wrap="square" tIns="91425">
+          <a:bodyPr spcFirstLastPara="1" wrap="square" lIns="91425" tIns="91425" rIns="91425" bIns="91425" anchor="b" anchorCtr="0">
             <a:normAutofit/>
           </a:bodyPr>
           <a:lstStyle/>
           <a:p>
-            <a:pPr indent="0" lvl="0" marL="0" rtl="0" algn="l">
+            <a:pPr marL="0" lvl="0" indent="0" algn="l" rtl="0">
               <a:spcBef>
                 <a:spcPts val="0"/>
               </a:spcBef>
@@ -8803,19 +8946,25 @@
               <a:buNone/>
             </a:pPr>
             <a:r>
-              <a:rPr lang="en-GB"/>
-              <a:t>Chanlleges, ethics issues and favourite parts.</a:t>
+              <a:rPr lang="en-GB" dirty="0" err="1"/>
+              <a:t>Chanlleges</a:t>
             </a:r>
-            <a:endParaRPr/>
+            <a:r>
+              <a:rPr lang="en-GB" dirty="0"/>
+              <a:t> and favourite parts.</a:t>
+            </a:r>
+            <a:endParaRPr dirty="0"/>
           </a:p>
         </p:txBody>
       </p:sp>
       <p:sp>
         <p:nvSpPr>
           <p:cNvPr id="112" name="Google Shape;112;p20"/>
-          <p:cNvSpPr txBox="1"/>
+          <p:cNvSpPr txBox="1">
+            <a:spLocks noGrp="1"/>
+          </p:cNvSpPr>
           <p:nvPr>
-            <p:ph idx="1" type="body"/>
+            <p:ph type="body" idx="1"/>
           </p:nvPr>
         </p:nvSpPr>
         <p:spPr>
@@ -8828,12 +8977,12 @@
           </a:prstGeom>
         </p:spPr>
         <p:txBody>
-          <a:bodyPr anchorCtr="0" anchor="t" bIns="91425" lIns="91425" spcFirstLastPara="1" rIns="91425" wrap="square" tIns="91425">
-            <a:normAutofit fontScale="25000" lnSpcReduction="20000"/>
+          <a:bodyPr spcFirstLastPara="1" wrap="square" lIns="91425" tIns="91425" rIns="91425" bIns="91425" anchor="t" anchorCtr="0">
+            <a:normAutofit fontScale="32500" lnSpcReduction="20000"/>
           </a:bodyPr>
           <a:lstStyle/>
           <a:p>
-            <a:pPr indent="0" lvl="0" marL="0" rtl="0" algn="l">
+            <a:pPr marL="0" lvl="0" indent="0" algn="l" rtl="0">
               <a:spcBef>
                 <a:spcPts val="0"/>
               </a:spcBef>
@@ -8843,24 +8992,69 @@
               <a:buNone/>
             </a:pPr>
             <a:r>
-              <a:rPr lang="en-GB" sz="5608">
+              <a:rPr lang="en-GB" sz="5608" dirty="0">
                 <a:latin typeface="Arial"/>
                 <a:ea typeface="Arial"/>
                 <a:cs typeface="Arial"/>
                 <a:sym typeface="Arial"/>
               </a:rPr>
-              <a:t>The </a:t>
+              <a:t>The challenge is always the </a:t>
             </a:r>
             <a:r>
-              <a:rPr lang="en-GB" sz="5608">
+              <a:rPr lang="en-US" altLang="zh-CN" sz="5608" dirty="0">
                 <a:latin typeface="Arial"/>
                 <a:ea typeface="Arial"/>
                 <a:cs typeface="Arial"/>
                 <a:sym typeface="Arial"/>
               </a:rPr>
-              <a:t>challenge is always the responsive which I am still working on it. (Github 70% commits come from the responsive issue)</a:t>
+              <a:t>flexbox</a:t>
             </a:r>
-            <a:endParaRPr sz="5608">
+            <a:r>
+              <a:rPr lang="en-GB" sz="5608" dirty="0">
+                <a:latin typeface="Arial"/>
+                <a:ea typeface="Arial"/>
+                <a:cs typeface="Arial"/>
+                <a:sym typeface="Arial"/>
+              </a:rPr>
+              <a:t> responsive which I am still working on it, </a:t>
+            </a:r>
+            <a:r>
+              <a:rPr lang="en-GB" sz="5608" dirty="0" err="1">
+                <a:latin typeface="Arial"/>
+                <a:ea typeface="Arial"/>
+                <a:cs typeface="Arial"/>
+                <a:sym typeface="Arial"/>
+              </a:rPr>
+              <a:t>Hambuger</a:t>
+            </a:r>
+            <a:r>
+              <a:rPr lang="en-GB" sz="5608" dirty="0">
+                <a:latin typeface="Arial"/>
+                <a:ea typeface="Arial"/>
+                <a:cs typeface="Arial"/>
+                <a:sym typeface="Arial"/>
+              </a:rPr>
+              <a:t> Menu and simplify the </a:t>
+            </a:r>
+            <a:r>
+              <a:rPr lang="en-GB" sz="5608" dirty="0" err="1">
+                <a:latin typeface="Arial"/>
+                <a:ea typeface="Arial"/>
+                <a:cs typeface="Arial"/>
+                <a:sym typeface="Arial"/>
+              </a:rPr>
+              <a:t>css</a:t>
+            </a:r>
+            <a:r>
+              <a:rPr lang="en-GB" sz="5608" dirty="0">
+                <a:latin typeface="Arial"/>
+                <a:ea typeface="Arial"/>
+                <a:cs typeface="Arial"/>
+                <a:sym typeface="Arial"/>
+              </a:rPr>
+              <a:t>.</a:t>
+            </a:r>
+            <a:endParaRPr sz="4808" dirty="0">
               <a:latin typeface="Arial"/>
               <a:ea typeface="Arial"/>
               <a:cs typeface="Arial"/>
@@ -8868,7 +9062,7 @@
             </a:endParaRPr>
           </a:p>
           <a:p>
-            <a:pPr indent="0" lvl="0" marL="0" rtl="0" algn="l">
+            <a:pPr marL="0" lvl="0" indent="0" algn="l" rtl="0">
               <a:spcBef>
                 <a:spcPts val="1200"/>
               </a:spcBef>
@@ -8877,10 +9071,7 @@
               </a:spcAft>
               <a:buNone/>
             </a:pPr>
-            <a:r>
-              <a:t/>
-            </a:r>
-            <a:endParaRPr sz="4808">
+            <a:endParaRPr lang="en-GB" sz="5608" dirty="0">
               <a:latin typeface="Arial"/>
               <a:ea typeface="Arial"/>
               <a:cs typeface="Arial"/>
@@ -8888,7 +9079,7 @@
             </a:endParaRPr>
           </a:p>
           <a:p>
-            <a:pPr indent="0" lvl="0" marL="0" rtl="0" algn="l">
+            <a:pPr marL="0" lvl="0" indent="0" algn="l" rtl="0">
               <a:spcBef>
                 <a:spcPts val="1200"/>
               </a:spcBef>
@@ -8898,15 +9089,33 @@
               <a:buNone/>
             </a:pPr>
             <a:r>
-              <a:rPr lang="en-GB" sz="5608">
+              <a:rPr lang="en-GB" sz="5608" dirty="0">
                 <a:latin typeface="Arial"/>
                 <a:ea typeface="Arial"/>
                 <a:cs typeface="Arial"/>
                 <a:sym typeface="Arial"/>
               </a:rPr>
-              <a:t>About the web site, spend most of time on the Portfolio page and Blog page that slider down animation of potfolio and layout issue of the blog page. And its also my favourite parts of the site.</a:t>
+              <a:t>About the web site, spend most of time on the Portfolio page and Blog page that slider down animation of </a:t>
             </a:r>
-            <a:endParaRPr sz="5608">
+            <a:r>
+              <a:rPr lang="en-GB" sz="5608" dirty="0" err="1">
+                <a:latin typeface="Arial"/>
+                <a:ea typeface="Arial"/>
+                <a:cs typeface="Arial"/>
+                <a:sym typeface="Arial"/>
+              </a:rPr>
+              <a:t>potfolio</a:t>
+            </a:r>
+            <a:r>
+              <a:rPr lang="en-GB" sz="5608" dirty="0">
+                <a:latin typeface="Arial"/>
+                <a:ea typeface="Arial"/>
+                <a:cs typeface="Arial"/>
+                <a:sym typeface="Arial"/>
+              </a:rPr>
+              <a:t> and layout issue of the blog page. And its also my favourite parts of the site.</a:t>
+            </a:r>
+            <a:endParaRPr sz="5608" dirty="0">
               <a:latin typeface="Arial"/>
               <a:ea typeface="Arial"/>
               <a:cs typeface="Arial"/>
@@ -8914,7 +9123,7 @@
             </a:endParaRPr>
           </a:p>
           <a:p>
-            <a:pPr indent="0" lvl="0" marL="0" rtl="0" algn="l">
+            <a:pPr marL="0" lvl="0" indent="0" algn="l" rtl="0">
               <a:spcBef>
                 <a:spcPts val="1200"/>
               </a:spcBef>
@@ -8923,10 +9132,7 @@
               </a:spcAft>
               <a:buNone/>
             </a:pPr>
-            <a:r>
-              <a:t/>
-            </a:r>
-            <a:endParaRPr sz="5608">
+            <a:endParaRPr sz="5608" dirty="0">
               <a:latin typeface="Arial"/>
               <a:ea typeface="Arial"/>
               <a:cs typeface="Arial"/>
@@ -8934,49 +9140,27 @@
             </a:endParaRPr>
           </a:p>
           <a:p>
-            <a:pPr indent="0" lvl="0" marL="0" rtl="0" algn="l">
+            <a:pPr marL="0" lvl="0" indent="0" algn="l" rtl="0">
               <a:spcBef>
                 <a:spcPts val="1200"/>
               </a:spcBef>
               <a:spcAft>
-                <a:spcPts val="0"/>
+                <a:spcPts val="1200"/>
               </a:spcAft>
               <a:buNone/>
             </a:pPr>
-            <a:r>
-              <a:rPr lang="en-GB" sz="5608">
-                <a:latin typeface="Arial"/>
-                <a:ea typeface="Arial"/>
-                <a:cs typeface="Arial"/>
-                <a:sym typeface="Arial"/>
-              </a:rPr>
-              <a:t>Ethics issues: I did consult some other web sites like codepen and tailwind however, get the idea and try figue it out by myself is a really challenge and fun part of learning css and html.</a:t>
-            </a:r>
-            <a:endParaRPr sz="4808"/>
-          </a:p>
-          <a:p>
-            <a:pPr indent="0" lvl="0" marL="0" rtl="0" algn="l">
-              <a:spcBef>
-                <a:spcPts val="1200"/>
-              </a:spcBef>
-              <a:spcAft>
-                <a:spcPts val="1200"/>
-              </a:spcAft>
-              <a:buNone/>
-            </a:pPr>
-            <a:r>
-              <a:t/>
-            </a:r>
-            <a:endParaRPr/>
+            <a:endParaRPr dirty="0"/>
           </a:p>
         </p:txBody>
       </p:sp>
       <p:sp>
         <p:nvSpPr>
           <p:cNvPr id="113" name="Google Shape;113;p20"/>
-          <p:cNvSpPr txBox="1"/>
+          <p:cNvSpPr txBox="1">
+            <a:spLocks noGrp="1"/>
+          </p:cNvSpPr>
           <p:nvPr>
-            <p:ph idx="2" type="body"/>
+            <p:ph type="body" idx="2"/>
           </p:nvPr>
         </p:nvSpPr>
         <p:spPr>
@@ -8989,12 +9173,12 @@
           </a:prstGeom>
         </p:spPr>
         <p:txBody>
-          <a:bodyPr anchorCtr="0" anchor="t" bIns="91425" lIns="91425" spcFirstLastPara="1" rIns="91425" wrap="square" tIns="91425">
-            <a:normAutofit fontScale="70000" lnSpcReduction="20000"/>
+          <a:bodyPr spcFirstLastPara="1" wrap="square" lIns="91425" tIns="91425" rIns="91425" bIns="91425" anchor="t" anchorCtr="0">
+            <a:normAutofit fontScale="77500" lnSpcReduction="20000"/>
           </a:bodyPr>
           <a:lstStyle/>
           <a:p>
-            <a:pPr indent="0" lvl="0" marL="0" rtl="0" algn="l">
+            <a:pPr marL="0" lvl="0" indent="0" algn="l" rtl="0">
               <a:spcBef>
                 <a:spcPts val="0"/>
               </a:spcBef>
@@ -9010,7 +9194,7 @@
             <a:endParaRPr/>
           </a:p>
           <a:p>
-            <a:pPr indent="0" lvl="0" marL="0" rtl="0" algn="l">
+            <a:pPr marL="0" lvl="0" indent="0" algn="l" rtl="0">
               <a:spcBef>
                 <a:spcPts val="1200"/>
               </a:spcBef>
@@ -9026,7 +9210,7 @@
             <a:endParaRPr/>
           </a:p>
           <a:p>
-            <a:pPr indent="0" lvl="0" marL="0" rtl="0" algn="l">
+            <a:pPr marL="0" lvl="0" indent="0" algn="l" rtl="0">
               <a:spcBef>
                 <a:spcPts val="1200"/>
               </a:spcBef>
@@ -9042,7 +9226,7 @@
             <a:endParaRPr sz="1200"/>
           </a:p>
           <a:p>
-            <a:pPr indent="0" lvl="0" marL="0" rtl="0" algn="l">
+            <a:pPr marL="0" lvl="0" indent="0" algn="l" rtl="0">
               <a:spcBef>
                 <a:spcPts val="1200"/>
               </a:spcBef>
@@ -9058,7 +9242,7 @@
             <a:endParaRPr sz="1200"/>
           </a:p>
           <a:p>
-            <a:pPr indent="0" lvl="0" marL="0" rtl="0" algn="l">
+            <a:pPr marL="0" lvl="0" indent="0" algn="l" rtl="0">
               <a:spcBef>
                 <a:spcPts val="1200"/>
               </a:spcBef>
@@ -9074,7 +9258,7 @@
             <a:endParaRPr sz="1200"/>
           </a:p>
           <a:p>
-            <a:pPr indent="0" lvl="0" marL="0" rtl="0" algn="l">
+            <a:pPr marL="0" lvl="0" indent="0" algn="l" rtl="0">
               <a:spcBef>
                 <a:spcPts val="1200"/>
               </a:spcBef>
@@ -9090,7 +9274,7 @@
             <a:endParaRPr sz="1200"/>
           </a:p>
           <a:p>
-            <a:pPr indent="0" lvl="0" marL="0" rtl="0" algn="l">
+            <a:pPr marL="0" lvl="0" indent="0" algn="l" rtl="0">
               <a:spcBef>
                 <a:spcPts val="1200"/>
               </a:spcBef>
@@ -9106,7 +9290,7 @@
             <a:endParaRPr sz="1200"/>
           </a:p>
           <a:p>
-            <a:pPr indent="0" lvl="0" marL="0" rtl="0" algn="l">
+            <a:pPr marL="0" lvl="0" indent="0" algn="l" rtl="0">
               <a:spcBef>
                 <a:spcPts val="1200"/>
               </a:spcBef>
@@ -9122,7 +9306,7 @@
             <a:endParaRPr sz="1200"/>
           </a:p>
           <a:p>
-            <a:pPr indent="0" lvl="0" marL="0" rtl="0" algn="l">
+            <a:pPr marL="0" lvl="0" indent="0" algn="l" rtl="0">
               <a:spcBef>
                 <a:spcPts val="1200"/>
               </a:spcBef>
@@ -9138,7 +9322,7 @@
             <a:endParaRPr sz="1200"/>
           </a:p>
           <a:p>
-            <a:pPr indent="0" lvl="0" marL="0" rtl="0" algn="l">
+            <a:pPr marL="0" lvl="0" indent="0" algn="l" rtl="0">
               <a:spcBef>
                 <a:spcPts val="1200"/>
               </a:spcBef>
@@ -9154,7 +9338,7 @@
             <a:endParaRPr sz="1200"/>
           </a:p>
           <a:p>
-            <a:pPr indent="0" lvl="0" marL="0" rtl="0" algn="l">
+            <a:pPr marL="0" lvl="0" indent="0" algn="l" rtl="0">
               <a:spcBef>
                 <a:spcPts val="1200"/>
               </a:spcBef>
@@ -9170,7 +9354,7 @@
             <a:endParaRPr sz="1200"/>
           </a:p>
           <a:p>
-            <a:pPr indent="0" lvl="0" marL="0" rtl="0" algn="l">
+            <a:pPr marL="0" lvl="0" indent="0" algn="l" rtl="0">
               <a:spcBef>
                 <a:spcPts val="1200"/>
               </a:spcBef>
@@ -9186,7 +9370,7 @@
             <a:endParaRPr sz="1200"/>
           </a:p>
           <a:p>
-            <a:pPr indent="0" lvl="0" marL="0" rtl="0" algn="l">
+            <a:pPr marL="0" lvl="0" indent="0" algn="l" rtl="0">
               <a:spcBef>
                 <a:spcPts val="1200"/>
               </a:spcBef>
@@ -9195,9 +9379,6 @@
               </a:spcAft>
               <a:buNone/>
             </a:pPr>
-            <a:r>
-              <a:t/>
-            </a:r>
             <a:endParaRPr/>
           </a:p>
         </p:txBody>
@@ -9207,13 +9388,13 @@
   <p:clrMapOvr>
     <a:masterClrMapping/>
   </p:clrMapOvr>
-  <mc:AlternateContent>
+  <mc:AlternateContent xmlns:mc="http://schemas.openxmlformats.org/markup-compatibility/2006" xmlns:p14="http://schemas.microsoft.com/office/powerpoint/2010/main">
     <mc:Choice Requires="p14">
-      <p:transition spd="slow" p14:dur="1000">
+      <p:transition spd="slow">
         <p14:gallery dir="l"/>
       </p:transition>
     </mc:Choice>
-    <mc:Fallback>
+    <mc:Fallback xmlns:ahyp="http://schemas.microsoft.com/office/drawing/2018/hyperlinkcolor" xmlns:p15="http://schemas.microsoft.com/office/powerpoint/2012/main" xmlns:com="http://schemas.openxmlformats.org/drawingml/2006/compatibility" xmlns:pvml="urn:schemas-microsoft-com:office:powerpoint" xmlns:v="urn:schemas-microsoft-com:vml" xmlns:o="urn:schemas-microsoft-com:office:office" xmlns:dgm="http://schemas.openxmlformats.org/drawingml/2006/diagram" xmlns:c="http://schemas.openxmlformats.org/drawingml/2006/chart" xmlns:mv="urn:schemas-microsoft-com:mac:vml" xmlns="">
       <p:transition spd="slow">
         <p:fade/>
       </p:transition>
@@ -9223,11 +9404,11 @@
 </file>
 
 <file path=ppt/slides/slide9.xml><?xml version="1.0" encoding="utf-8"?>
-<p:sld xmlns:a="http://schemas.openxmlformats.org/drawingml/2006/main" xmlns:r="http://schemas.openxmlformats.org/officeDocument/2006/relationships" xmlns:mc="http://schemas.openxmlformats.org/markup-compatibility/2006" xmlns:mv="urn:schemas-microsoft-com:mac:vml" xmlns:p="http://schemas.openxmlformats.org/presentationml/2006/main" xmlns:c="http://schemas.openxmlformats.org/drawingml/2006/chart" xmlns:dgm="http://schemas.openxmlformats.org/drawingml/2006/diagram" xmlns:o="urn:schemas-microsoft-com:office:office" xmlns:v="urn:schemas-microsoft-com:vml" xmlns:pvml="urn:schemas-microsoft-com:office:powerpoint" xmlns:com="http://schemas.openxmlformats.org/drawingml/2006/compatibility" xmlns:p14="http://schemas.microsoft.com/office/powerpoint/2010/main" xmlns:p15="http://schemas.microsoft.com/office/powerpoint/2012/main" xmlns:ahyp="http://schemas.microsoft.com/office/drawing/2018/hyperlinkcolor">
+<p:sld xmlns:a="http://schemas.openxmlformats.org/drawingml/2006/main" xmlns:r="http://schemas.openxmlformats.org/officeDocument/2006/relationships" xmlns:p="http://schemas.openxmlformats.org/presentationml/2006/main">
   <p:cSld>
     <p:spTree>
       <p:nvGrpSpPr>
-        <p:cNvPr id="117" name="Shape 117"/>
+        <p:cNvPr id="1" name="Shape 117"/>
         <p:cNvGrpSpPr/>
         <p:nvPr/>
       </p:nvGrpSpPr>
@@ -9242,7 +9423,9 @@
       <p:sp>
         <p:nvSpPr>
           <p:cNvPr id="118" name="Google Shape;118;p21"/>
-          <p:cNvSpPr txBox="1"/>
+          <p:cNvSpPr txBox="1">
+            <a:spLocks noGrp="1"/>
+          </p:cNvSpPr>
           <p:nvPr>
             <p:ph type="ctrTitle"/>
           </p:nvPr>
@@ -9257,12 +9440,12 @@
           </a:prstGeom>
         </p:spPr>
         <p:txBody>
-          <a:bodyPr anchorCtr="0" anchor="b" bIns="91425" lIns="91425" spcFirstLastPara="1" rIns="91425" wrap="square" tIns="91425">
+          <a:bodyPr spcFirstLastPara="1" wrap="square" lIns="91425" tIns="91425" rIns="91425" bIns="91425" anchor="b" anchorCtr="0">
             <a:normAutofit/>
           </a:bodyPr>
           <a:lstStyle/>
           <a:p>
-            <a:pPr indent="0" lvl="0" marL="0" rtl="0" algn="ctr">
+            <a:pPr marL="0" lvl="0" indent="0" algn="ctr" rtl="0">
               <a:spcBef>
                 <a:spcPts val="0"/>
               </a:spcBef>
@@ -9282,9 +9465,11 @@
       <p:sp>
         <p:nvSpPr>
           <p:cNvPr id="119" name="Google Shape;119;p21"/>
-          <p:cNvSpPr txBox="1"/>
+          <p:cNvSpPr txBox="1">
+            <a:spLocks noGrp="1"/>
+          </p:cNvSpPr>
           <p:nvPr>
-            <p:ph idx="1" type="subTitle"/>
+            <p:ph type="subTitle" idx="1"/>
           </p:nvPr>
         </p:nvSpPr>
         <p:spPr>
@@ -9297,12 +9482,12 @@
           </a:prstGeom>
         </p:spPr>
         <p:txBody>
-          <a:bodyPr anchorCtr="0" anchor="t" bIns="91425" lIns="91425" spcFirstLastPara="1" rIns="91425" wrap="square" tIns="91425">
+          <a:bodyPr spcFirstLastPara="1" wrap="square" lIns="91425" tIns="91425" rIns="91425" bIns="91425" anchor="t" anchorCtr="0">
             <a:normAutofit/>
           </a:bodyPr>
           <a:lstStyle/>
           <a:p>
-            <a:pPr indent="0" lvl="0" marL="0" rtl="0" algn="ctr">
+            <a:pPr marL="0" lvl="0" indent="0" algn="ctr" rtl="0">
               <a:spcBef>
                 <a:spcPts val="0"/>
               </a:spcBef>
@@ -9311,9 +9496,6 @@
               </a:spcAft>
               <a:buNone/>
             </a:pPr>
-            <a:r>
-              <a:t/>
-            </a:r>
             <a:endParaRPr/>
           </a:p>
         </p:txBody>
@@ -9323,13 +9505,13 @@
   <p:clrMapOvr>
     <a:masterClrMapping/>
   </p:clrMapOvr>
-  <mc:AlternateContent>
+  <mc:AlternateContent xmlns:mc="http://schemas.openxmlformats.org/markup-compatibility/2006" xmlns:p14="http://schemas.microsoft.com/office/powerpoint/2010/main">
     <mc:Choice Requires="p14">
-      <p:transition spd="slow" p14:dur="1000">
+      <p:transition spd="slow">
         <p:fade thruBlk="1"/>
       </p:transition>
     </mc:Choice>
-    <mc:Fallback>
+    <mc:Fallback xmlns:ahyp="http://schemas.microsoft.com/office/drawing/2018/hyperlinkcolor" xmlns:p15="http://schemas.microsoft.com/office/powerpoint/2012/main" xmlns:com="http://schemas.openxmlformats.org/drawingml/2006/compatibility" xmlns:pvml="urn:schemas-microsoft-com:office:powerpoint" xmlns:v="urn:schemas-microsoft-com:vml" xmlns:o="urn:schemas-microsoft-com:office:office" xmlns:dgm="http://schemas.openxmlformats.org/drawingml/2006/diagram" xmlns:c="http://schemas.openxmlformats.org/drawingml/2006/chart" xmlns:mv="urn:schemas-microsoft-com:mac:vml" xmlns="">
       <p:transition spd="slow">
         <p:fade/>
       </p:transition>
@@ -9339,7 +9521,7 @@
 </file>
 
 <file path=ppt/theme/theme1.xml><?xml version="1.0" encoding="utf-8"?>
-<a:theme xmlns:a="http://schemas.openxmlformats.org/drawingml/2006/main" xmlns:r="http://schemas.openxmlformats.org/officeDocument/2006/relationships" name="Luxe">
+<a:theme xmlns:a="http://schemas.openxmlformats.org/drawingml/2006/main" name="Luxe">
   <a:themeElements>
     <a:clrScheme name="Luxe">
       <a:dk1>
@@ -9614,11 +9796,13 @@
       </a:bgFillStyleLst>
     </a:fmtScheme>
   </a:themeElements>
+  <a:objectDefaults/>
+  <a:extraClrSchemeLst/>
 </a:theme>
 </file>
 
 <file path=ppt/theme/theme2.xml><?xml version="1.0" encoding="utf-8"?>
-<a:theme xmlns:a="http://schemas.openxmlformats.org/drawingml/2006/main" xmlns:r="http://schemas.openxmlformats.org/officeDocument/2006/relationships">
+<a:theme xmlns:a="http://schemas.openxmlformats.org/drawingml/2006/main">
   <a:themeElements>
     <a:clrScheme name="Default">
       <a:dk1>
@@ -9893,5 +10077,7 @@
       </a:bgFillStyleLst>
     </a:fmtScheme>
   </a:themeElements>
+  <a:objectDefaults/>
+  <a:extraClrSchemeLst/>
 </a:theme>
 </file>